--- a/계획서, 보고서/구조.pptx
+++ b/계획서, 보고서/구조.pptx
@@ -275,7 +275,7 @@
           <a:p>
             <a:fld id="{79FB0D3A-441B-4783-90A0-9FECA56B3872}" type="datetimeFigureOut">
               <a:rPr lang="ko-KR" altLang="en-US" smtClean="0"/>
-              <a:t>2021-04-07</a:t>
+              <a:t>2021-04-21</a:t>
             </a:fld>
             <a:endParaRPr lang="ko-KR" altLang="en-US"/>
           </a:p>
@@ -473,7 +473,7 @@
           <a:p>
             <a:fld id="{79FB0D3A-441B-4783-90A0-9FECA56B3872}" type="datetimeFigureOut">
               <a:rPr lang="ko-KR" altLang="en-US" smtClean="0"/>
-              <a:t>2021-04-07</a:t>
+              <a:t>2021-04-21</a:t>
             </a:fld>
             <a:endParaRPr lang="ko-KR" altLang="en-US"/>
           </a:p>
@@ -681,7 +681,7 @@
           <a:p>
             <a:fld id="{79FB0D3A-441B-4783-90A0-9FECA56B3872}" type="datetimeFigureOut">
               <a:rPr lang="ko-KR" altLang="en-US" smtClean="0"/>
-              <a:t>2021-04-07</a:t>
+              <a:t>2021-04-21</a:t>
             </a:fld>
             <a:endParaRPr lang="ko-KR" altLang="en-US"/>
           </a:p>
@@ -879,7 +879,7 @@
           <a:p>
             <a:fld id="{79FB0D3A-441B-4783-90A0-9FECA56B3872}" type="datetimeFigureOut">
               <a:rPr lang="ko-KR" altLang="en-US" smtClean="0"/>
-              <a:t>2021-04-07</a:t>
+              <a:t>2021-04-21</a:t>
             </a:fld>
             <a:endParaRPr lang="ko-KR" altLang="en-US"/>
           </a:p>
@@ -1154,7 +1154,7 @@
           <a:p>
             <a:fld id="{79FB0D3A-441B-4783-90A0-9FECA56B3872}" type="datetimeFigureOut">
               <a:rPr lang="ko-KR" altLang="en-US" smtClean="0"/>
-              <a:t>2021-04-07</a:t>
+              <a:t>2021-04-21</a:t>
             </a:fld>
             <a:endParaRPr lang="ko-KR" altLang="en-US"/>
           </a:p>
@@ -1419,7 +1419,7 @@
           <a:p>
             <a:fld id="{79FB0D3A-441B-4783-90A0-9FECA56B3872}" type="datetimeFigureOut">
               <a:rPr lang="ko-KR" altLang="en-US" smtClean="0"/>
-              <a:t>2021-04-07</a:t>
+              <a:t>2021-04-21</a:t>
             </a:fld>
             <a:endParaRPr lang="ko-KR" altLang="en-US"/>
           </a:p>
@@ -1831,7 +1831,7 @@
           <a:p>
             <a:fld id="{79FB0D3A-441B-4783-90A0-9FECA56B3872}" type="datetimeFigureOut">
               <a:rPr lang="ko-KR" altLang="en-US" smtClean="0"/>
-              <a:t>2021-04-07</a:t>
+              <a:t>2021-04-21</a:t>
             </a:fld>
             <a:endParaRPr lang="ko-KR" altLang="en-US"/>
           </a:p>
@@ -1972,7 +1972,7 @@
           <a:p>
             <a:fld id="{79FB0D3A-441B-4783-90A0-9FECA56B3872}" type="datetimeFigureOut">
               <a:rPr lang="ko-KR" altLang="en-US" smtClean="0"/>
-              <a:t>2021-04-07</a:t>
+              <a:t>2021-04-21</a:t>
             </a:fld>
             <a:endParaRPr lang="ko-KR" altLang="en-US"/>
           </a:p>
@@ -2085,7 +2085,7 @@
           <a:p>
             <a:fld id="{79FB0D3A-441B-4783-90A0-9FECA56B3872}" type="datetimeFigureOut">
               <a:rPr lang="ko-KR" altLang="en-US" smtClean="0"/>
-              <a:t>2021-04-07</a:t>
+              <a:t>2021-04-21</a:t>
             </a:fld>
             <a:endParaRPr lang="ko-KR" altLang="en-US"/>
           </a:p>
@@ -2396,7 +2396,7 @@
           <a:p>
             <a:fld id="{79FB0D3A-441B-4783-90A0-9FECA56B3872}" type="datetimeFigureOut">
               <a:rPr lang="ko-KR" altLang="en-US" smtClean="0"/>
-              <a:t>2021-04-07</a:t>
+              <a:t>2021-04-21</a:t>
             </a:fld>
             <a:endParaRPr lang="ko-KR" altLang="en-US"/>
           </a:p>
@@ -2684,7 +2684,7 @@
           <a:p>
             <a:fld id="{79FB0D3A-441B-4783-90A0-9FECA56B3872}" type="datetimeFigureOut">
               <a:rPr lang="ko-KR" altLang="en-US" smtClean="0"/>
-              <a:t>2021-04-07</a:t>
+              <a:t>2021-04-21</a:t>
             </a:fld>
             <a:endParaRPr lang="ko-KR" altLang="en-US"/>
           </a:p>
@@ -2925,7 +2925,7 @@
           <a:p>
             <a:fld id="{79FB0D3A-441B-4783-90A0-9FECA56B3872}" type="datetimeFigureOut">
               <a:rPr lang="ko-KR" altLang="en-US" smtClean="0"/>
-              <a:t>2021-04-07</a:t>
+              <a:t>2021-04-21</a:t>
             </a:fld>
             <a:endParaRPr lang="ko-KR" altLang="en-US"/>
           </a:p>
@@ -4907,7 +4907,7 @@
         </p:nvSpPr>
         <p:spPr>
           <a:xfrm rot="5400000">
-            <a:off x="264037" y="4608670"/>
+            <a:off x="263757" y="5960767"/>
             <a:ext cx="451412" cy="479775"/>
           </a:xfrm>
           <a:prstGeom prst="roundRect">
@@ -4961,7 +4961,7 @@
         </p:nvSpPr>
         <p:spPr>
           <a:xfrm>
-            <a:off x="210345" y="4662026"/>
+            <a:off x="210065" y="6014123"/>
             <a:ext cx="558800" cy="307777"/>
           </a:xfrm>
           <a:prstGeom prst="rect">
@@ -4984,10 +4984,10 @@
       </p:sp>
       <p:sp>
         <p:nvSpPr>
-          <p:cNvPr id="46" name="타원 45">
-            <a:extLst>
-              <a:ext uri="{FF2B5EF4-FFF2-40B4-BE49-F238E27FC236}">
-                <a16:creationId xmlns:a16="http://schemas.microsoft.com/office/drawing/2014/main" id="{BFD9BDB8-71F1-40F7-B876-1AEAADAEA527}"/>
+          <p:cNvPr id="48" name="타원 47">
+            <a:extLst>
+              <a:ext uri="{FF2B5EF4-FFF2-40B4-BE49-F238E27FC236}">
+                <a16:creationId xmlns:a16="http://schemas.microsoft.com/office/drawing/2014/main" id="{A14E0F33-DDB2-4E7F-838C-B8C6C866C57F}"/>
               </a:ext>
             </a:extLst>
           </p:cNvPr>
@@ -4996,7 +4996,7 @@
         </p:nvSpPr>
         <p:spPr>
           <a:xfrm rot="5400000">
-            <a:off x="324289" y="1624439"/>
+            <a:off x="10719200" y="277554"/>
             <a:ext cx="333319" cy="326608"/>
           </a:xfrm>
           <a:prstGeom prst="ellipse">
@@ -5036,10 +5036,10 @@
       </p:sp>
       <p:sp>
         <p:nvSpPr>
-          <p:cNvPr id="48" name="타원 47">
-            <a:extLst>
-              <a:ext uri="{FF2B5EF4-FFF2-40B4-BE49-F238E27FC236}">
-                <a16:creationId xmlns:a16="http://schemas.microsoft.com/office/drawing/2014/main" id="{A14E0F33-DDB2-4E7F-838C-B8C6C866C57F}"/>
+          <p:cNvPr id="49" name="타원 48">
+            <a:extLst>
+              <a:ext uri="{FF2B5EF4-FFF2-40B4-BE49-F238E27FC236}">
+                <a16:creationId xmlns:a16="http://schemas.microsoft.com/office/drawing/2014/main" id="{37AB810D-72BA-4B0E-8302-0BC9216E6AB3}"/>
               </a:ext>
             </a:extLst>
           </p:cNvPr>
@@ -5048,7 +5048,7 @@
         </p:nvSpPr>
         <p:spPr>
           <a:xfrm rot="5400000">
-            <a:off x="10719200" y="277554"/>
+            <a:off x="11533973" y="277554"/>
             <a:ext cx="333319" cy="326608"/>
           </a:xfrm>
           <a:prstGeom prst="ellipse">
@@ -5086,12 +5086,56 @@
           </a:p>
         </p:txBody>
       </p:sp>
-      <p:sp>
-        <p:nvSpPr>
-          <p:cNvPr id="49" name="타원 48">
-            <a:extLst>
-              <a:ext uri="{FF2B5EF4-FFF2-40B4-BE49-F238E27FC236}">
-                <a16:creationId xmlns:a16="http://schemas.microsoft.com/office/drawing/2014/main" id="{37AB810D-72BA-4B0E-8302-0BC9216E6AB3}"/>
+      <p:cxnSp>
+        <p:nvCxnSpPr>
+          <p:cNvPr id="51" name="직선 화살표 연결선 50">
+            <a:extLst>
+              <a:ext uri="{FF2B5EF4-FFF2-40B4-BE49-F238E27FC236}">
+                <a16:creationId xmlns:a16="http://schemas.microsoft.com/office/drawing/2014/main" id="{0A44E392-86BB-40EA-AAE5-B357D35E2C4A}"/>
+              </a:ext>
+            </a:extLst>
+          </p:cNvPr>
+          <p:cNvCxnSpPr>
+            <a:cxnSpLocks/>
+          </p:cNvCxnSpPr>
+          <p:nvPr/>
+        </p:nvCxnSpPr>
+        <p:spPr>
+          <a:xfrm flipH="1" flipV="1">
+            <a:off x="682289" y="3223595"/>
+            <a:ext cx="993414" cy="190501"/>
+          </a:xfrm>
+          <a:prstGeom prst="straightConnector1">
+            <a:avLst/>
+          </a:prstGeom>
+          <a:ln w="38100">
+            <a:solidFill>
+              <a:schemeClr val="tx1"/>
+            </a:solidFill>
+            <a:tailEnd type="triangle"/>
+          </a:ln>
+        </p:spPr>
+        <p:style>
+          <a:lnRef idx="1">
+            <a:schemeClr val="accent1"/>
+          </a:lnRef>
+          <a:fillRef idx="0">
+            <a:schemeClr val="accent1"/>
+          </a:fillRef>
+          <a:effectRef idx="0">
+            <a:schemeClr val="accent1"/>
+          </a:effectRef>
+          <a:fontRef idx="minor">
+            <a:schemeClr val="tx1"/>
+          </a:fontRef>
+        </p:style>
+      </p:cxnSp>
+      <p:sp>
+        <p:nvSpPr>
+          <p:cNvPr id="60" name="직사각형 59">
+            <a:extLst>
+              <a:ext uri="{FF2B5EF4-FFF2-40B4-BE49-F238E27FC236}">
+                <a16:creationId xmlns:a16="http://schemas.microsoft.com/office/drawing/2014/main" id="{1ACFC46C-5F4E-4033-AE43-42F66EDFD8DE}"/>
               </a:ext>
             </a:extLst>
           </p:cNvPr>
@@ -5100,10 +5144,10 @@
         </p:nvSpPr>
         <p:spPr>
           <a:xfrm rot="5400000">
-            <a:off x="11533973" y="277554"/>
-            <a:ext cx="333319" cy="326608"/>
-          </a:xfrm>
-          <a:prstGeom prst="ellipse">
+            <a:off x="449801" y="121512"/>
+            <a:ext cx="45719" cy="363260"/>
+          </a:xfrm>
+          <a:prstGeom prst="rect">
             <a:avLst/>
           </a:prstGeom>
           <a:noFill/>
@@ -5138,57 +5182,12 @@
           </a:p>
         </p:txBody>
       </p:sp>
-      <p:cxnSp>
-        <p:nvCxnSpPr>
-          <p:cNvPr id="51" name="직선 화살표 연결선 50">
-            <a:extLst>
-              <a:ext uri="{FF2B5EF4-FFF2-40B4-BE49-F238E27FC236}">
-                <a16:creationId xmlns:a16="http://schemas.microsoft.com/office/drawing/2014/main" id="{0A44E392-86BB-40EA-AAE5-B357D35E2C4A}"/>
-              </a:ext>
-            </a:extLst>
-          </p:cNvPr>
-          <p:cNvCxnSpPr>
-            <a:cxnSpLocks/>
-            <a:endCxn id="46" idx="0"/>
-          </p:cNvCxnSpPr>
-          <p:nvPr/>
-        </p:nvCxnSpPr>
-        <p:spPr>
-          <a:xfrm flipH="1" flipV="1">
-            <a:off x="654253" y="1787744"/>
-            <a:ext cx="1021450" cy="1626351"/>
-          </a:xfrm>
-          <a:prstGeom prst="straightConnector1">
-            <a:avLst/>
-          </a:prstGeom>
-          <a:ln w="38100">
-            <a:solidFill>
-              <a:schemeClr val="tx1"/>
-            </a:solidFill>
-            <a:tailEnd type="triangle"/>
-          </a:ln>
-        </p:spPr>
-        <p:style>
-          <a:lnRef idx="1">
-            <a:schemeClr val="accent1"/>
-          </a:lnRef>
-          <a:fillRef idx="0">
-            <a:schemeClr val="accent1"/>
-          </a:fillRef>
-          <a:effectRef idx="0">
-            <a:schemeClr val="accent1"/>
-          </a:effectRef>
-          <a:fontRef idx="minor">
-            <a:schemeClr val="tx1"/>
-          </a:fontRef>
-        </p:style>
-      </p:cxnSp>
-      <p:sp>
-        <p:nvSpPr>
-          <p:cNvPr id="60" name="직사각형 59">
-            <a:extLst>
-              <a:ext uri="{FF2B5EF4-FFF2-40B4-BE49-F238E27FC236}">
-                <a16:creationId xmlns:a16="http://schemas.microsoft.com/office/drawing/2014/main" id="{1ACFC46C-5F4E-4033-AE43-42F66EDFD8DE}"/>
+      <p:sp>
+        <p:nvSpPr>
+          <p:cNvPr id="61" name="직사각형 60">
+            <a:extLst>
+              <a:ext uri="{FF2B5EF4-FFF2-40B4-BE49-F238E27FC236}">
+                <a16:creationId xmlns:a16="http://schemas.microsoft.com/office/drawing/2014/main" id="{F365B278-5BC1-4940-8ECB-B20D7BF984BE}"/>
               </a:ext>
             </a:extLst>
           </p:cNvPr>
@@ -5197,7 +5196,7 @@
         </p:nvSpPr>
         <p:spPr>
           <a:xfrm rot="5400000">
-            <a:off x="449801" y="121512"/>
+            <a:off x="449763" y="193330"/>
             <a:ext cx="45719" cy="363260"/>
           </a:xfrm>
           <a:prstGeom prst="rect">
@@ -5237,10 +5236,10 @@
       </p:sp>
       <p:sp>
         <p:nvSpPr>
-          <p:cNvPr id="61" name="직사각형 60">
-            <a:extLst>
-              <a:ext uri="{FF2B5EF4-FFF2-40B4-BE49-F238E27FC236}">
-                <a16:creationId xmlns:a16="http://schemas.microsoft.com/office/drawing/2014/main" id="{F365B278-5BC1-4940-8ECB-B20D7BF984BE}"/>
+          <p:cNvPr id="62" name="직사각형 61">
+            <a:extLst>
+              <a:ext uri="{FF2B5EF4-FFF2-40B4-BE49-F238E27FC236}">
+                <a16:creationId xmlns:a16="http://schemas.microsoft.com/office/drawing/2014/main" id="{642C997E-0595-4F99-B5A5-8B70017980B0}"/>
               </a:ext>
             </a:extLst>
           </p:cNvPr>
@@ -5249,7 +5248,7 @@
         </p:nvSpPr>
         <p:spPr>
           <a:xfrm rot="5400000">
-            <a:off x="449763" y="193330"/>
+            <a:off x="449763" y="272869"/>
             <a:ext cx="45719" cy="363260"/>
           </a:xfrm>
           <a:prstGeom prst="rect">
@@ -5287,12 +5286,91 @@
           </a:p>
         </p:txBody>
       </p:sp>
-      <p:sp>
-        <p:nvSpPr>
-          <p:cNvPr id="62" name="직사각형 61">
-            <a:extLst>
-              <a:ext uri="{FF2B5EF4-FFF2-40B4-BE49-F238E27FC236}">
-                <a16:creationId xmlns:a16="http://schemas.microsoft.com/office/drawing/2014/main" id="{642C997E-0595-4F99-B5A5-8B70017980B0}"/>
+      <p:cxnSp>
+        <p:nvCxnSpPr>
+          <p:cNvPr id="65" name="직선 화살표 연결선 64">
+            <a:extLst>
+              <a:ext uri="{FF2B5EF4-FFF2-40B4-BE49-F238E27FC236}">
+                <a16:creationId xmlns:a16="http://schemas.microsoft.com/office/drawing/2014/main" id="{9006431C-E3F8-47F0-A67F-60C8D77AD577}"/>
+              </a:ext>
+            </a:extLst>
+          </p:cNvPr>
+          <p:cNvCxnSpPr>
+            <a:cxnSpLocks/>
+          </p:cNvCxnSpPr>
+          <p:nvPr/>
+        </p:nvCxnSpPr>
+        <p:spPr>
+          <a:xfrm flipH="1" flipV="1">
+            <a:off x="654253" y="349396"/>
+            <a:ext cx="785307" cy="229590"/>
+          </a:xfrm>
+          <a:prstGeom prst="straightConnector1">
+            <a:avLst/>
+          </a:prstGeom>
+          <a:ln w="38100">
+            <a:solidFill>
+              <a:schemeClr val="tx1"/>
+            </a:solidFill>
+            <a:tailEnd type="triangle"/>
+          </a:ln>
+        </p:spPr>
+        <p:style>
+          <a:lnRef idx="1">
+            <a:schemeClr val="accent1"/>
+          </a:lnRef>
+          <a:fillRef idx="0">
+            <a:schemeClr val="accent1"/>
+          </a:fillRef>
+          <a:effectRef idx="0">
+            <a:schemeClr val="accent1"/>
+          </a:effectRef>
+          <a:fontRef idx="minor">
+            <a:schemeClr val="tx1"/>
+          </a:fontRef>
+        </p:style>
+      </p:cxnSp>
+      <p:sp>
+        <p:nvSpPr>
+          <p:cNvPr id="68" name="TextBox 67">
+            <a:extLst>
+              <a:ext uri="{FF2B5EF4-FFF2-40B4-BE49-F238E27FC236}">
+                <a16:creationId xmlns:a16="http://schemas.microsoft.com/office/drawing/2014/main" id="{70FA4516-4194-4E24-956C-68599F062A7A}"/>
+              </a:ext>
+            </a:extLst>
+          </p:cNvPr>
+          <p:cNvSpPr txBox="1"/>
+          <p:nvPr/>
+        </p:nvSpPr>
+        <p:spPr>
+          <a:xfrm>
+            <a:off x="1446437" y="425097"/>
+            <a:ext cx="1527778" cy="307777"/>
+          </a:xfrm>
+          <a:prstGeom prst="rect">
+            <a:avLst/>
+          </a:prstGeom>
+          <a:noFill/>
+        </p:spPr>
+        <p:txBody>
+          <a:bodyPr wrap="square" rtlCol="0">
+            <a:spAutoFit/>
+          </a:bodyPr>
+          <a:lstStyle/>
+          <a:p>
+            <a:r>
+              <a:rPr lang="ko-KR" altLang="en-US" sz="1400" b="1" dirty="0"/>
+              <a:t>펼쳐 보기</a:t>
+            </a:r>
+          </a:p>
+        </p:txBody>
+      </p:sp>
+      <p:sp>
+        <p:nvSpPr>
+          <p:cNvPr id="69" name="직사각형 68">
+            <a:extLst>
+              <a:ext uri="{FF2B5EF4-FFF2-40B4-BE49-F238E27FC236}">
+                <a16:creationId xmlns:a16="http://schemas.microsoft.com/office/drawing/2014/main" id="{B490B683-ED4C-42E9-BFED-262E62BDA026}"/>
               </a:ext>
             </a:extLst>
           </p:cNvPr>
@@ -5301,8 +5379,8 @@
         </p:nvSpPr>
         <p:spPr>
           <a:xfrm rot="5400000">
-            <a:off x="449763" y="272869"/>
-            <a:ext cx="45719" cy="363260"/>
+            <a:off x="7899336" y="-3416435"/>
+            <a:ext cx="465884" cy="7699305"/>
           </a:xfrm>
           <a:prstGeom prst="rect">
             <a:avLst/>
@@ -5339,56 +5417,12 @@
           </a:p>
         </p:txBody>
       </p:sp>
-      <p:cxnSp>
-        <p:nvCxnSpPr>
-          <p:cNvPr id="65" name="직선 화살표 연결선 64">
-            <a:extLst>
-              <a:ext uri="{FF2B5EF4-FFF2-40B4-BE49-F238E27FC236}">
-                <a16:creationId xmlns:a16="http://schemas.microsoft.com/office/drawing/2014/main" id="{9006431C-E3F8-47F0-A67F-60C8D77AD577}"/>
-              </a:ext>
-            </a:extLst>
-          </p:cNvPr>
-          <p:cNvCxnSpPr>
-            <a:cxnSpLocks/>
-          </p:cNvCxnSpPr>
-          <p:nvPr/>
-        </p:nvCxnSpPr>
-        <p:spPr>
-          <a:xfrm flipH="1" flipV="1">
-            <a:off x="654253" y="349396"/>
-            <a:ext cx="785307" cy="229590"/>
-          </a:xfrm>
-          <a:prstGeom prst="straightConnector1">
-            <a:avLst/>
-          </a:prstGeom>
-          <a:ln w="38100">
-            <a:solidFill>
-              <a:schemeClr val="tx1"/>
-            </a:solidFill>
-            <a:tailEnd type="triangle"/>
-          </a:ln>
-        </p:spPr>
-        <p:style>
-          <a:lnRef idx="1">
-            <a:schemeClr val="accent1"/>
-          </a:lnRef>
-          <a:fillRef idx="0">
-            <a:schemeClr val="accent1"/>
-          </a:fillRef>
-          <a:effectRef idx="0">
-            <a:schemeClr val="accent1"/>
-          </a:effectRef>
-          <a:fontRef idx="minor">
-            <a:schemeClr val="tx1"/>
-          </a:fontRef>
-        </p:style>
-      </p:cxnSp>
-      <p:sp>
-        <p:nvSpPr>
-          <p:cNvPr id="68" name="TextBox 67">
-            <a:extLst>
-              <a:ext uri="{FF2B5EF4-FFF2-40B4-BE49-F238E27FC236}">
-                <a16:creationId xmlns:a16="http://schemas.microsoft.com/office/drawing/2014/main" id="{70FA4516-4194-4E24-956C-68599F062A7A}"/>
+      <p:sp>
+        <p:nvSpPr>
+          <p:cNvPr id="70" name="TextBox 69">
+            <a:extLst>
+              <a:ext uri="{FF2B5EF4-FFF2-40B4-BE49-F238E27FC236}">
+                <a16:creationId xmlns:a16="http://schemas.microsoft.com/office/drawing/2014/main" id="{98C85547-A03C-482C-AABF-CC178888E379}"/>
               </a:ext>
             </a:extLst>
           </p:cNvPr>
@@ -5397,8 +5431,8 @@
         </p:nvSpPr>
         <p:spPr>
           <a:xfrm>
-            <a:off x="1446437" y="425097"/>
-            <a:ext cx="1527778" cy="307777"/>
+            <a:off x="5049905" y="1839411"/>
+            <a:ext cx="5161084" cy="2646878"/>
           </a:xfrm>
           <a:prstGeom prst="rect">
             <a:avLst/>
@@ -5412,133 +5446,10 @@
           <a:lstStyle/>
           <a:p>
             <a:r>
-              <a:rPr lang="ko-KR" altLang="en-US" sz="1400" b="1" dirty="0"/>
-              <a:t>펼쳐 보기</a:t>
-            </a:r>
-          </a:p>
-        </p:txBody>
-      </p:sp>
-      <p:sp>
-        <p:nvSpPr>
-          <p:cNvPr id="69" name="직사각형 68">
-            <a:extLst>
-              <a:ext uri="{FF2B5EF4-FFF2-40B4-BE49-F238E27FC236}">
-                <a16:creationId xmlns:a16="http://schemas.microsoft.com/office/drawing/2014/main" id="{B490B683-ED4C-42E9-BFED-262E62BDA026}"/>
-              </a:ext>
-            </a:extLst>
-          </p:cNvPr>
-          <p:cNvSpPr/>
-          <p:nvPr/>
-        </p:nvSpPr>
-        <p:spPr>
-          <a:xfrm rot="5400000">
-            <a:off x="7899336" y="-3416435"/>
-            <a:ext cx="465884" cy="7699305"/>
-          </a:xfrm>
-          <a:prstGeom prst="rect">
-            <a:avLst/>
-          </a:prstGeom>
-          <a:noFill/>
-          <a:ln w="19050">
-            <a:solidFill>
-              <a:schemeClr val="tx1"/>
-            </a:solidFill>
-          </a:ln>
-        </p:spPr>
-        <p:style>
-          <a:lnRef idx="2">
-            <a:schemeClr val="accent1">
-              <a:shade val="50000"/>
-            </a:schemeClr>
-          </a:lnRef>
-          <a:fillRef idx="1">
-            <a:schemeClr val="accent1"/>
-          </a:fillRef>
-          <a:effectRef idx="0">
-            <a:schemeClr val="accent1"/>
-          </a:effectRef>
-          <a:fontRef idx="minor">
-            <a:schemeClr val="lt1"/>
-          </a:fontRef>
-        </p:style>
-        <p:txBody>
-          <a:bodyPr rtlCol="0" anchor="ctr"/>
-          <a:lstStyle/>
-          <a:p>
-            <a:pPr algn="ctr"/>
-            <a:endParaRPr lang="ko-KR" altLang="en-US"/>
-          </a:p>
-        </p:txBody>
-      </p:sp>
-      <p:sp>
-        <p:nvSpPr>
-          <p:cNvPr id="70" name="TextBox 69">
-            <a:extLst>
-              <a:ext uri="{FF2B5EF4-FFF2-40B4-BE49-F238E27FC236}">
-                <a16:creationId xmlns:a16="http://schemas.microsoft.com/office/drawing/2014/main" id="{98C85547-A03C-482C-AABF-CC178888E379}"/>
-              </a:ext>
-            </a:extLst>
-          </p:cNvPr>
-          <p:cNvSpPr txBox="1"/>
-          <p:nvPr/>
-        </p:nvSpPr>
-        <p:spPr>
-          <a:xfrm>
-            <a:off x="5049905" y="1839411"/>
-            <a:ext cx="5161084" cy="2646878"/>
-          </a:xfrm>
-          <a:prstGeom prst="rect">
-            <a:avLst/>
-          </a:prstGeom>
-          <a:noFill/>
-        </p:spPr>
-        <p:txBody>
-          <a:bodyPr wrap="square" rtlCol="0">
-            <a:spAutoFit/>
-          </a:bodyPr>
-          <a:lstStyle/>
-          <a:p>
-            <a:r>
               <a:rPr lang="en-US" altLang="ko-KR" sz="16600" b="1" dirty="0"/>
               <a:t>1</a:t>
             </a:r>
             <a:endParaRPr lang="ko-KR" altLang="en-US" sz="16600" b="1" dirty="0"/>
-          </a:p>
-        </p:txBody>
-      </p:sp>
-      <p:sp>
-        <p:nvSpPr>
-          <p:cNvPr id="72" name="TextBox 71">
-            <a:extLst>
-              <a:ext uri="{FF2B5EF4-FFF2-40B4-BE49-F238E27FC236}">
-                <a16:creationId xmlns:a16="http://schemas.microsoft.com/office/drawing/2014/main" id="{6F58F0BA-2E2D-4592-A592-1F889F242F89}"/>
-              </a:ext>
-            </a:extLst>
-          </p:cNvPr>
-          <p:cNvSpPr txBox="1"/>
-          <p:nvPr/>
-        </p:nvSpPr>
-        <p:spPr>
-          <a:xfrm>
-            <a:off x="345100" y="1605432"/>
-            <a:ext cx="558800" cy="307777"/>
-          </a:xfrm>
-          <a:prstGeom prst="rect">
-            <a:avLst/>
-          </a:prstGeom>
-          <a:noFill/>
-        </p:spPr>
-        <p:txBody>
-          <a:bodyPr wrap="square" rtlCol="0">
-            <a:spAutoFit/>
-          </a:bodyPr>
-          <a:lstStyle/>
-          <a:p>
-            <a:r>
-              <a:rPr lang="en-US" altLang="ko-KR" sz="1400" b="1" dirty="0"/>
-              <a:t>1</a:t>
-            </a:r>
-            <a:endParaRPr lang="ko-KR" altLang="en-US" sz="1400" b="1" dirty="0"/>
           </a:p>
         </p:txBody>
       </p:sp>
@@ -5792,6 +5703,362 @@
           </a:fontRef>
         </p:style>
       </p:cxnSp>
+      <p:sp>
+        <p:nvSpPr>
+          <p:cNvPr id="36" name="타원 35">
+            <a:extLst>
+              <a:ext uri="{FF2B5EF4-FFF2-40B4-BE49-F238E27FC236}">
+                <a16:creationId xmlns:a16="http://schemas.microsoft.com/office/drawing/2014/main" id="{45DEF626-F318-44D2-8CCC-0C4A9D6E6450}"/>
+              </a:ext>
+            </a:extLst>
+          </p:cNvPr>
+          <p:cNvSpPr/>
+          <p:nvPr/>
+        </p:nvSpPr>
+        <p:spPr>
+          <a:xfrm rot="5400000">
+            <a:off x="303389" y="2570669"/>
+            <a:ext cx="333319" cy="326608"/>
+          </a:xfrm>
+          <a:prstGeom prst="ellipse">
+            <a:avLst/>
+          </a:prstGeom>
+          <a:noFill/>
+          <a:ln w="19050">
+            <a:solidFill>
+              <a:schemeClr val="tx1"/>
+            </a:solidFill>
+          </a:ln>
+        </p:spPr>
+        <p:style>
+          <a:lnRef idx="2">
+            <a:schemeClr val="accent1">
+              <a:shade val="50000"/>
+            </a:schemeClr>
+          </a:lnRef>
+          <a:fillRef idx="1">
+            <a:schemeClr val="accent1"/>
+          </a:fillRef>
+          <a:effectRef idx="0">
+            <a:schemeClr val="accent1"/>
+          </a:effectRef>
+          <a:fontRef idx="minor">
+            <a:schemeClr val="lt1"/>
+          </a:fontRef>
+        </p:style>
+        <p:txBody>
+          <a:bodyPr rtlCol="0" anchor="ctr"/>
+          <a:lstStyle/>
+          <a:p>
+            <a:pPr algn="ctr"/>
+            <a:endParaRPr lang="ko-KR" altLang="en-US"/>
+          </a:p>
+        </p:txBody>
+      </p:sp>
+      <p:sp>
+        <p:nvSpPr>
+          <p:cNvPr id="39" name="타원 38">
+            <a:extLst>
+              <a:ext uri="{FF2B5EF4-FFF2-40B4-BE49-F238E27FC236}">
+                <a16:creationId xmlns:a16="http://schemas.microsoft.com/office/drawing/2014/main" id="{01A04C0C-0877-477C-AF31-AC631C10C73B}"/>
+              </a:ext>
+            </a:extLst>
+          </p:cNvPr>
+          <p:cNvSpPr/>
+          <p:nvPr/>
+        </p:nvSpPr>
+        <p:spPr>
+          <a:xfrm rot="5400000">
+            <a:off x="295216" y="3906868"/>
+            <a:ext cx="333319" cy="326608"/>
+          </a:xfrm>
+          <a:prstGeom prst="ellipse">
+            <a:avLst/>
+          </a:prstGeom>
+          <a:noFill/>
+          <a:ln w="19050">
+            <a:solidFill>
+              <a:schemeClr val="tx1"/>
+            </a:solidFill>
+          </a:ln>
+        </p:spPr>
+        <p:style>
+          <a:lnRef idx="2">
+            <a:schemeClr val="accent1">
+              <a:shade val="50000"/>
+            </a:schemeClr>
+          </a:lnRef>
+          <a:fillRef idx="1">
+            <a:schemeClr val="accent1"/>
+          </a:fillRef>
+          <a:effectRef idx="0">
+            <a:schemeClr val="accent1"/>
+          </a:effectRef>
+          <a:fontRef idx="minor">
+            <a:schemeClr val="lt1"/>
+          </a:fontRef>
+        </p:style>
+        <p:txBody>
+          <a:bodyPr rtlCol="0" anchor="ctr"/>
+          <a:lstStyle/>
+          <a:p>
+            <a:pPr algn="ctr"/>
+            <a:endParaRPr lang="ko-KR" altLang="en-US"/>
+          </a:p>
+        </p:txBody>
+      </p:sp>
+      <p:sp>
+        <p:nvSpPr>
+          <p:cNvPr id="40" name="타원 39">
+            <a:extLst>
+              <a:ext uri="{FF2B5EF4-FFF2-40B4-BE49-F238E27FC236}">
+                <a16:creationId xmlns:a16="http://schemas.microsoft.com/office/drawing/2014/main" id="{214AFD06-D43A-49E8-83FC-4EED5F354207}"/>
+              </a:ext>
+            </a:extLst>
+          </p:cNvPr>
+          <p:cNvSpPr/>
+          <p:nvPr/>
+        </p:nvSpPr>
+        <p:spPr>
+          <a:xfrm rot="5400000">
+            <a:off x="295519" y="5243067"/>
+            <a:ext cx="333319" cy="326608"/>
+          </a:xfrm>
+          <a:prstGeom prst="ellipse">
+            <a:avLst/>
+          </a:prstGeom>
+          <a:noFill/>
+          <a:ln w="19050">
+            <a:solidFill>
+              <a:schemeClr val="tx1"/>
+            </a:solidFill>
+          </a:ln>
+        </p:spPr>
+        <p:style>
+          <a:lnRef idx="2">
+            <a:schemeClr val="accent1">
+              <a:shade val="50000"/>
+            </a:schemeClr>
+          </a:lnRef>
+          <a:fillRef idx="1">
+            <a:schemeClr val="accent1"/>
+          </a:fillRef>
+          <a:effectRef idx="0">
+            <a:schemeClr val="accent1"/>
+          </a:effectRef>
+          <a:fontRef idx="minor">
+            <a:schemeClr val="lt1"/>
+          </a:fontRef>
+        </p:style>
+        <p:txBody>
+          <a:bodyPr rtlCol="0" anchor="ctr"/>
+          <a:lstStyle/>
+          <a:p>
+            <a:pPr algn="ctr"/>
+            <a:endParaRPr lang="ko-KR" altLang="en-US"/>
+          </a:p>
+        </p:txBody>
+      </p:sp>
+      <p:sp>
+        <p:nvSpPr>
+          <p:cNvPr id="41" name="TextBox 40">
+            <a:extLst>
+              <a:ext uri="{FF2B5EF4-FFF2-40B4-BE49-F238E27FC236}">
+                <a16:creationId xmlns:a16="http://schemas.microsoft.com/office/drawing/2014/main" id="{891E712B-9F1C-4876-950C-2F3AED9EB212}"/>
+              </a:ext>
+            </a:extLst>
+          </p:cNvPr>
+          <p:cNvSpPr txBox="1"/>
+          <p:nvPr/>
+        </p:nvSpPr>
+        <p:spPr>
+          <a:xfrm>
+            <a:off x="334428" y="2563615"/>
+            <a:ext cx="558800" cy="307777"/>
+          </a:xfrm>
+          <a:prstGeom prst="rect">
+            <a:avLst/>
+          </a:prstGeom>
+          <a:noFill/>
+        </p:spPr>
+        <p:txBody>
+          <a:bodyPr wrap="square" rtlCol="0">
+            <a:spAutoFit/>
+          </a:bodyPr>
+          <a:lstStyle/>
+          <a:p>
+            <a:r>
+              <a:rPr lang="en-US" altLang="ko-KR" sz="1400" b="1" dirty="0"/>
+              <a:t>1</a:t>
+            </a:r>
+            <a:endParaRPr lang="ko-KR" altLang="en-US" sz="1400" b="1" dirty="0"/>
+          </a:p>
+        </p:txBody>
+      </p:sp>
+      <p:sp>
+        <p:nvSpPr>
+          <p:cNvPr id="42" name="TextBox 41">
+            <a:extLst>
+              <a:ext uri="{FF2B5EF4-FFF2-40B4-BE49-F238E27FC236}">
+                <a16:creationId xmlns:a16="http://schemas.microsoft.com/office/drawing/2014/main" id="{7437B0AC-5805-4EC9-990A-C0E8DFB819F5}"/>
+              </a:ext>
+            </a:extLst>
+          </p:cNvPr>
+          <p:cNvSpPr txBox="1"/>
+          <p:nvPr/>
+        </p:nvSpPr>
+        <p:spPr>
+          <a:xfrm>
+            <a:off x="319257" y="3894477"/>
+            <a:ext cx="558800" cy="307777"/>
+          </a:xfrm>
+          <a:prstGeom prst="rect">
+            <a:avLst/>
+          </a:prstGeom>
+          <a:noFill/>
+        </p:spPr>
+        <p:txBody>
+          <a:bodyPr wrap="square" rtlCol="0">
+            <a:spAutoFit/>
+          </a:bodyPr>
+          <a:lstStyle/>
+          <a:p>
+            <a:r>
+              <a:rPr lang="en-US" altLang="ko-KR" sz="1400" b="1" dirty="0"/>
+              <a:t>2</a:t>
+            </a:r>
+            <a:endParaRPr lang="ko-KR" altLang="en-US" sz="1400" b="1" dirty="0"/>
+          </a:p>
+        </p:txBody>
+      </p:sp>
+      <p:sp>
+        <p:nvSpPr>
+          <p:cNvPr id="43" name="TextBox 42">
+            <a:extLst>
+              <a:ext uri="{FF2B5EF4-FFF2-40B4-BE49-F238E27FC236}">
+                <a16:creationId xmlns:a16="http://schemas.microsoft.com/office/drawing/2014/main" id="{6E77F9FD-C9EF-481F-9813-E0A10CC9C2E7}"/>
+              </a:ext>
+            </a:extLst>
+          </p:cNvPr>
+          <p:cNvSpPr txBox="1"/>
+          <p:nvPr/>
+        </p:nvSpPr>
+        <p:spPr>
+          <a:xfrm>
+            <a:off x="319257" y="5225339"/>
+            <a:ext cx="558800" cy="307777"/>
+          </a:xfrm>
+          <a:prstGeom prst="rect">
+            <a:avLst/>
+          </a:prstGeom>
+          <a:noFill/>
+        </p:spPr>
+        <p:txBody>
+          <a:bodyPr wrap="square" rtlCol="0">
+            <a:spAutoFit/>
+          </a:bodyPr>
+          <a:lstStyle/>
+          <a:p>
+            <a:r>
+              <a:rPr lang="en-US" altLang="ko-KR" sz="1400" b="1" dirty="0"/>
+              <a:t>3</a:t>
+            </a:r>
+            <a:endParaRPr lang="ko-KR" altLang="en-US" sz="1400" b="1" dirty="0"/>
+          </a:p>
+        </p:txBody>
+      </p:sp>
+      <p:sp>
+        <p:nvSpPr>
+          <p:cNvPr id="47" name="타원 46">
+            <a:extLst>
+              <a:ext uri="{FF2B5EF4-FFF2-40B4-BE49-F238E27FC236}">
+                <a16:creationId xmlns:a16="http://schemas.microsoft.com/office/drawing/2014/main" id="{446A9EB6-87B4-43D3-B6D3-358BAA17CA3E}"/>
+              </a:ext>
+            </a:extLst>
+          </p:cNvPr>
+          <p:cNvSpPr/>
+          <p:nvPr/>
+        </p:nvSpPr>
+        <p:spPr>
+          <a:xfrm rot="5400000">
+            <a:off x="307630" y="1234470"/>
+            <a:ext cx="333319" cy="326608"/>
+          </a:xfrm>
+          <a:prstGeom prst="ellipse">
+            <a:avLst/>
+          </a:prstGeom>
+          <a:solidFill>
+            <a:schemeClr val="bg1">
+              <a:lumMod val="50000"/>
+            </a:schemeClr>
+          </a:solidFill>
+          <a:ln w="19050">
+            <a:solidFill>
+              <a:schemeClr val="tx1"/>
+            </a:solidFill>
+          </a:ln>
+        </p:spPr>
+        <p:style>
+          <a:lnRef idx="2">
+            <a:schemeClr val="accent1">
+              <a:shade val="50000"/>
+            </a:schemeClr>
+          </a:lnRef>
+          <a:fillRef idx="1">
+            <a:schemeClr val="accent1"/>
+          </a:fillRef>
+          <a:effectRef idx="0">
+            <a:schemeClr val="accent1"/>
+          </a:effectRef>
+          <a:fontRef idx="minor">
+            <a:schemeClr val="lt1"/>
+          </a:fontRef>
+        </p:style>
+        <p:txBody>
+          <a:bodyPr rtlCol="0" anchor="ctr"/>
+          <a:lstStyle/>
+          <a:p>
+            <a:pPr algn="ctr"/>
+            <a:endParaRPr lang="ko-KR" altLang="en-US"/>
+          </a:p>
+        </p:txBody>
+      </p:sp>
+      <p:sp>
+        <p:nvSpPr>
+          <p:cNvPr id="50" name="TextBox 49">
+            <a:extLst>
+              <a:ext uri="{FF2B5EF4-FFF2-40B4-BE49-F238E27FC236}">
+                <a16:creationId xmlns:a16="http://schemas.microsoft.com/office/drawing/2014/main" id="{A8E90E73-4EDC-473E-B7E9-2AA9D98EB434}"/>
+              </a:ext>
+            </a:extLst>
+          </p:cNvPr>
+          <p:cNvSpPr txBox="1"/>
+          <p:nvPr/>
+        </p:nvSpPr>
+        <p:spPr>
+          <a:xfrm>
+            <a:off x="255844" y="1223869"/>
+            <a:ext cx="558800" cy="261610"/>
+          </a:xfrm>
+          <a:prstGeom prst="rect">
+            <a:avLst/>
+          </a:prstGeom>
+          <a:noFill/>
+        </p:spPr>
+        <p:txBody>
+          <a:bodyPr wrap="square" rtlCol="0">
+            <a:spAutoFit/>
+          </a:bodyPr>
+          <a:lstStyle/>
+          <a:p>
+            <a:r>
+              <a:rPr lang="en-US" altLang="ko-KR" sz="1100" b="1" dirty="0"/>
+              <a:t>Main</a:t>
+            </a:r>
+            <a:endParaRPr lang="ko-KR" altLang="en-US" sz="1100" b="1" dirty="0"/>
+          </a:p>
+        </p:txBody>
+      </p:sp>
     </p:spTree>
     <p:extLst>
       <p:ext uri="{BB962C8B-B14F-4D97-AF65-F5344CB8AC3E}">
@@ -6623,7 +6890,7 @@
         </p:nvSpPr>
         <p:spPr>
           <a:xfrm rot="5400000">
-            <a:off x="271730" y="1220218"/>
+            <a:off x="303389" y="2570669"/>
             <a:ext cx="333319" cy="326608"/>
           </a:xfrm>
           <a:prstGeom prst="ellipse">
@@ -6675,7 +6942,7 @@
         </p:nvSpPr>
         <p:spPr>
           <a:xfrm rot="5400000">
-            <a:off x="271729" y="3183903"/>
+            <a:off x="295216" y="3906868"/>
             <a:ext cx="333319" cy="326608"/>
           </a:xfrm>
           <a:prstGeom prst="ellipse">
@@ -6727,7 +6994,7 @@
         </p:nvSpPr>
         <p:spPr>
           <a:xfrm rot="5400000">
-            <a:off x="284933" y="5147588"/>
+            <a:off x="295519" y="5243067"/>
             <a:ext cx="333319" cy="326608"/>
           </a:xfrm>
           <a:prstGeom prst="ellipse">
@@ -6776,14 +7043,15 @@
           </p:cNvPr>
           <p:cNvCxnSpPr>
             <a:cxnSpLocks/>
+            <a:stCxn id="58" idx="1"/>
             <a:endCxn id="46" idx="0"/>
           </p:cNvCxnSpPr>
           <p:nvPr/>
         </p:nvCxnSpPr>
         <p:spPr>
           <a:xfrm flipH="1" flipV="1">
-            <a:off x="601694" y="1383523"/>
-            <a:ext cx="1143831" cy="1769882"/>
+            <a:off x="633353" y="2733974"/>
+            <a:ext cx="1083269" cy="536598"/>
           </a:xfrm>
           <a:prstGeom prst="straightConnector1">
             <a:avLst/>
@@ -6821,13 +7089,14 @@
           </p:cNvPr>
           <p:cNvCxnSpPr>
             <a:cxnSpLocks/>
+            <a:endCxn id="33" idx="0"/>
           </p:cNvCxnSpPr>
           <p:nvPr/>
         </p:nvCxnSpPr>
         <p:spPr>
-          <a:xfrm flipH="1" flipV="1">
-            <a:off x="601696" y="3320064"/>
-            <a:ext cx="1101169" cy="48238"/>
+          <a:xfrm flipH="1">
+            <a:off x="598657" y="3402686"/>
+            <a:ext cx="1119504" cy="491791"/>
           </a:xfrm>
           <a:prstGeom prst="straightConnector1">
             <a:avLst/>
@@ -6871,7 +7140,7 @@
         </p:nvCxnSpPr>
         <p:spPr>
           <a:xfrm flipH="1">
-            <a:off x="588071" y="3586922"/>
+            <a:off x="598657" y="3682401"/>
             <a:ext cx="1151448" cy="1542938"/>
           </a:xfrm>
           <a:prstGeom prst="straightConnector1">
@@ -7272,7 +7541,7 @@
         </p:nvSpPr>
         <p:spPr>
           <a:xfrm>
-            <a:off x="293580" y="1218501"/>
+            <a:off x="334428" y="2563615"/>
             <a:ext cx="558800" cy="307777"/>
           </a:xfrm>
           <a:prstGeom prst="rect">
@@ -7308,7 +7577,7 @@
         </p:nvSpPr>
         <p:spPr>
           <a:xfrm>
-            <a:off x="295770" y="3199304"/>
+            <a:off x="319257" y="3894477"/>
             <a:ext cx="558800" cy="307777"/>
           </a:xfrm>
           <a:prstGeom prst="rect">
@@ -7344,7 +7613,7 @@
         </p:nvSpPr>
         <p:spPr>
           <a:xfrm>
-            <a:off x="308671" y="5129860"/>
+            <a:off x="319257" y="5225339"/>
             <a:ext cx="558800" cy="307777"/>
           </a:xfrm>
           <a:prstGeom prst="rect">
@@ -7363,6 +7632,98 @@
               <a:t>3</a:t>
             </a:r>
             <a:endParaRPr lang="ko-KR" altLang="en-US" sz="1400" b="1" dirty="0"/>
+          </a:p>
+        </p:txBody>
+      </p:sp>
+      <p:sp>
+        <p:nvSpPr>
+          <p:cNvPr id="39" name="타원 38">
+            <a:extLst>
+              <a:ext uri="{FF2B5EF4-FFF2-40B4-BE49-F238E27FC236}">
+                <a16:creationId xmlns:a16="http://schemas.microsoft.com/office/drawing/2014/main" id="{4B781080-DCB7-4728-9EEA-ECB79BC76C1D}"/>
+              </a:ext>
+            </a:extLst>
+          </p:cNvPr>
+          <p:cNvSpPr/>
+          <p:nvPr/>
+        </p:nvSpPr>
+        <p:spPr>
+          <a:xfrm rot="5400000">
+            <a:off x="307630" y="1234470"/>
+            <a:ext cx="333319" cy="326608"/>
+          </a:xfrm>
+          <a:prstGeom prst="ellipse">
+            <a:avLst/>
+          </a:prstGeom>
+          <a:solidFill>
+            <a:schemeClr val="bg1">
+              <a:lumMod val="50000"/>
+            </a:schemeClr>
+          </a:solidFill>
+          <a:ln w="19050">
+            <a:solidFill>
+              <a:schemeClr val="tx1"/>
+            </a:solidFill>
+          </a:ln>
+        </p:spPr>
+        <p:style>
+          <a:lnRef idx="2">
+            <a:schemeClr val="accent1">
+              <a:shade val="50000"/>
+            </a:schemeClr>
+          </a:lnRef>
+          <a:fillRef idx="1">
+            <a:schemeClr val="accent1"/>
+          </a:fillRef>
+          <a:effectRef idx="0">
+            <a:schemeClr val="accent1"/>
+          </a:effectRef>
+          <a:fontRef idx="minor">
+            <a:schemeClr val="lt1"/>
+          </a:fontRef>
+        </p:style>
+        <p:txBody>
+          <a:bodyPr rtlCol="0" anchor="ctr"/>
+          <a:lstStyle/>
+          <a:p>
+            <a:pPr algn="ctr"/>
+            <a:endParaRPr lang="ko-KR" altLang="en-US"/>
+          </a:p>
+        </p:txBody>
+      </p:sp>
+      <p:sp>
+        <p:nvSpPr>
+          <p:cNvPr id="40" name="TextBox 39">
+            <a:extLst>
+              <a:ext uri="{FF2B5EF4-FFF2-40B4-BE49-F238E27FC236}">
+                <a16:creationId xmlns:a16="http://schemas.microsoft.com/office/drawing/2014/main" id="{D70CCDF2-9329-4797-BF73-A4976082BF80}"/>
+              </a:ext>
+            </a:extLst>
+          </p:cNvPr>
+          <p:cNvSpPr txBox="1"/>
+          <p:nvPr/>
+        </p:nvSpPr>
+        <p:spPr>
+          <a:xfrm>
+            <a:off x="267724" y="1258691"/>
+            <a:ext cx="558800" cy="261610"/>
+          </a:xfrm>
+          <a:prstGeom prst="rect">
+            <a:avLst/>
+          </a:prstGeom>
+          <a:noFill/>
+        </p:spPr>
+        <p:txBody>
+          <a:bodyPr wrap="square" rtlCol="0">
+            <a:spAutoFit/>
+          </a:bodyPr>
+          <a:lstStyle/>
+          <a:p>
+            <a:r>
+              <a:rPr lang="en-US" altLang="ko-KR" sz="1100" b="1" dirty="0"/>
+              <a:t>Main</a:t>
+            </a:r>
+            <a:endParaRPr lang="ko-KR" altLang="en-US" sz="1100" b="1" dirty="0"/>
           </a:p>
         </p:txBody>
       </p:sp>
@@ -7785,10 +8146,10 @@
       </p:sp>
       <p:sp>
         <p:nvSpPr>
-          <p:cNvPr id="46" name="타원 45">
-            <a:extLst>
-              <a:ext uri="{FF2B5EF4-FFF2-40B4-BE49-F238E27FC236}">
-                <a16:creationId xmlns:a16="http://schemas.microsoft.com/office/drawing/2014/main" id="{BFD9BDB8-71F1-40F7-B876-1AEAADAEA527}"/>
+          <p:cNvPr id="60" name="직사각형 59">
+            <a:extLst>
+              <a:ext uri="{FF2B5EF4-FFF2-40B4-BE49-F238E27FC236}">
+                <a16:creationId xmlns:a16="http://schemas.microsoft.com/office/drawing/2014/main" id="{1ACFC46C-5F4E-4033-AE43-42F66EDFD8DE}"/>
               </a:ext>
             </a:extLst>
           </p:cNvPr>
@@ -7797,7 +8158,199 @@
         </p:nvSpPr>
         <p:spPr>
           <a:xfrm rot="5400000">
-            <a:off x="271730" y="1220218"/>
+            <a:off x="449801" y="121512"/>
+            <a:ext cx="45719" cy="363260"/>
+          </a:xfrm>
+          <a:prstGeom prst="rect">
+            <a:avLst/>
+          </a:prstGeom>
+          <a:noFill/>
+          <a:ln w="19050">
+            <a:solidFill>
+              <a:schemeClr val="tx1"/>
+            </a:solidFill>
+          </a:ln>
+        </p:spPr>
+        <p:style>
+          <a:lnRef idx="2">
+            <a:schemeClr val="accent1">
+              <a:shade val="50000"/>
+            </a:schemeClr>
+          </a:lnRef>
+          <a:fillRef idx="1">
+            <a:schemeClr val="accent1"/>
+          </a:fillRef>
+          <a:effectRef idx="0">
+            <a:schemeClr val="accent1"/>
+          </a:effectRef>
+          <a:fontRef idx="minor">
+            <a:schemeClr val="lt1"/>
+          </a:fontRef>
+        </p:style>
+        <p:txBody>
+          <a:bodyPr rtlCol="0" anchor="ctr"/>
+          <a:lstStyle/>
+          <a:p>
+            <a:pPr algn="ctr"/>
+            <a:endParaRPr lang="ko-KR" altLang="en-US"/>
+          </a:p>
+        </p:txBody>
+      </p:sp>
+      <p:sp>
+        <p:nvSpPr>
+          <p:cNvPr id="61" name="직사각형 60">
+            <a:extLst>
+              <a:ext uri="{FF2B5EF4-FFF2-40B4-BE49-F238E27FC236}">
+                <a16:creationId xmlns:a16="http://schemas.microsoft.com/office/drawing/2014/main" id="{F365B278-5BC1-4940-8ECB-B20D7BF984BE}"/>
+              </a:ext>
+            </a:extLst>
+          </p:cNvPr>
+          <p:cNvSpPr/>
+          <p:nvPr/>
+        </p:nvSpPr>
+        <p:spPr>
+          <a:xfrm rot="5400000">
+            <a:off x="449763" y="193330"/>
+            <a:ext cx="45719" cy="363260"/>
+          </a:xfrm>
+          <a:prstGeom prst="rect">
+            <a:avLst/>
+          </a:prstGeom>
+          <a:noFill/>
+          <a:ln w="19050">
+            <a:solidFill>
+              <a:schemeClr val="tx1"/>
+            </a:solidFill>
+          </a:ln>
+        </p:spPr>
+        <p:style>
+          <a:lnRef idx="2">
+            <a:schemeClr val="accent1">
+              <a:shade val="50000"/>
+            </a:schemeClr>
+          </a:lnRef>
+          <a:fillRef idx="1">
+            <a:schemeClr val="accent1"/>
+          </a:fillRef>
+          <a:effectRef idx="0">
+            <a:schemeClr val="accent1"/>
+          </a:effectRef>
+          <a:fontRef idx="minor">
+            <a:schemeClr val="lt1"/>
+          </a:fontRef>
+        </p:style>
+        <p:txBody>
+          <a:bodyPr rtlCol="0" anchor="ctr"/>
+          <a:lstStyle/>
+          <a:p>
+            <a:pPr algn="ctr"/>
+            <a:endParaRPr lang="ko-KR" altLang="en-US"/>
+          </a:p>
+        </p:txBody>
+      </p:sp>
+      <p:sp>
+        <p:nvSpPr>
+          <p:cNvPr id="62" name="직사각형 61">
+            <a:extLst>
+              <a:ext uri="{FF2B5EF4-FFF2-40B4-BE49-F238E27FC236}">
+                <a16:creationId xmlns:a16="http://schemas.microsoft.com/office/drawing/2014/main" id="{642C997E-0595-4F99-B5A5-8B70017980B0}"/>
+              </a:ext>
+            </a:extLst>
+          </p:cNvPr>
+          <p:cNvSpPr/>
+          <p:nvPr/>
+        </p:nvSpPr>
+        <p:spPr>
+          <a:xfrm rot="5400000">
+            <a:off x="449763" y="272869"/>
+            <a:ext cx="45719" cy="363260"/>
+          </a:xfrm>
+          <a:prstGeom prst="rect">
+            <a:avLst/>
+          </a:prstGeom>
+          <a:noFill/>
+          <a:ln w="19050">
+            <a:solidFill>
+              <a:schemeClr val="tx1"/>
+            </a:solidFill>
+          </a:ln>
+        </p:spPr>
+        <p:style>
+          <a:lnRef idx="2">
+            <a:schemeClr val="accent1">
+              <a:shade val="50000"/>
+            </a:schemeClr>
+          </a:lnRef>
+          <a:fillRef idx="1">
+            <a:schemeClr val="accent1"/>
+          </a:fillRef>
+          <a:effectRef idx="0">
+            <a:schemeClr val="accent1"/>
+          </a:effectRef>
+          <a:fontRef idx="minor">
+            <a:schemeClr val="lt1"/>
+          </a:fontRef>
+        </p:style>
+        <p:txBody>
+          <a:bodyPr rtlCol="0" anchor="ctr"/>
+          <a:lstStyle/>
+          <a:p>
+            <a:pPr algn="ctr"/>
+            <a:endParaRPr lang="ko-KR" altLang="en-US"/>
+          </a:p>
+        </p:txBody>
+      </p:sp>
+      <p:sp>
+        <p:nvSpPr>
+          <p:cNvPr id="3" name="TextBox 2">
+            <a:extLst>
+              <a:ext uri="{FF2B5EF4-FFF2-40B4-BE49-F238E27FC236}">
+                <a16:creationId xmlns:a16="http://schemas.microsoft.com/office/drawing/2014/main" id="{5B156B2D-7636-4C36-9BC2-29056A75CC30}"/>
+              </a:ext>
+            </a:extLst>
+          </p:cNvPr>
+          <p:cNvSpPr txBox="1"/>
+          <p:nvPr/>
+        </p:nvSpPr>
+        <p:spPr>
+          <a:xfrm>
+            <a:off x="1315722" y="3172497"/>
+            <a:ext cx="1798319" cy="400110"/>
+          </a:xfrm>
+          <a:prstGeom prst="rect">
+            <a:avLst/>
+          </a:prstGeom>
+          <a:noFill/>
+        </p:spPr>
+        <p:txBody>
+          <a:bodyPr wrap="square" rtlCol="0">
+            <a:spAutoFit/>
+          </a:bodyPr>
+          <a:lstStyle/>
+          <a:p>
+            <a:r>
+              <a:rPr lang="ko-KR" altLang="en-US" sz="2000" b="1" dirty="0" err="1"/>
+              <a:t>자세히보기</a:t>
+            </a:r>
+            <a:endParaRPr lang="ko-KR" altLang="en-US" sz="2000" b="1" dirty="0"/>
+          </a:p>
+        </p:txBody>
+      </p:sp>
+      <p:sp>
+        <p:nvSpPr>
+          <p:cNvPr id="20" name="타원 19">
+            <a:extLst>
+              <a:ext uri="{FF2B5EF4-FFF2-40B4-BE49-F238E27FC236}">
+                <a16:creationId xmlns:a16="http://schemas.microsoft.com/office/drawing/2014/main" id="{61F3DD55-23B7-41B4-B6FE-E1F495CA8234}"/>
+              </a:ext>
+            </a:extLst>
+          </p:cNvPr>
+          <p:cNvSpPr/>
+          <p:nvPr/>
+        </p:nvSpPr>
+        <p:spPr>
+          <a:xfrm rot="5400000">
+            <a:off x="303389" y="2570669"/>
             <a:ext cx="333319" cy="326608"/>
           </a:xfrm>
           <a:prstGeom prst="ellipse">
@@ -7805,7 +8358,7 @@
           </a:prstGeom>
           <a:solidFill>
             <a:schemeClr val="bg1">
-              <a:lumMod val="65000"/>
+              <a:lumMod val="50000"/>
             </a:schemeClr>
           </a:solidFill>
           <a:ln w="19050">
@@ -7841,10 +8394,10 @@
       </p:sp>
       <p:sp>
         <p:nvSpPr>
-          <p:cNvPr id="48" name="타원 47">
-            <a:extLst>
-              <a:ext uri="{FF2B5EF4-FFF2-40B4-BE49-F238E27FC236}">
-                <a16:creationId xmlns:a16="http://schemas.microsoft.com/office/drawing/2014/main" id="{A14E0F33-DDB2-4E7F-838C-B8C6C866C57F}"/>
+          <p:cNvPr id="21" name="타원 20">
+            <a:extLst>
+              <a:ext uri="{FF2B5EF4-FFF2-40B4-BE49-F238E27FC236}">
+                <a16:creationId xmlns:a16="http://schemas.microsoft.com/office/drawing/2014/main" id="{15632B8D-8DA1-467B-802E-2E0721402127}"/>
               </a:ext>
             </a:extLst>
           </p:cNvPr>
@@ -7853,7 +8406,7 @@
         </p:nvSpPr>
         <p:spPr>
           <a:xfrm rot="5400000">
-            <a:off x="271729" y="3183903"/>
+            <a:off x="295216" y="3906868"/>
             <a:ext cx="333319" cy="326608"/>
           </a:xfrm>
           <a:prstGeom prst="ellipse">
@@ -7893,10 +8446,10 @@
       </p:sp>
       <p:sp>
         <p:nvSpPr>
-          <p:cNvPr id="49" name="타원 48">
-            <a:extLst>
-              <a:ext uri="{FF2B5EF4-FFF2-40B4-BE49-F238E27FC236}">
-                <a16:creationId xmlns:a16="http://schemas.microsoft.com/office/drawing/2014/main" id="{37AB810D-72BA-4B0E-8302-0BC9216E6AB3}"/>
+          <p:cNvPr id="22" name="타원 21">
+            <a:extLst>
+              <a:ext uri="{FF2B5EF4-FFF2-40B4-BE49-F238E27FC236}">
+                <a16:creationId xmlns:a16="http://schemas.microsoft.com/office/drawing/2014/main" id="{1E6437C1-F0DC-4762-ADB2-673B2382DEA0}"/>
               </a:ext>
             </a:extLst>
           </p:cNvPr>
@@ -7905,7 +8458,7 @@
         </p:nvSpPr>
         <p:spPr>
           <a:xfrm rot="5400000">
-            <a:off x="284933" y="5147588"/>
+            <a:off x="295519" y="5243067"/>
             <a:ext cx="333319" cy="326608"/>
           </a:xfrm>
           <a:prstGeom prst="ellipse">
@@ -7945,10 +8498,118 @@
       </p:sp>
       <p:sp>
         <p:nvSpPr>
-          <p:cNvPr id="60" name="직사각형 59">
-            <a:extLst>
-              <a:ext uri="{FF2B5EF4-FFF2-40B4-BE49-F238E27FC236}">
-                <a16:creationId xmlns:a16="http://schemas.microsoft.com/office/drawing/2014/main" id="{1ACFC46C-5F4E-4033-AE43-42F66EDFD8DE}"/>
+          <p:cNvPr id="25" name="TextBox 24">
+            <a:extLst>
+              <a:ext uri="{FF2B5EF4-FFF2-40B4-BE49-F238E27FC236}">
+                <a16:creationId xmlns:a16="http://schemas.microsoft.com/office/drawing/2014/main" id="{71B3A7BA-DA28-45AC-AE5C-0C43721068E9}"/>
+              </a:ext>
+            </a:extLst>
+          </p:cNvPr>
+          <p:cNvSpPr txBox="1"/>
+          <p:nvPr/>
+        </p:nvSpPr>
+        <p:spPr>
+          <a:xfrm>
+            <a:off x="334428" y="2563615"/>
+            <a:ext cx="558800" cy="307777"/>
+          </a:xfrm>
+          <a:prstGeom prst="rect">
+            <a:avLst/>
+          </a:prstGeom>
+          <a:noFill/>
+        </p:spPr>
+        <p:txBody>
+          <a:bodyPr wrap="square" rtlCol="0">
+            <a:spAutoFit/>
+          </a:bodyPr>
+          <a:lstStyle/>
+          <a:p>
+            <a:r>
+              <a:rPr lang="en-US" altLang="ko-KR" sz="1400" b="1" dirty="0"/>
+              <a:t>1</a:t>
+            </a:r>
+            <a:endParaRPr lang="ko-KR" altLang="en-US" sz="1400" b="1" dirty="0"/>
+          </a:p>
+        </p:txBody>
+      </p:sp>
+      <p:sp>
+        <p:nvSpPr>
+          <p:cNvPr id="26" name="TextBox 25">
+            <a:extLst>
+              <a:ext uri="{FF2B5EF4-FFF2-40B4-BE49-F238E27FC236}">
+                <a16:creationId xmlns:a16="http://schemas.microsoft.com/office/drawing/2014/main" id="{792FAAD9-DBD2-4264-ADA7-CE1DD3B7557F}"/>
+              </a:ext>
+            </a:extLst>
+          </p:cNvPr>
+          <p:cNvSpPr txBox="1"/>
+          <p:nvPr/>
+        </p:nvSpPr>
+        <p:spPr>
+          <a:xfrm>
+            <a:off x="319257" y="3894477"/>
+            <a:ext cx="558800" cy="307777"/>
+          </a:xfrm>
+          <a:prstGeom prst="rect">
+            <a:avLst/>
+          </a:prstGeom>
+          <a:noFill/>
+        </p:spPr>
+        <p:txBody>
+          <a:bodyPr wrap="square" rtlCol="0">
+            <a:spAutoFit/>
+          </a:bodyPr>
+          <a:lstStyle/>
+          <a:p>
+            <a:r>
+              <a:rPr lang="en-US" altLang="ko-KR" sz="1400" b="1" dirty="0"/>
+              <a:t>2</a:t>
+            </a:r>
+            <a:endParaRPr lang="ko-KR" altLang="en-US" sz="1400" b="1" dirty="0"/>
+          </a:p>
+        </p:txBody>
+      </p:sp>
+      <p:sp>
+        <p:nvSpPr>
+          <p:cNvPr id="27" name="TextBox 26">
+            <a:extLst>
+              <a:ext uri="{FF2B5EF4-FFF2-40B4-BE49-F238E27FC236}">
+                <a16:creationId xmlns:a16="http://schemas.microsoft.com/office/drawing/2014/main" id="{E7A78C29-C99D-4693-931E-7413EFEB5DA1}"/>
+              </a:ext>
+            </a:extLst>
+          </p:cNvPr>
+          <p:cNvSpPr txBox="1"/>
+          <p:nvPr/>
+        </p:nvSpPr>
+        <p:spPr>
+          <a:xfrm>
+            <a:off x="319257" y="5225339"/>
+            <a:ext cx="558800" cy="307777"/>
+          </a:xfrm>
+          <a:prstGeom prst="rect">
+            <a:avLst/>
+          </a:prstGeom>
+          <a:noFill/>
+        </p:spPr>
+        <p:txBody>
+          <a:bodyPr wrap="square" rtlCol="0">
+            <a:spAutoFit/>
+          </a:bodyPr>
+          <a:lstStyle/>
+          <a:p>
+            <a:r>
+              <a:rPr lang="en-US" altLang="ko-KR" sz="1400" b="1" dirty="0"/>
+              <a:t>3</a:t>
+            </a:r>
+            <a:endParaRPr lang="ko-KR" altLang="en-US" sz="1400" b="1" dirty="0"/>
+          </a:p>
+        </p:txBody>
+      </p:sp>
+      <p:sp>
+        <p:nvSpPr>
+          <p:cNvPr id="28" name="타원 27">
+            <a:extLst>
+              <a:ext uri="{FF2B5EF4-FFF2-40B4-BE49-F238E27FC236}">
+                <a16:creationId xmlns:a16="http://schemas.microsoft.com/office/drawing/2014/main" id="{66F90A13-A988-4BFF-93DC-DBAC0D8165CD}"/>
               </a:ext>
             </a:extLst>
           </p:cNvPr>
@@ -7957,10 +8618,10 @@
         </p:nvSpPr>
         <p:spPr>
           <a:xfrm rot="5400000">
-            <a:off x="449801" y="121512"/>
-            <a:ext cx="45719" cy="363260"/>
-          </a:xfrm>
-          <a:prstGeom prst="rect">
+            <a:off x="307630" y="1234470"/>
+            <a:ext cx="333319" cy="326608"/>
+          </a:xfrm>
+          <a:prstGeom prst="ellipse">
             <a:avLst/>
           </a:prstGeom>
           <a:noFill/>
@@ -7997,114 +8658,10 @@
       </p:sp>
       <p:sp>
         <p:nvSpPr>
-          <p:cNvPr id="61" name="직사각형 60">
-            <a:extLst>
-              <a:ext uri="{FF2B5EF4-FFF2-40B4-BE49-F238E27FC236}">
-                <a16:creationId xmlns:a16="http://schemas.microsoft.com/office/drawing/2014/main" id="{F365B278-5BC1-4940-8ECB-B20D7BF984BE}"/>
-              </a:ext>
-            </a:extLst>
-          </p:cNvPr>
-          <p:cNvSpPr/>
-          <p:nvPr/>
-        </p:nvSpPr>
-        <p:spPr>
-          <a:xfrm rot="5400000">
-            <a:off x="449763" y="193330"/>
-            <a:ext cx="45719" cy="363260"/>
-          </a:xfrm>
-          <a:prstGeom prst="rect">
-            <a:avLst/>
-          </a:prstGeom>
-          <a:noFill/>
-          <a:ln w="19050">
-            <a:solidFill>
-              <a:schemeClr val="tx1"/>
-            </a:solidFill>
-          </a:ln>
-        </p:spPr>
-        <p:style>
-          <a:lnRef idx="2">
-            <a:schemeClr val="accent1">
-              <a:shade val="50000"/>
-            </a:schemeClr>
-          </a:lnRef>
-          <a:fillRef idx="1">
-            <a:schemeClr val="accent1"/>
-          </a:fillRef>
-          <a:effectRef idx="0">
-            <a:schemeClr val="accent1"/>
-          </a:effectRef>
-          <a:fontRef idx="minor">
-            <a:schemeClr val="lt1"/>
-          </a:fontRef>
-        </p:style>
-        <p:txBody>
-          <a:bodyPr rtlCol="0" anchor="ctr"/>
-          <a:lstStyle/>
-          <a:p>
-            <a:pPr algn="ctr"/>
-            <a:endParaRPr lang="ko-KR" altLang="en-US"/>
-          </a:p>
-        </p:txBody>
-      </p:sp>
-      <p:sp>
-        <p:nvSpPr>
-          <p:cNvPr id="62" name="직사각형 61">
-            <a:extLst>
-              <a:ext uri="{FF2B5EF4-FFF2-40B4-BE49-F238E27FC236}">
-                <a16:creationId xmlns:a16="http://schemas.microsoft.com/office/drawing/2014/main" id="{642C997E-0595-4F99-B5A5-8B70017980B0}"/>
-              </a:ext>
-            </a:extLst>
-          </p:cNvPr>
-          <p:cNvSpPr/>
-          <p:nvPr/>
-        </p:nvSpPr>
-        <p:spPr>
-          <a:xfrm rot="5400000">
-            <a:off x="449763" y="272869"/>
-            <a:ext cx="45719" cy="363260"/>
-          </a:xfrm>
-          <a:prstGeom prst="rect">
-            <a:avLst/>
-          </a:prstGeom>
-          <a:noFill/>
-          <a:ln w="19050">
-            <a:solidFill>
-              <a:schemeClr val="tx1"/>
-            </a:solidFill>
-          </a:ln>
-        </p:spPr>
-        <p:style>
-          <a:lnRef idx="2">
-            <a:schemeClr val="accent1">
-              <a:shade val="50000"/>
-            </a:schemeClr>
-          </a:lnRef>
-          <a:fillRef idx="1">
-            <a:schemeClr val="accent1"/>
-          </a:fillRef>
-          <a:effectRef idx="0">
-            <a:schemeClr val="accent1"/>
-          </a:effectRef>
-          <a:fontRef idx="minor">
-            <a:schemeClr val="lt1"/>
-          </a:fontRef>
-        </p:style>
-        <p:txBody>
-          <a:bodyPr rtlCol="0" anchor="ctr"/>
-          <a:lstStyle/>
-          <a:p>
-            <a:pPr algn="ctr"/>
-            <a:endParaRPr lang="ko-KR" altLang="en-US"/>
-          </a:p>
-        </p:txBody>
-      </p:sp>
-      <p:sp>
-        <p:nvSpPr>
-          <p:cNvPr id="36" name="TextBox 35">
-            <a:extLst>
-              <a:ext uri="{FF2B5EF4-FFF2-40B4-BE49-F238E27FC236}">
-                <a16:creationId xmlns:a16="http://schemas.microsoft.com/office/drawing/2014/main" id="{F77B3DCE-AC70-40A5-94E7-99825710DE95}"/>
+          <p:cNvPr id="29" name="TextBox 28">
+            <a:extLst>
+              <a:ext uri="{FF2B5EF4-FFF2-40B4-BE49-F238E27FC236}">
+                <a16:creationId xmlns:a16="http://schemas.microsoft.com/office/drawing/2014/main" id="{748F4CFE-76B0-4B87-AFF0-4C71C3743DA7}"/>
               </a:ext>
             </a:extLst>
           </p:cNvPr>
@@ -8113,8 +8670,8 @@
         </p:nvSpPr>
         <p:spPr>
           <a:xfrm>
-            <a:off x="293580" y="1218501"/>
-            <a:ext cx="558800" cy="307777"/>
+            <a:off x="267724" y="1258691"/>
+            <a:ext cx="558800" cy="261610"/>
           </a:xfrm>
           <a:prstGeom prst="rect">
             <a:avLst/>
@@ -8128,118 +8685,10 @@
           <a:lstStyle/>
           <a:p>
             <a:r>
-              <a:rPr lang="en-US" altLang="ko-KR" sz="1400" b="1" dirty="0"/>
-              <a:t>1</a:t>
-            </a:r>
-            <a:endParaRPr lang="ko-KR" altLang="en-US" sz="1400" b="1" dirty="0"/>
-          </a:p>
-        </p:txBody>
-      </p:sp>
-      <p:sp>
-        <p:nvSpPr>
-          <p:cNvPr id="39" name="TextBox 38">
-            <a:extLst>
-              <a:ext uri="{FF2B5EF4-FFF2-40B4-BE49-F238E27FC236}">
-                <a16:creationId xmlns:a16="http://schemas.microsoft.com/office/drawing/2014/main" id="{090B1948-4AD6-485A-8F91-412AB0BC3996}"/>
-              </a:ext>
-            </a:extLst>
-          </p:cNvPr>
-          <p:cNvSpPr txBox="1"/>
-          <p:nvPr/>
-        </p:nvSpPr>
-        <p:spPr>
-          <a:xfrm>
-            <a:off x="295770" y="3199304"/>
-            <a:ext cx="558800" cy="307777"/>
-          </a:xfrm>
-          <a:prstGeom prst="rect">
-            <a:avLst/>
-          </a:prstGeom>
-          <a:noFill/>
-        </p:spPr>
-        <p:txBody>
-          <a:bodyPr wrap="square" rtlCol="0">
-            <a:spAutoFit/>
-          </a:bodyPr>
-          <a:lstStyle/>
-          <a:p>
-            <a:r>
-              <a:rPr lang="en-US" altLang="ko-KR" sz="1400" b="1" dirty="0"/>
-              <a:t>2</a:t>
-            </a:r>
-            <a:endParaRPr lang="ko-KR" altLang="en-US" sz="1400" b="1" dirty="0"/>
-          </a:p>
-        </p:txBody>
-      </p:sp>
-      <p:sp>
-        <p:nvSpPr>
-          <p:cNvPr id="40" name="TextBox 39">
-            <a:extLst>
-              <a:ext uri="{FF2B5EF4-FFF2-40B4-BE49-F238E27FC236}">
-                <a16:creationId xmlns:a16="http://schemas.microsoft.com/office/drawing/2014/main" id="{B2F3A257-F736-4363-B4AD-D46A60DC4732}"/>
-              </a:ext>
-            </a:extLst>
-          </p:cNvPr>
-          <p:cNvSpPr txBox="1"/>
-          <p:nvPr/>
-        </p:nvSpPr>
-        <p:spPr>
-          <a:xfrm>
-            <a:off x="308671" y="5129860"/>
-            <a:ext cx="558800" cy="307777"/>
-          </a:xfrm>
-          <a:prstGeom prst="rect">
-            <a:avLst/>
-          </a:prstGeom>
-          <a:noFill/>
-        </p:spPr>
-        <p:txBody>
-          <a:bodyPr wrap="square" rtlCol="0">
-            <a:spAutoFit/>
-          </a:bodyPr>
-          <a:lstStyle/>
-          <a:p>
-            <a:r>
-              <a:rPr lang="en-US" altLang="ko-KR" sz="1400" b="1" dirty="0"/>
-              <a:t>3</a:t>
-            </a:r>
-            <a:endParaRPr lang="ko-KR" altLang="en-US" sz="1400" b="1" dirty="0"/>
-          </a:p>
-        </p:txBody>
-      </p:sp>
-      <p:sp>
-        <p:nvSpPr>
-          <p:cNvPr id="3" name="TextBox 2">
-            <a:extLst>
-              <a:ext uri="{FF2B5EF4-FFF2-40B4-BE49-F238E27FC236}">
-                <a16:creationId xmlns:a16="http://schemas.microsoft.com/office/drawing/2014/main" id="{5B156B2D-7636-4C36-9BC2-29056A75CC30}"/>
-              </a:ext>
-            </a:extLst>
-          </p:cNvPr>
-          <p:cNvSpPr txBox="1"/>
-          <p:nvPr/>
-        </p:nvSpPr>
-        <p:spPr>
-          <a:xfrm>
-            <a:off x="1315722" y="3172497"/>
-            <a:ext cx="1798319" cy="400110"/>
-          </a:xfrm>
-          <a:prstGeom prst="rect">
-            <a:avLst/>
-          </a:prstGeom>
-          <a:noFill/>
-        </p:spPr>
-        <p:txBody>
-          <a:bodyPr wrap="square" rtlCol="0">
-            <a:spAutoFit/>
-          </a:bodyPr>
-          <a:lstStyle/>
-          <a:p>
-            <a:r>
-              <a:rPr lang="ko-KR" altLang="en-US" sz="2000" b="1" dirty="0" err="1"/>
-              <a:t>자세히보기</a:t>
-            </a:r>
-            <a:endParaRPr lang="ko-KR" altLang="en-US" sz="2000" b="1" dirty="0"/>
+              <a:rPr lang="en-US" altLang="ko-KR" sz="1100" b="1" dirty="0"/>
+              <a:t>Main</a:t>
+            </a:r>
+            <a:endParaRPr lang="ko-KR" altLang="en-US" sz="1100" b="1" dirty="0"/>
           </a:p>
         </p:txBody>
       </p:sp>
@@ -8662,10 +9111,10 @@
       </p:sp>
       <p:sp>
         <p:nvSpPr>
-          <p:cNvPr id="46" name="타원 45">
-            <a:extLst>
-              <a:ext uri="{FF2B5EF4-FFF2-40B4-BE49-F238E27FC236}">
-                <a16:creationId xmlns:a16="http://schemas.microsoft.com/office/drawing/2014/main" id="{BFD9BDB8-71F1-40F7-B876-1AEAADAEA527}"/>
+          <p:cNvPr id="60" name="직사각형 59">
+            <a:extLst>
+              <a:ext uri="{FF2B5EF4-FFF2-40B4-BE49-F238E27FC236}">
+                <a16:creationId xmlns:a16="http://schemas.microsoft.com/office/drawing/2014/main" id="{1ACFC46C-5F4E-4033-AE43-42F66EDFD8DE}"/>
               </a:ext>
             </a:extLst>
           </p:cNvPr>
@@ -8674,10 +9123,10 @@
         </p:nvSpPr>
         <p:spPr>
           <a:xfrm rot="5400000">
-            <a:off x="271730" y="1220218"/>
-            <a:ext cx="333319" cy="326608"/>
-          </a:xfrm>
-          <a:prstGeom prst="ellipse">
+            <a:off x="449801" y="121512"/>
+            <a:ext cx="45719" cy="363260"/>
+          </a:xfrm>
+          <a:prstGeom prst="rect">
             <a:avLst/>
           </a:prstGeom>
           <a:noFill/>
@@ -8714,10 +9163,10 @@
       </p:sp>
       <p:sp>
         <p:nvSpPr>
-          <p:cNvPr id="48" name="타원 47">
-            <a:extLst>
-              <a:ext uri="{FF2B5EF4-FFF2-40B4-BE49-F238E27FC236}">
-                <a16:creationId xmlns:a16="http://schemas.microsoft.com/office/drawing/2014/main" id="{A14E0F33-DDB2-4E7F-838C-B8C6C866C57F}"/>
+          <p:cNvPr id="61" name="직사각형 60">
+            <a:extLst>
+              <a:ext uri="{FF2B5EF4-FFF2-40B4-BE49-F238E27FC236}">
+                <a16:creationId xmlns:a16="http://schemas.microsoft.com/office/drawing/2014/main" id="{F365B278-5BC1-4940-8ECB-B20D7BF984BE}"/>
               </a:ext>
             </a:extLst>
           </p:cNvPr>
@@ -8726,15 +9175,345 @@
         </p:nvSpPr>
         <p:spPr>
           <a:xfrm rot="5400000">
-            <a:off x="271729" y="3183903"/>
+            <a:off x="449763" y="193330"/>
+            <a:ext cx="45719" cy="363260"/>
+          </a:xfrm>
+          <a:prstGeom prst="rect">
+            <a:avLst/>
+          </a:prstGeom>
+          <a:noFill/>
+          <a:ln w="19050">
+            <a:solidFill>
+              <a:schemeClr val="tx1"/>
+            </a:solidFill>
+          </a:ln>
+        </p:spPr>
+        <p:style>
+          <a:lnRef idx="2">
+            <a:schemeClr val="accent1">
+              <a:shade val="50000"/>
+            </a:schemeClr>
+          </a:lnRef>
+          <a:fillRef idx="1">
+            <a:schemeClr val="accent1"/>
+          </a:fillRef>
+          <a:effectRef idx="0">
+            <a:schemeClr val="accent1"/>
+          </a:effectRef>
+          <a:fontRef idx="minor">
+            <a:schemeClr val="lt1"/>
+          </a:fontRef>
+        </p:style>
+        <p:txBody>
+          <a:bodyPr rtlCol="0" anchor="ctr"/>
+          <a:lstStyle/>
+          <a:p>
+            <a:pPr algn="ctr"/>
+            <a:endParaRPr lang="ko-KR" altLang="en-US"/>
+          </a:p>
+        </p:txBody>
+      </p:sp>
+      <p:sp>
+        <p:nvSpPr>
+          <p:cNvPr id="62" name="직사각형 61">
+            <a:extLst>
+              <a:ext uri="{FF2B5EF4-FFF2-40B4-BE49-F238E27FC236}">
+                <a16:creationId xmlns:a16="http://schemas.microsoft.com/office/drawing/2014/main" id="{642C997E-0595-4F99-B5A5-8B70017980B0}"/>
+              </a:ext>
+            </a:extLst>
+          </p:cNvPr>
+          <p:cNvSpPr/>
+          <p:nvPr/>
+        </p:nvSpPr>
+        <p:spPr>
+          <a:xfrm rot="5400000">
+            <a:off x="449763" y="272869"/>
+            <a:ext cx="45719" cy="363260"/>
+          </a:xfrm>
+          <a:prstGeom prst="rect">
+            <a:avLst/>
+          </a:prstGeom>
+          <a:noFill/>
+          <a:ln w="19050">
+            <a:solidFill>
+              <a:schemeClr val="tx1"/>
+            </a:solidFill>
+          </a:ln>
+        </p:spPr>
+        <p:style>
+          <a:lnRef idx="2">
+            <a:schemeClr val="accent1">
+              <a:shade val="50000"/>
+            </a:schemeClr>
+          </a:lnRef>
+          <a:fillRef idx="1">
+            <a:schemeClr val="accent1"/>
+          </a:fillRef>
+          <a:effectRef idx="0">
+            <a:schemeClr val="accent1"/>
+          </a:effectRef>
+          <a:fontRef idx="minor">
+            <a:schemeClr val="lt1"/>
+          </a:fontRef>
+        </p:style>
+        <p:txBody>
+          <a:bodyPr rtlCol="0" anchor="ctr"/>
+          <a:lstStyle/>
+          <a:p>
+            <a:pPr algn="ctr"/>
+            <a:endParaRPr lang="ko-KR" altLang="en-US"/>
+          </a:p>
+        </p:txBody>
+      </p:sp>
+      <p:sp>
+        <p:nvSpPr>
+          <p:cNvPr id="3" name="TextBox 2">
+            <a:extLst>
+              <a:ext uri="{FF2B5EF4-FFF2-40B4-BE49-F238E27FC236}">
+                <a16:creationId xmlns:a16="http://schemas.microsoft.com/office/drawing/2014/main" id="{5B156B2D-7636-4C36-9BC2-29056A75CC30}"/>
+              </a:ext>
+            </a:extLst>
+          </p:cNvPr>
+          <p:cNvSpPr txBox="1"/>
+          <p:nvPr/>
+        </p:nvSpPr>
+        <p:spPr>
+          <a:xfrm>
+            <a:off x="988388" y="4256993"/>
+            <a:ext cx="2269672" cy="400110"/>
+          </a:xfrm>
+          <a:prstGeom prst="rect">
+            <a:avLst/>
+          </a:prstGeom>
+          <a:noFill/>
+        </p:spPr>
+        <p:txBody>
+          <a:bodyPr wrap="square" rtlCol="0">
+            <a:spAutoFit/>
+          </a:bodyPr>
+          <a:lstStyle/>
+          <a:p>
+            <a:r>
+              <a:rPr lang="ko-KR" altLang="en-US" sz="2000" b="1" dirty="0"/>
+              <a:t>알림 간략히 보기</a:t>
+            </a:r>
+          </a:p>
+        </p:txBody>
+      </p:sp>
+      <p:sp>
+        <p:nvSpPr>
+          <p:cNvPr id="20" name="직사각형 19">
+            <a:extLst>
+              <a:ext uri="{FF2B5EF4-FFF2-40B4-BE49-F238E27FC236}">
+                <a16:creationId xmlns:a16="http://schemas.microsoft.com/office/drawing/2014/main" id="{C1E3FB3C-638D-4375-AE74-C6DE84BEE1FF}"/>
+              </a:ext>
+            </a:extLst>
+          </p:cNvPr>
+          <p:cNvSpPr/>
+          <p:nvPr/>
+        </p:nvSpPr>
+        <p:spPr>
+          <a:xfrm>
+            <a:off x="968755" y="280282"/>
+            <a:ext cx="2197401" cy="1970550"/>
+          </a:xfrm>
+          <a:prstGeom prst="rect">
+            <a:avLst/>
+          </a:prstGeom>
+          <a:noFill/>
+          <a:ln w="19050">
+            <a:solidFill>
+              <a:schemeClr val="tx1"/>
+            </a:solidFill>
+          </a:ln>
+        </p:spPr>
+        <p:style>
+          <a:lnRef idx="2">
+            <a:schemeClr val="accent1">
+              <a:shade val="50000"/>
+            </a:schemeClr>
+          </a:lnRef>
+          <a:fillRef idx="1">
+            <a:schemeClr val="accent1"/>
+          </a:fillRef>
+          <a:effectRef idx="0">
+            <a:schemeClr val="accent1"/>
+          </a:effectRef>
+          <a:fontRef idx="minor">
+            <a:schemeClr val="lt1"/>
+          </a:fontRef>
+        </p:style>
+        <p:txBody>
+          <a:bodyPr rtlCol="0" anchor="ctr"/>
+          <a:lstStyle/>
+          <a:p>
+            <a:pPr algn="ctr"/>
+            <a:endParaRPr lang="ko-KR" altLang="en-US"/>
+          </a:p>
+        </p:txBody>
+      </p:sp>
+      <p:sp>
+        <p:nvSpPr>
+          <p:cNvPr id="2" name="TextBox 1">
+            <a:extLst>
+              <a:ext uri="{FF2B5EF4-FFF2-40B4-BE49-F238E27FC236}">
+                <a16:creationId xmlns:a16="http://schemas.microsoft.com/office/drawing/2014/main" id="{9C697956-BAE1-467A-9014-766B971887C5}"/>
+              </a:ext>
+            </a:extLst>
+          </p:cNvPr>
+          <p:cNvSpPr txBox="1"/>
+          <p:nvPr/>
+        </p:nvSpPr>
+        <p:spPr>
+          <a:xfrm>
+            <a:off x="1751242" y="1032196"/>
+            <a:ext cx="1046285" cy="369332"/>
+          </a:xfrm>
+          <a:prstGeom prst="rect">
+            <a:avLst/>
+          </a:prstGeom>
+          <a:noFill/>
+        </p:spPr>
+        <p:txBody>
+          <a:bodyPr wrap="square" rtlCol="0">
+            <a:spAutoFit/>
+          </a:bodyPr>
+          <a:lstStyle/>
+          <a:p>
+            <a:r>
+              <a:rPr lang="ko-KR" altLang="en-US" b="1"/>
+              <a:t>과목</a:t>
+            </a:r>
+          </a:p>
+        </p:txBody>
+      </p:sp>
+      <p:sp>
+        <p:nvSpPr>
+          <p:cNvPr id="22" name="직사각형 21">
+            <a:extLst>
+              <a:ext uri="{FF2B5EF4-FFF2-40B4-BE49-F238E27FC236}">
+                <a16:creationId xmlns:a16="http://schemas.microsoft.com/office/drawing/2014/main" id="{9D6FA677-B412-4396-AA6E-6C40006B8E0A}"/>
+              </a:ext>
+            </a:extLst>
+          </p:cNvPr>
+          <p:cNvSpPr/>
+          <p:nvPr/>
+        </p:nvSpPr>
+        <p:spPr>
+          <a:xfrm>
+            <a:off x="968754" y="2374399"/>
+            <a:ext cx="2197401" cy="4165299"/>
+          </a:xfrm>
+          <a:prstGeom prst="rect">
+            <a:avLst/>
+          </a:prstGeom>
+          <a:noFill/>
+          <a:ln w="19050">
+            <a:solidFill>
+              <a:schemeClr val="tx1"/>
+            </a:solidFill>
+          </a:ln>
+        </p:spPr>
+        <p:style>
+          <a:lnRef idx="2">
+            <a:schemeClr val="accent1">
+              <a:shade val="50000"/>
+            </a:schemeClr>
+          </a:lnRef>
+          <a:fillRef idx="1">
+            <a:schemeClr val="accent1"/>
+          </a:fillRef>
+          <a:effectRef idx="0">
+            <a:schemeClr val="accent1"/>
+          </a:effectRef>
+          <a:fontRef idx="minor">
+            <a:schemeClr val="lt1"/>
+          </a:fontRef>
+        </p:style>
+        <p:txBody>
+          <a:bodyPr rtlCol="0" anchor="ctr"/>
+          <a:lstStyle/>
+          <a:p>
+            <a:pPr algn="ctr"/>
+            <a:endParaRPr lang="ko-KR" altLang="en-US"/>
+          </a:p>
+        </p:txBody>
+      </p:sp>
+      <p:sp>
+        <p:nvSpPr>
+          <p:cNvPr id="25" name="타원 24">
+            <a:extLst>
+              <a:ext uri="{FF2B5EF4-FFF2-40B4-BE49-F238E27FC236}">
+                <a16:creationId xmlns:a16="http://schemas.microsoft.com/office/drawing/2014/main" id="{00BA5FFB-FFB1-46CA-AA95-16ABB7984A99}"/>
+              </a:ext>
+            </a:extLst>
+          </p:cNvPr>
+          <p:cNvSpPr/>
+          <p:nvPr/>
+        </p:nvSpPr>
+        <p:spPr>
+          <a:xfrm rot="5400000">
+            <a:off x="303389" y="2570669"/>
             <a:ext cx="333319" cy="326608"/>
           </a:xfrm>
           <a:prstGeom prst="ellipse">
             <a:avLst/>
           </a:prstGeom>
+          <a:noFill/>
+          <a:ln w="19050">
+            <a:solidFill>
+              <a:schemeClr val="tx1"/>
+            </a:solidFill>
+          </a:ln>
+        </p:spPr>
+        <p:style>
+          <a:lnRef idx="2">
+            <a:schemeClr val="accent1">
+              <a:shade val="50000"/>
+            </a:schemeClr>
+          </a:lnRef>
+          <a:fillRef idx="1">
+            <a:schemeClr val="accent1"/>
+          </a:fillRef>
+          <a:effectRef idx="0">
+            <a:schemeClr val="accent1"/>
+          </a:effectRef>
+          <a:fontRef idx="minor">
+            <a:schemeClr val="lt1"/>
+          </a:fontRef>
+        </p:style>
+        <p:txBody>
+          <a:bodyPr rtlCol="0" anchor="ctr"/>
+          <a:lstStyle/>
+          <a:p>
+            <a:pPr algn="ctr"/>
+            <a:endParaRPr lang="ko-KR" altLang="en-US"/>
+          </a:p>
+        </p:txBody>
+      </p:sp>
+      <p:sp>
+        <p:nvSpPr>
+          <p:cNvPr id="26" name="타원 25">
+            <a:extLst>
+              <a:ext uri="{FF2B5EF4-FFF2-40B4-BE49-F238E27FC236}">
+                <a16:creationId xmlns:a16="http://schemas.microsoft.com/office/drawing/2014/main" id="{739EFE56-8663-4EBF-AEA3-E627521D8F9A}"/>
+              </a:ext>
+            </a:extLst>
+          </p:cNvPr>
+          <p:cNvSpPr/>
+          <p:nvPr/>
+        </p:nvSpPr>
+        <p:spPr>
+          <a:xfrm rot="5400000">
+            <a:off x="295216" y="3906868"/>
+            <a:ext cx="333319" cy="326608"/>
+          </a:xfrm>
+          <a:prstGeom prst="ellipse">
+            <a:avLst/>
+          </a:prstGeom>
           <a:solidFill>
-            <a:schemeClr val="bg2">
-              <a:lumMod val="75000"/>
+            <a:schemeClr val="bg1">
+              <a:lumMod val="50000"/>
             </a:schemeClr>
           </a:solidFill>
           <a:ln w="19050">
@@ -8770,10 +9549,10 @@
       </p:sp>
       <p:sp>
         <p:nvSpPr>
-          <p:cNvPr id="49" name="타원 48">
-            <a:extLst>
-              <a:ext uri="{FF2B5EF4-FFF2-40B4-BE49-F238E27FC236}">
-                <a16:creationId xmlns:a16="http://schemas.microsoft.com/office/drawing/2014/main" id="{37AB810D-72BA-4B0E-8302-0BC9216E6AB3}"/>
+          <p:cNvPr id="27" name="타원 26">
+            <a:extLst>
+              <a:ext uri="{FF2B5EF4-FFF2-40B4-BE49-F238E27FC236}">
+                <a16:creationId xmlns:a16="http://schemas.microsoft.com/office/drawing/2014/main" id="{08CB80D4-6370-497E-BAC9-FDB1EB4D2998}"/>
               </a:ext>
             </a:extLst>
           </p:cNvPr>
@@ -8782,7 +9561,7 @@
         </p:nvSpPr>
         <p:spPr>
           <a:xfrm rot="5400000">
-            <a:off x="284933" y="5147588"/>
+            <a:off x="295519" y="5243067"/>
             <a:ext cx="333319" cy="326608"/>
           </a:xfrm>
           <a:prstGeom prst="ellipse">
@@ -8822,10 +9601,118 @@
       </p:sp>
       <p:sp>
         <p:nvSpPr>
-          <p:cNvPr id="60" name="직사각형 59">
-            <a:extLst>
-              <a:ext uri="{FF2B5EF4-FFF2-40B4-BE49-F238E27FC236}">
-                <a16:creationId xmlns:a16="http://schemas.microsoft.com/office/drawing/2014/main" id="{1ACFC46C-5F4E-4033-AE43-42F66EDFD8DE}"/>
+          <p:cNvPr id="28" name="TextBox 27">
+            <a:extLst>
+              <a:ext uri="{FF2B5EF4-FFF2-40B4-BE49-F238E27FC236}">
+                <a16:creationId xmlns:a16="http://schemas.microsoft.com/office/drawing/2014/main" id="{5731EB3C-E816-4865-9656-45E2776A8388}"/>
+              </a:ext>
+            </a:extLst>
+          </p:cNvPr>
+          <p:cNvSpPr txBox="1"/>
+          <p:nvPr/>
+        </p:nvSpPr>
+        <p:spPr>
+          <a:xfrm>
+            <a:off x="334428" y="2563615"/>
+            <a:ext cx="558800" cy="307777"/>
+          </a:xfrm>
+          <a:prstGeom prst="rect">
+            <a:avLst/>
+          </a:prstGeom>
+          <a:noFill/>
+        </p:spPr>
+        <p:txBody>
+          <a:bodyPr wrap="square" rtlCol="0">
+            <a:spAutoFit/>
+          </a:bodyPr>
+          <a:lstStyle/>
+          <a:p>
+            <a:r>
+              <a:rPr lang="en-US" altLang="ko-KR" sz="1400" b="1" dirty="0"/>
+              <a:t>1</a:t>
+            </a:r>
+            <a:endParaRPr lang="ko-KR" altLang="en-US" sz="1400" b="1" dirty="0"/>
+          </a:p>
+        </p:txBody>
+      </p:sp>
+      <p:sp>
+        <p:nvSpPr>
+          <p:cNvPr id="29" name="TextBox 28">
+            <a:extLst>
+              <a:ext uri="{FF2B5EF4-FFF2-40B4-BE49-F238E27FC236}">
+                <a16:creationId xmlns:a16="http://schemas.microsoft.com/office/drawing/2014/main" id="{58BD3D7F-9C1F-43BC-BFC0-A2E6250F35BF}"/>
+              </a:ext>
+            </a:extLst>
+          </p:cNvPr>
+          <p:cNvSpPr txBox="1"/>
+          <p:nvPr/>
+        </p:nvSpPr>
+        <p:spPr>
+          <a:xfrm>
+            <a:off x="319257" y="3894477"/>
+            <a:ext cx="558800" cy="307777"/>
+          </a:xfrm>
+          <a:prstGeom prst="rect">
+            <a:avLst/>
+          </a:prstGeom>
+          <a:noFill/>
+        </p:spPr>
+        <p:txBody>
+          <a:bodyPr wrap="square" rtlCol="0">
+            <a:spAutoFit/>
+          </a:bodyPr>
+          <a:lstStyle/>
+          <a:p>
+            <a:r>
+              <a:rPr lang="en-US" altLang="ko-KR" sz="1400" b="1" dirty="0"/>
+              <a:t>2</a:t>
+            </a:r>
+            <a:endParaRPr lang="ko-KR" altLang="en-US" sz="1400" b="1" dirty="0"/>
+          </a:p>
+        </p:txBody>
+      </p:sp>
+      <p:sp>
+        <p:nvSpPr>
+          <p:cNvPr id="30" name="TextBox 29">
+            <a:extLst>
+              <a:ext uri="{FF2B5EF4-FFF2-40B4-BE49-F238E27FC236}">
+                <a16:creationId xmlns:a16="http://schemas.microsoft.com/office/drawing/2014/main" id="{3F3541A9-F5B0-4631-A055-3D057B7BC5C4}"/>
+              </a:ext>
+            </a:extLst>
+          </p:cNvPr>
+          <p:cNvSpPr txBox="1"/>
+          <p:nvPr/>
+        </p:nvSpPr>
+        <p:spPr>
+          <a:xfrm>
+            <a:off x="319257" y="5225339"/>
+            <a:ext cx="558800" cy="307777"/>
+          </a:xfrm>
+          <a:prstGeom prst="rect">
+            <a:avLst/>
+          </a:prstGeom>
+          <a:noFill/>
+        </p:spPr>
+        <p:txBody>
+          <a:bodyPr wrap="square" rtlCol="0">
+            <a:spAutoFit/>
+          </a:bodyPr>
+          <a:lstStyle/>
+          <a:p>
+            <a:r>
+              <a:rPr lang="en-US" altLang="ko-KR" sz="1400" b="1" dirty="0"/>
+              <a:t>3</a:t>
+            </a:r>
+            <a:endParaRPr lang="ko-KR" altLang="en-US" sz="1400" b="1" dirty="0"/>
+          </a:p>
+        </p:txBody>
+      </p:sp>
+      <p:sp>
+        <p:nvSpPr>
+          <p:cNvPr id="31" name="타원 30">
+            <a:extLst>
+              <a:ext uri="{FF2B5EF4-FFF2-40B4-BE49-F238E27FC236}">
+                <a16:creationId xmlns:a16="http://schemas.microsoft.com/office/drawing/2014/main" id="{BD77F417-17BA-48FB-BA28-5865D85BC2AF}"/>
               </a:ext>
             </a:extLst>
           </p:cNvPr>
@@ -8834,10 +9721,10 @@
         </p:nvSpPr>
         <p:spPr>
           <a:xfrm rot="5400000">
-            <a:off x="449801" y="121512"/>
-            <a:ext cx="45719" cy="363260"/>
-          </a:xfrm>
-          <a:prstGeom prst="rect">
+            <a:off x="307630" y="1234470"/>
+            <a:ext cx="333319" cy="326608"/>
+          </a:xfrm>
+          <a:prstGeom prst="ellipse">
             <a:avLst/>
           </a:prstGeom>
           <a:noFill/>
@@ -8874,114 +9761,10 @@
       </p:sp>
       <p:sp>
         <p:nvSpPr>
-          <p:cNvPr id="61" name="직사각형 60">
-            <a:extLst>
-              <a:ext uri="{FF2B5EF4-FFF2-40B4-BE49-F238E27FC236}">
-                <a16:creationId xmlns:a16="http://schemas.microsoft.com/office/drawing/2014/main" id="{F365B278-5BC1-4940-8ECB-B20D7BF984BE}"/>
-              </a:ext>
-            </a:extLst>
-          </p:cNvPr>
-          <p:cNvSpPr/>
-          <p:nvPr/>
-        </p:nvSpPr>
-        <p:spPr>
-          <a:xfrm rot="5400000">
-            <a:off x="449763" y="193330"/>
-            <a:ext cx="45719" cy="363260"/>
-          </a:xfrm>
-          <a:prstGeom prst="rect">
-            <a:avLst/>
-          </a:prstGeom>
-          <a:noFill/>
-          <a:ln w="19050">
-            <a:solidFill>
-              <a:schemeClr val="tx1"/>
-            </a:solidFill>
-          </a:ln>
-        </p:spPr>
-        <p:style>
-          <a:lnRef idx="2">
-            <a:schemeClr val="accent1">
-              <a:shade val="50000"/>
-            </a:schemeClr>
-          </a:lnRef>
-          <a:fillRef idx="1">
-            <a:schemeClr val="accent1"/>
-          </a:fillRef>
-          <a:effectRef idx="0">
-            <a:schemeClr val="accent1"/>
-          </a:effectRef>
-          <a:fontRef idx="minor">
-            <a:schemeClr val="lt1"/>
-          </a:fontRef>
-        </p:style>
-        <p:txBody>
-          <a:bodyPr rtlCol="0" anchor="ctr"/>
-          <a:lstStyle/>
-          <a:p>
-            <a:pPr algn="ctr"/>
-            <a:endParaRPr lang="ko-KR" altLang="en-US"/>
-          </a:p>
-        </p:txBody>
-      </p:sp>
-      <p:sp>
-        <p:nvSpPr>
-          <p:cNvPr id="62" name="직사각형 61">
-            <a:extLst>
-              <a:ext uri="{FF2B5EF4-FFF2-40B4-BE49-F238E27FC236}">
-                <a16:creationId xmlns:a16="http://schemas.microsoft.com/office/drawing/2014/main" id="{642C997E-0595-4F99-B5A5-8B70017980B0}"/>
-              </a:ext>
-            </a:extLst>
-          </p:cNvPr>
-          <p:cNvSpPr/>
-          <p:nvPr/>
-        </p:nvSpPr>
-        <p:spPr>
-          <a:xfrm rot="5400000">
-            <a:off x="449763" y="272869"/>
-            <a:ext cx="45719" cy="363260"/>
-          </a:xfrm>
-          <a:prstGeom prst="rect">
-            <a:avLst/>
-          </a:prstGeom>
-          <a:noFill/>
-          <a:ln w="19050">
-            <a:solidFill>
-              <a:schemeClr val="tx1"/>
-            </a:solidFill>
-          </a:ln>
-        </p:spPr>
-        <p:style>
-          <a:lnRef idx="2">
-            <a:schemeClr val="accent1">
-              <a:shade val="50000"/>
-            </a:schemeClr>
-          </a:lnRef>
-          <a:fillRef idx="1">
-            <a:schemeClr val="accent1"/>
-          </a:fillRef>
-          <a:effectRef idx="0">
-            <a:schemeClr val="accent1"/>
-          </a:effectRef>
-          <a:fontRef idx="minor">
-            <a:schemeClr val="lt1"/>
-          </a:fontRef>
-        </p:style>
-        <p:txBody>
-          <a:bodyPr rtlCol="0" anchor="ctr"/>
-          <a:lstStyle/>
-          <a:p>
-            <a:pPr algn="ctr"/>
-            <a:endParaRPr lang="ko-KR" altLang="en-US"/>
-          </a:p>
-        </p:txBody>
-      </p:sp>
-      <p:sp>
-        <p:nvSpPr>
-          <p:cNvPr id="36" name="TextBox 35">
-            <a:extLst>
-              <a:ext uri="{FF2B5EF4-FFF2-40B4-BE49-F238E27FC236}">
-                <a16:creationId xmlns:a16="http://schemas.microsoft.com/office/drawing/2014/main" id="{F77B3DCE-AC70-40A5-94E7-99825710DE95}"/>
+          <p:cNvPr id="32" name="TextBox 31">
+            <a:extLst>
+              <a:ext uri="{FF2B5EF4-FFF2-40B4-BE49-F238E27FC236}">
+                <a16:creationId xmlns:a16="http://schemas.microsoft.com/office/drawing/2014/main" id="{6EEA5CD7-F064-4043-8FA4-140AF1290CFC}"/>
               </a:ext>
             </a:extLst>
           </p:cNvPr>
@@ -8990,8 +9773,8 @@
         </p:nvSpPr>
         <p:spPr>
           <a:xfrm>
-            <a:off x="293580" y="1218501"/>
-            <a:ext cx="558800" cy="307777"/>
+            <a:off x="267724" y="1258691"/>
+            <a:ext cx="558800" cy="261610"/>
           </a:xfrm>
           <a:prstGeom prst="rect">
             <a:avLst/>
@@ -9005,256 +9788,10 @@
           <a:lstStyle/>
           <a:p>
             <a:r>
-              <a:rPr lang="en-US" altLang="ko-KR" sz="1400" b="1" dirty="0"/>
-              <a:t>1</a:t>
-            </a:r>
-            <a:endParaRPr lang="ko-KR" altLang="en-US" sz="1400" b="1" dirty="0"/>
-          </a:p>
-        </p:txBody>
-      </p:sp>
-      <p:sp>
-        <p:nvSpPr>
-          <p:cNvPr id="39" name="TextBox 38">
-            <a:extLst>
-              <a:ext uri="{FF2B5EF4-FFF2-40B4-BE49-F238E27FC236}">
-                <a16:creationId xmlns:a16="http://schemas.microsoft.com/office/drawing/2014/main" id="{090B1948-4AD6-485A-8F91-412AB0BC3996}"/>
-              </a:ext>
-            </a:extLst>
-          </p:cNvPr>
-          <p:cNvSpPr txBox="1"/>
-          <p:nvPr/>
-        </p:nvSpPr>
-        <p:spPr>
-          <a:xfrm>
-            <a:off x="295770" y="3199304"/>
-            <a:ext cx="558800" cy="307777"/>
-          </a:xfrm>
-          <a:prstGeom prst="rect">
-            <a:avLst/>
-          </a:prstGeom>
-          <a:noFill/>
-        </p:spPr>
-        <p:txBody>
-          <a:bodyPr wrap="square" rtlCol="0">
-            <a:spAutoFit/>
-          </a:bodyPr>
-          <a:lstStyle/>
-          <a:p>
-            <a:r>
-              <a:rPr lang="en-US" altLang="ko-KR" sz="1400" b="1" dirty="0"/>
-              <a:t>2</a:t>
-            </a:r>
-            <a:endParaRPr lang="ko-KR" altLang="en-US" sz="1400" b="1" dirty="0"/>
-          </a:p>
-        </p:txBody>
-      </p:sp>
-      <p:sp>
-        <p:nvSpPr>
-          <p:cNvPr id="40" name="TextBox 39">
-            <a:extLst>
-              <a:ext uri="{FF2B5EF4-FFF2-40B4-BE49-F238E27FC236}">
-                <a16:creationId xmlns:a16="http://schemas.microsoft.com/office/drawing/2014/main" id="{B2F3A257-F736-4363-B4AD-D46A60DC4732}"/>
-              </a:ext>
-            </a:extLst>
-          </p:cNvPr>
-          <p:cNvSpPr txBox="1"/>
-          <p:nvPr/>
-        </p:nvSpPr>
-        <p:spPr>
-          <a:xfrm>
-            <a:off x="308671" y="5129860"/>
-            <a:ext cx="558800" cy="307777"/>
-          </a:xfrm>
-          <a:prstGeom prst="rect">
-            <a:avLst/>
-          </a:prstGeom>
-          <a:noFill/>
-        </p:spPr>
-        <p:txBody>
-          <a:bodyPr wrap="square" rtlCol="0">
-            <a:spAutoFit/>
-          </a:bodyPr>
-          <a:lstStyle/>
-          <a:p>
-            <a:r>
-              <a:rPr lang="en-US" altLang="ko-KR" sz="1400" b="1" dirty="0"/>
-              <a:t>3</a:t>
-            </a:r>
-            <a:endParaRPr lang="ko-KR" altLang="en-US" sz="1400" b="1" dirty="0"/>
-          </a:p>
-        </p:txBody>
-      </p:sp>
-      <p:sp>
-        <p:nvSpPr>
-          <p:cNvPr id="3" name="TextBox 2">
-            <a:extLst>
-              <a:ext uri="{FF2B5EF4-FFF2-40B4-BE49-F238E27FC236}">
-                <a16:creationId xmlns:a16="http://schemas.microsoft.com/office/drawing/2014/main" id="{5B156B2D-7636-4C36-9BC2-29056A75CC30}"/>
-              </a:ext>
-            </a:extLst>
-          </p:cNvPr>
-          <p:cNvSpPr txBox="1"/>
-          <p:nvPr/>
-        </p:nvSpPr>
-        <p:spPr>
-          <a:xfrm>
-            <a:off x="988388" y="4256993"/>
-            <a:ext cx="2269672" cy="400110"/>
-          </a:xfrm>
-          <a:prstGeom prst="rect">
-            <a:avLst/>
-          </a:prstGeom>
-          <a:noFill/>
-        </p:spPr>
-        <p:txBody>
-          <a:bodyPr wrap="square" rtlCol="0">
-            <a:spAutoFit/>
-          </a:bodyPr>
-          <a:lstStyle/>
-          <a:p>
-            <a:r>
-              <a:rPr lang="ko-KR" altLang="en-US" sz="2000" b="1" dirty="0"/>
-              <a:t>알림 간략히 보기</a:t>
-            </a:r>
-          </a:p>
-        </p:txBody>
-      </p:sp>
-      <p:sp>
-        <p:nvSpPr>
-          <p:cNvPr id="20" name="직사각형 19">
-            <a:extLst>
-              <a:ext uri="{FF2B5EF4-FFF2-40B4-BE49-F238E27FC236}">
-                <a16:creationId xmlns:a16="http://schemas.microsoft.com/office/drawing/2014/main" id="{C1E3FB3C-638D-4375-AE74-C6DE84BEE1FF}"/>
-              </a:ext>
-            </a:extLst>
-          </p:cNvPr>
-          <p:cNvSpPr/>
-          <p:nvPr/>
-        </p:nvSpPr>
-        <p:spPr>
-          <a:xfrm>
-            <a:off x="968755" y="280282"/>
-            <a:ext cx="2197401" cy="1970550"/>
-          </a:xfrm>
-          <a:prstGeom prst="rect">
-            <a:avLst/>
-          </a:prstGeom>
-          <a:noFill/>
-          <a:ln w="19050">
-            <a:solidFill>
-              <a:schemeClr val="tx1"/>
-            </a:solidFill>
-          </a:ln>
-        </p:spPr>
-        <p:style>
-          <a:lnRef idx="2">
-            <a:schemeClr val="accent1">
-              <a:shade val="50000"/>
-            </a:schemeClr>
-          </a:lnRef>
-          <a:fillRef idx="1">
-            <a:schemeClr val="accent1"/>
-          </a:fillRef>
-          <a:effectRef idx="0">
-            <a:schemeClr val="accent1"/>
-          </a:effectRef>
-          <a:fontRef idx="minor">
-            <a:schemeClr val="lt1"/>
-          </a:fontRef>
-        </p:style>
-        <p:txBody>
-          <a:bodyPr rtlCol="0" anchor="ctr"/>
-          <a:lstStyle/>
-          <a:p>
-            <a:pPr algn="ctr"/>
-            <a:endParaRPr lang="ko-KR" altLang="en-US"/>
-          </a:p>
-        </p:txBody>
-      </p:sp>
-      <p:sp>
-        <p:nvSpPr>
-          <p:cNvPr id="2" name="TextBox 1">
-            <a:extLst>
-              <a:ext uri="{FF2B5EF4-FFF2-40B4-BE49-F238E27FC236}">
-                <a16:creationId xmlns:a16="http://schemas.microsoft.com/office/drawing/2014/main" id="{9C697956-BAE1-467A-9014-766B971887C5}"/>
-              </a:ext>
-            </a:extLst>
-          </p:cNvPr>
-          <p:cNvSpPr txBox="1"/>
-          <p:nvPr/>
-        </p:nvSpPr>
-        <p:spPr>
-          <a:xfrm>
-            <a:off x="1751242" y="1032196"/>
-            <a:ext cx="1046285" cy="369332"/>
-          </a:xfrm>
-          <a:prstGeom prst="rect">
-            <a:avLst/>
-          </a:prstGeom>
-          <a:noFill/>
-        </p:spPr>
-        <p:txBody>
-          <a:bodyPr wrap="square" rtlCol="0">
-            <a:spAutoFit/>
-          </a:bodyPr>
-          <a:lstStyle/>
-          <a:p>
-            <a:r>
-              <a:rPr lang="ko-KR" altLang="en-US" b="1"/>
-              <a:t>과목</a:t>
-            </a:r>
-          </a:p>
-        </p:txBody>
-      </p:sp>
-      <p:sp>
-        <p:nvSpPr>
-          <p:cNvPr id="22" name="직사각형 21">
-            <a:extLst>
-              <a:ext uri="{FF2B5EF4-FFF2-40B4-BE49-F238E27FC236}">
-                <a16:creationId xmlns:a16="http://schemas.microsoft.com/office/drawing/2014/main" id="{9D6FA677-B412-4396-AA6E-6C40006B8E0A}"/>
-              </a:ext>
-            </a:extLst>
-          </p:cNvPr>
-          <p:cNvSpPr/>
-          <p:nvPr/>
-        </p:nvSpPr>
-        <p:spPr>
-          <a:xfrm>
-            <a:off x="968754" y="2374399"/>
-            <a:ext cx="2197401" cy="4165299"/>
-          </a:xfrm>
-          <a:prstGeom prst="rect">
-            <a:avLst/>
-          </a:prstGeom>
-          <a:noFill/>
-          <a:ln w="19050">
-            <a:solidFill>
-              <a:schemeClr val="tx1"/>
-            </a:solidFill>
-          </a:ln>
-        </p:spPr>
-        <p:style>
-          <a:lnRef idx="2">
-            <a:schemeClr val="accent1">
-              <a:shade val="50000"/>
-            </a:schemeClr>
-          </a:lnRef>
-          <a:fillRef idx="1">
-            <a:schemeClr val="accent1"/>
-          </a:fillRef>
-          <a:effectRef idx="0">
-            <a:schemeClr val="accent1"/>
-          </a:effectRef>
-          <a:fontRef idx="minor">
-            <a:schemeClr val="lt1"/>
-          </a:fontRef>
-        </p:style>
-        <p:txBody>
-          <a:bodyPr rtlCol="0" anchor="ctr"/>
-          <a:lstStyle/>
-          <a:p>
-            <a:pPr algn="ctr"/>
-            <a:endParaRPr lang="ko-KR" altLang="en-US"/>
+              <a:rPr lang="en-US" altLang="ko-KR" sz="1100" b="1" dirty="0"/>
+              <a:t>Main</a:t>
+            </a:r>
+            <a:endParaRPr lang="ko-KR" altLang="en-US" sz="1100" b="1" dirty="0"/>
           </a:p>
         </p:txBody>
       </p:sp>
@@ -9587,10 +10124,10 @@
       </p:sp>
       <p:sp>
         <p:nvSpPr>
-          <p:cNvPr id="46" name="타원 45">
-            <a:extLst>
-              <a:ext uri="{FF2B5EF4-FFF2-40B4-BE49-F238E27FC236}">
-                <a16:creationId xmlns:a16="http://schemas.microsoft.com/office/drawing/2014/main" id="{BFD9BDB8-71F1-40F7-B876-1AEAADAEA527}"/>
+          <p:cNvPr id="60" name="직사각형 59">
+            <a:extLst>
+              <a:ext uri="{FF2B5EF4-FFF2-40B4-BE49-F238E27FC236}">
+                <a16:creationId xmlns:a16="http://schemas.microsoft.com/office/drawing/2014/main" id="{1ACFC46C-5F4E-4033-AE43-42F66EDFD8DE}"/>
               </a:ext>
             </a:extLst>
           </p:cNvPr>
@@ -9599,10 +10136,10 @@
         </p:nvSpPr>
         <p:spPr>
           <a:xfrm rot="5400000">
-            <a:off x="271730" y="1220218"/>
-            <a:ext cx="333319" cy="326608"/>
-          </a:xfrm>
-          <a:prstGeom prst="ellipse">
+            <a:off x="449801" y="121512"/>
+            <a:ext cx="45719" cy="363260"/>
+          </a:xfrm>
+          <a:prstGeom prst="rect">
             <a:avLst/>
           </a:prstGeom>
           <a:noFill/>
@@ -9639,10 +10176,10 @@
       </p:sp>
       <p:sp>
         <p:nvSpPr>
-          <p:cNvPr id="48" name="타원 47">
-            <a:extLst>
-              <a:ext uri="{FF2B5EF4-FFF2-40B4-BE49-F238E27FC236}">
-                <a16:creationId xmlns:a16="http://schemas.microsoft.com/office/drawing/2014/main" id="{A14E0F33-DDB2-4E7F-838C-B8C6C866C57F}"/>
+          <p:cNvPr id="61" name="직사각형 60">
+            <a:extLst>
+              <a:ext uri="{FF2B5EF4-FFF2-40B4-BE49-F238E27FC236}">
+                <a16:creationId xmlns:a16="http://schemas.microsoft.com/office/drawing/2014/main" id="{F365B278-5BC1-4940-8ECB-B20D7BF984BE}"/>
               </a:ext>
             </a:extLst>
           </p:cNvPr>
@@ -9651,10 +10188,10 @@
         </p:nvSpPr>
         <p:spPr>
           <a:xfrm rot="5400000">
-            <a:off x="271729" y="3183903"/>
-            <a:ext cx="333319" cy="326608"/>
-          </a:xfrm>
-          <a:prstGeom prst="ellipse">
+            <a:off x="449763" y="193330"/>
+            <a:ext cx="45719" cy="363260"/>
+          </a:xfrm>
+          <a:prstGeom prst="rect">
             <a:avLst/>
           </a:prstGeom>
           <a:noFill/>
@@ -9691,10 +10228,10 @@
       </p:sp>
       <p:sp>
         <p:nvSpPr>
-          <p:cNvPr id="49" name="타원 48">
-            <a:extLst>
-              <a:ext uri="{FF2B5EF4-FFF2-40B4-BE49-F238E27FC236}">
-                <a16:creationId xmlns:a16="http://schemas.microsoft.com/office/drawing/2014/main" id="{37AB810D-72BA-4B0E-8302-0BC9216E6AB3}"/>
+          <p:cNvPr id="62" name="직사각형 61">
+            <a:extLst>
+              <a:ext uri="{FF2B5EF4-FFF2-40B4-BE49-F238E27FC236}">
+                <a16:creationId xmlns:a16="http://schemas.microsoft.com/office/drawing/2014/main" id="{642C997E-0595-4F99-B5A5-8B70017980B0}"/>
               </a:ext>
             </a:extLst>
           </p:cNvPr>
@@ -9703,18 +10240,13 @@
         </p:nvSpPr>
         <p:spPr>
           <a:xfrm rot="5400000">
-            <a:off x="284933" y="5147588"/>
-            <a:ext cx="333319" cy="326608"/>
-          </a:xfrm>
-          <a:prstGeom prst="ellipse">
-            <a:avLst/>
-          </a:prstGeom>
-          <a:solidFill>
-            <a:schemeClr val="tx1">
-              <a:lumMod val="50000"/>
-              <a:lumOff val="50000"/>
-            </a:schemeClr>
-          </a:solidFill>
+            <a:off x="449763" y="272869"/>
+            <a:ext cx="45719" cy="363260"/>
+          </a:xfrm>
+          <a:prstGeom prst="rect">
+            <a:avLst/>
+          </a:prstGeom>
+          <a:noFill/>
           <a:ln w="19050">
             <a:solidFill>
               <a:schemeClr val="tx1"/>
@@ -9743,270 +10275,6 @@
           <a:p>
             <a:pPr algn="ctr"/>
             <a:endParaRPr lang="ko-KR" altLang="en-US"/>
-          </a:p>
-        </p:txBody>
-      </p:sp>
-      <p:sp>
-        <p:nvSpPr>
-          <p:cNvPr id="60" name="직사각형 59">
-            <a:extLst>
-              <a:ext uri="{FF2B5EF4-FFF2-40B4-BE49-F238E27FC236}">
-                <a16:creationId xmlns:a16="http://schemas.microsoft.com/office/drawing/2014/main" id="{1ACFC46C-5F4E-4033-AE43-42F66EDFD8DE}"/>
-              </a:ext>
-            </a:extLst>
-          </p:cNvPr>
-          <p:cNvSpPr/>
-          <p:nvPr/>
-        </p:nvSpPr>
-        <p:spPr>
-          <a:xfrm rot="5400000">
-            <a:off x="449801" y="121512"/>
-            <a:ext cx="45719" cy="363260"/>
-          </a:xfrm>
-          <a:prstGeom prst="rect">
-            <a:avLst/>
-          </a:prstGeom>
-          <a:noFill/>
-          <a:ln w="19050">
-            <a:solidFill>
-              <a:schemeClr val="tx1"/>
-            </a:solidFill>
-          </a:ln>
-        </p:spPr>
-        <p:style>
-          <a:lnRef idx="2">
-            <a:schemeClr val="accent1">
-              <a:shade val="50000"/>
-            </a:schemeClr>
-          </a:lnRef>
-          <a:fillRef idx="1">
-            <a:schemeClr val="accent1"/>
-          </a:fillRef>
-          <a:effectRef idx="0">
-            <a:schemeClr val="accent1"/>
-          </a:effectRef>
-          <a:fontRef idx="minor">
-            <a:schemeClr val="lt1"/>
-          </a:fontRef>
-        </p:style>
-        <p:txBody>
-          <a:bodyPr rtlCol="0" anchor="ctr"/>
-          <a:lstStyle/>
-          <a:p>
-            <a:pPr algn="ctr"/>
-            <a:endParaRPr lang="ko-KR" altLang="en-US"/>
-          </a:p>
-        </p:txBody>
-      </p:sp>
-      <p:sp>
-        <p:nvSpPr>
-          <p:cNvPr id="61" name="직사각형 60">
-            <a:extLst>
-              <a:ext uri="{FF2B5EF4-FFF2-40B4-BE49-F238E27FC236}">
-                <a16:creationId xmlns:a16="http://schemas.microsoft.com/office/drawing/2014/main" id="{F365B278-5BC1-4940-8ECB-B20D7BF984BE}"/>
-              </a:ext>
-            </a:extLst>
-          </p:cNvPr>
-          <p:cNvSpPr/>
-          <p:nvPr/>
-        </p:nvSpPr>
-        <p:spPr>
-          <a:xfrm rot="5400000">
-            <a:off x="449763" y="193330"/>
-            <a:ext cx="45719" cy="363260"/>
-          </a:xfrm>
-          <a:prstGeom prst="rect">
-            <a:avLst/>
-          </a:prstGeom>
-          <a:noFill/>
-          <a:ln w="19050">
-            <a:solidFill>
-              <a:schemeClr val="tx1"/>
-            </a:solidFill>
-          </a:ln>
-        </p:spPr>
-        <p:style>
-          <a:lnRef idx="2">
-            <a:schemeClr val="accent1">
-              <a:shade val="50000"/>
-            </a:schemeClr>
-          </a:lnRef>
-          <a:fillRef idx="1">
-            <a:schemeClr val="accent1"/>
-          </a:fillRef>
-          <a:effectRef idx="0">
-            <a:schemeClr val="accent1"/>
-          </a:effectRef>
-          <a:fontRef idx="minor">
-            <a:schemeClr val="lt1"/>
-          </a:fontRef>
-        </p:style>
-        <p:txBody>
-          <a:bodyPr rtlCol="0" anchor="ctr"/>
-          <a:lstStyle/>
-          <a:p>
-            <a:pPr algn="ctr"/>
-            <a:endParaRPr lang="ko-KR" altLang="en-US"/>
-          </a:p>
-        </p:txBody>
-      </p:sp>
-      <p:sp>
-        <p:nvSpPr>
-          <p:cNvPr id="62" name="직사각형 61">
-            <a:extLst>
-              <a:ext uri="{FF2B5EF4-FFF2-40B4-BE49-F238E27FC236}">
-                <a16:creationId xmlns:a16="http://schemas.microsoft.com/office/drawing/2014/main" id="{642C997E-0595-4F99-B5A5-8B70017980B0}"/>
-              </a:ext>
-            </a:extLst>
-          </p:cNvPr>
-          <p:cNvSpPr/>
-          <p:nvPr/>
-        </p:nvSpPr>
-        <p:spPr>
-          <a:xfrm rot="5400000">
-            <a:off x="449763" y="272869"/>
-            <a:ext cx="45719" cy="363260"/>
-          </a:xfrm>
-          <a:prstGeom prst="rect">
-            <a:avLst/>
-          </a:prstGeom>
-          <a:noFill/>
-          <a:ln w="19050">
-            <a:solidFill>
-              <a:schemeClr val="tx1"/>
-            </a:solidFill>
-          </a:ln>
-        </p:spPr>
-        <p:style>
-          <a:lnRef idx="2">
-            <a:schemeClr val="accent1">
-              <a:shade val="50000"/>
-            </a:schemeClr>
-          </a:lnRef>
-          <a:fillRef idx="1">
-            <a:schemeClr val="accent1"/>
-          </a:fillRef>
-          <a:effectRef idx="0">
-            <a:schemeClr val="accent1"/>
-          </a:effectRef>
-          <a:fontRef idx="minor">
-            <a:schemeClr val="lt1"/>
-          </a:fontRef>
-        </p:style>
-        <p:txBody>
-          <a:bodyPr rtlCol="0" anchor="ctr"/>
-          <a:lstStyle/>
-          <a:p>
-            <a:pPr algn="ctr"/>
-            <a:endParaRPr lang="ko-KR" altLang="en-US"/>
-          </a:p>
-        </p:txBody>
-      </p:sp>
-      <p:sp>
-        <p:nvSpPr>
-          <p:cNvPr id="36" name="TextBox 35">
-            <a:extLst>
-              <a:ext uri="{FF2B5EF4-FFF2-40B4-BE49-F238E27FC236}">
-                <a16:creationId xmlns:a16="http://schemas.microsoft.com/office/drawing/2014/main" id="{F77B3DCE-AC70-40A5-94E7-99825710DE95}"/>
-              </a:ext>
-            </a:extLst>
-          </p:cNvPr>
-          <p:cNvSpPr txBox="1"/>
-          <p:nvPr/>
-        </p:nvSpPr>
-        <p:spPr>
-          <a:xfrm>
-            <a:off x="293580" y="1218501"/>
-            <a:ext cx="558800" cy="307777"/>
-          </a:xfrm>
-          <a:prstGeom prst="rect">
-            <a:avLst/>
-          </a:prstGeom>
-          <a:noFill/>
-        </p:spPr>
-        <p:txBody>
-          <a:bodyPr wrap="square" rtlCol="0">
-            <a:spAutoFit/>
-          </a:bodyPr>
-          <a:lstStyle/>
-          <a:p>
-            <a:r>
-              <a:rPr lang="en-US" altLang="ko-KR" sz="1400" b="1" dirty="0"/>
-              <a:t>1</a:t>
-            </a:r>
-            <a:endParaRPr lang="ko-KR" altLang="en-US" sz="1400" b="1" dirty="0"/>
-          </a:p>
-        </p:txBody>
-      </p:sp>
-      <p:sp>
-        <p:nvSpPr>
-          <p:cNvPr id="39" name="TextBox 38">
-            <a:extLst>
-              <a:ext uri="{FF2B5EF4-FFF2-40B4-BE49-F238E27FC236}">
-                <a16:creationId xmlns:a16="http://schemas.microsoft.com/office/drawing/2014/main" id="{090B1948-4AD6-485A-8F91-412AB0BC3996}"/>
-              </a:ext>
-            </a:extLst>
-          </p:cNvPr>
-          <p:cNvSpPr txBox="1"/>
-          <p:nvPr/>
-        </p:nvSpPr>
-        <p:spPr>
-          <a:xfrm>
-            <a:off x="295770" y="3199304"/>
-            <a:ext cx="558800" cy="307777"/>
-          </a:xfrm>
-          <a:prstGeom prst="rect">
-            <a:avLst/>
-          </a:prstGeom>
-          <a:noFill/>
-        </p:spPr>
-        <p:txBody>
-          <a:bodyPr wrap="square" rtlCol="0">
-            <a:spAutoFit/>
-          </a:bodyPr>
-          <a:lstStyle/>
-          <a:p>
-            <a:r>
-              <a:rPr lang="en-US" altLang="ko-KR" sz="1400" b="1" dirty="0"/>
-              <a:t>2</a:t>
-            </a:r>
-            <a:endParaRPr lang="ko-KR" altLang="en-US" sz="1400" b="1" dirty="0"/>
-          </a:p>
-        </p:txBody>
-      </p:sp>
-      <p:sp>
-        <p:nvSpPr>
-          <p:cNvPr id="40" name="TextBox 39">
-            <a:extLst>
-              <a:ext uri="{FF2B5EF4-FFF2-40B4-BE49-F238E27FC236}">
-                <a16:creationId xmlns:a16="http://schemas.microsoft.com/office/drawing/2014/main" id="{B2F3A257-F736-4363-B4AD-D46A60DC4732}"/>
-              </a:ext>
-            </a:extLst>
-          </p:cNvPr>
-          <p:cNvSpPr txBox="1"/>
-          <p:nvPr/>
-        </p:nvSpPr>
-        <p:spPr>
-          <a:xfrm>
-            <a:off x="308671" y="5129860"/>
-            <a:ext cx="558800" cy="307777"/>
-          </a:xfrm>
-          <a:prstGeom prst="rect">
-            <a:avLst/>
-          </a:prstGeom>
-          <a:noFill/>
-        </p:spPr>
-        <p:txBody>
-          <a:bodyPr wrap="square" rtlCol="0">
-            <a:spAutoFit/>
-          </a:bodyPr>
-          <a:lstStyle/>
-          <a:p>
-            <a:r>
-              <a:rPr lang="en-US" altLang="ko-KR" sz="1400" b="1" dirty="0"/>
-              <a:t>3</a:t>
-            </a:r>
-            <a:endParaRPr lang="ko-KR" altLang="en-US" sz="1400" b="1" dirty="0"/>
           </a:p>
         </p:txBody>
       </p:sp>
@@ -10706,6 +10974,362 @@
               <a:rPr lang="ko-KR" altLang="en-US" b="1" dirty="0"/>
               <a:t>연동</a:t>
             </a:r>
+          </a:p>
+        </p:txBody>
+      </p:sp>
+      <p:sp>
+        <p:nvSpPr>
+          <p:cNvPr id="30" name="타원 29">
+            <a:extLst>
+              <a:ext uri="{FF2B5EF4-FFF2-40B4-BE49-F238E27FC236}">
+                <a16:creationId xmlns:a16="http://schemas.microsoft.com/office/drawing/2014/main" id="{9294F2D0-568C-4749-AF4B-00362B590850}"/>
+              </a:ext>
+            </a:extLst>
+          </p:cNvPr>
+          <p:cNvSpPr/>
+          <p:nvPr/>
+        </p:nvSpPr>
+        <p:spPr>
+          <a:xfrm rot="5400000">
+            <a:off x="303389" y="2570669"/>
+            <a:ext cx="333319" cy="326608"/>
+          </a:xfrm>
+          <a:prstGeom prst="ellipse">
+            <a:avLst/>
+          </a:prstGeom>
+          <a:noFill/>
+          <a:ln w="19050">
+            <a:solidFill>
+              <a:schemeClr val="tx1"/>
+            </a:solidFill>
+          </a:ln>
+        </p:spPr>
+        <p:style>
+          <a:lnRef idx="2">
+            <a:schemeClr val="accent1">
+              <a:shade val="50000"/>
+            </a:schemeClr>
+          </a:lnRef>
+          <a:fillRef idx="1">
+            <a:schemeClr val="accent1"/>
+          </a:fillRef>
+          <a:effectRef idx="0">
+            <a:schemeClr val="accent1"/>
+          </a:effectRef>
+          <a:fontRef idx="minor">
+            <a:schemeClr val="lt1"/>
+          </a:fontRef>
+        </p:style>
+        <p:txBody>
+          <a:bodyPr rtlCol="0" anchor="ctr"/>
+          <a:lstStyle/>
+          <a:p>
+            <a:pPr algn="ctr"/>
+            <a:endParaRPr lang="ko-KR" altLang="en-US"/>
+          </a:p>
+        </p:txBody>
+      </p:sp>
+      <p:sp>
+        <p:nvSpPr>
+          <p:cNvPr id="31" name="타원 30">
+            <a:extLst>
+              <a:ext uri="{FF2B5EF4-FFF2-40B4-BE49-F238E27FC236}">
+                <a16:creationId xmlns:a16="http://schemas.microsoft.com/office/drawing/2014/main" id="{A9FCF5B5-799E-46DC-9929-173695C040A3}"/>
+              </a:ext>
+            </a:extLst>
+          </p:cNvPr>
+          <p:cNvSpPr/>
+          <p:nvPr/>
+        </p:nvSpPr>
+        <p:spPr>
+          <a:xfrm rot="5400000">
+            <a:off x="295216" y="3906868"/>
+            <a:ext cx="333319" cy="326608"/>
+          </a:xfrm>
+          <a:prstGeom prst="ellipse">
+            <a:avLst/>
+          </a:prstGeom>
+          <a:noFill/>
+          <a:ln w="19050">
+            <a:solidFill>
+              <a:schemeClr val="tx1"/>
+            </a:solidFill>
+          </a:ln>
+        </p:spPr>
+        <p:style>
+          <a:lnRef idx="2">
+            <a:schemeClr val="accent1">
+              <a:shade val="50000"/>
+            </a:schemeClr>
+          </a:lnRef>
+          <a:fillRef idx="1">
+            <a:schemeClr val="accent1"/>
+          </a:fillRef>
+          <a:effectRef idx="0">
+            <a:schemeClr val="accent1"/>
+          </a:effectRef>
+          <a:fontRef idx="minor">
+            <a:schemeClr val="lt1"/>
+          </a:fontRef>
+        </p:style>
+        <p:txBody>
+          <a:bodyPr rtlCol="0" anchor="ctr"/>
+          <a:lstStyle/>
+          <a:p>
+            <a:pPr algn="ctr"/>
+            <a:endParaRPr lang="ko-KR" altLang="en-US"/>
+          </a:p>
+        </p:txBody>
+      </p:sp>
+      <p:sp>
+        <p:nvSpPr>
+          <p:cNvPr id="34" name="타원 33">
+            <a:extLst>
+              <a:ext uri="{FF2B5EF4-FFF2-40B4-BE49-F238E27FC236}">
+                <a16:creationId xmlns:a16="http://schemas.microsoft.com/office/drawing/2014/main" id="{91A6BE77-87C6-45E7-B192-8BA14E114423}"/>
+              </a:ext>
+            </a:extLst>
+          </p:cNvPr>
+          <p:cNvSpPr/>
+          <p:nvPr/>
+        </p:nvSpPr>
+        <p:spPr>
+          <a:xfrm rot="5400000">
+            <a:off x="295519" y="5243067"/>
+            <a:ext cx="333319" cy="326608"/>
+          </a:xfrm>
+          <a:prstGeom prst="ellipse">
+            <a:avLst/>
+          </a:prstGeom>
+          <a:solidFill>
+            <a:schemeClr val="bg1">
+              <a:lumMod val="50000"/>
+            </a:schemeClr>
+          </a:solidFill>
+          <a:ln w="19050">
+            <a:solidFill>
+              <a:schemeClr val="tx1"/>
+            </a:solidFill>
+          </a:ln>
+        </p:spPr>
+        <p:style>
+          <a:lnRef idx="2">
+            <a:schemeClr val="accent1">
+              <a:shade val="50000"/>
+            </a:schemeClr>
+          </a:lnRef>
+          <a:fillRef idx="1">
+            <a:schemeClr val="accent1"/>
+          </a:fillRef>
+          <a:effectRef idx="0">
+            <a:schemeClr val="accent1"/>
+          </a:effectRef>
+          <a:fontRef idx="minor">
+            <a:schemeClr val="lt1"/>
+          </a:fontRef>
+        </p:style>
+        <p:txBody>
+          <a:bodyPr rtlCol="0" anchor="ctr"/>
+          <a:lstStyle/>
+          <a:p>
+            <a:pPr algn="ctr"/>
+            <a:endParaRPr lang="ko-KR" altLang="en-US"/>
+          </a:p>
+        </p:txBody>
+      </p:sp>
+      <p:sp>
+        <p:nvSpPr>
+          <p:cNvPr id="38" name="TextBox 37">
+            <a:extLst>
+              <a:ext uri="{FF2B5EF4-FFF2-40B4-BE49-F238E27FC236}">
+                <a16:creationId xmlns:a16="http://schemas.microsoft.com/office/drawing/2014/main" id="{F515B961-24BB-4CD6-9D83-F5A6EBD61781}"/>
+              </a:ext>
+            </a:extLst>
+          </p:cNvPr>
+          <p:cNvSpPr txBox="1"/>
+          <p:nvPr/>
+        </p:nvSpPr>
+        <p:spPr>
+          <a:xfrm>
+            <a:off x="334428" y="2563615"/>
+            <a:ext cx="558800" cy="307777"/>
+          </a:xfrm>
+          <a:prstGeom prst="rect">
+            <a:avLst/>
+          </a:prstGeom>
+          <a:noFill/>
+        </p:spPr>
+        <p:txBody>
+          <a:bodyPr wrap="square" rtlCol="0">
+            <a:spAutoFit/>
+          </a:bodyPr>
+          <a:lstStyle/>
+          <a:p>
+            <a:r>
+              <a:rPr lang="en-US" altLang="ko-KR" sz="1400" b="1" dirty="0"/>
+              <a:t>1</a:t>
+            </a:r>
+            <a:endParaRPr lang="ko-KR" altLang="en-US" sz="1400" b="1" dirty="0"/>
+          </a:p>
+        </p:txBody>
+      </p:sp>
+      <p:sp>
+        <p:nvSpPr>
+          <p:cNvPr id="41" name="TextBox 40">
+            <a:extLst>
+              <a:ext uri="{FF2B5EF4-FFF2-40B4-BE49-F238E27FC236}">
+                <a16:creationId xmlns:a16="http://schemas.microsoft.com/office/drawing/2014/main" id="{4F4D644B-2D0B-44A0-83DE-D97C86673A79}"/>
+              </a:ext>
+            </a:extLst>
+          </p:cNvPr>
+          <p:cNvSpPr txBox="1"/>
+          <p:nvPr/>
+        </p:nvSpPr>
+        <p:spPr>
+          <a:xfrm>
+            <a:off x="319257" y="3894477"/>
+            <a:ext cx="558800" cy="307777"/>
+          </a:xfrm>
+          <a:prstGeom prst="rect">
+            <a:avLst/>
+          </a:prstGeom>
+          <a:noFill/>
+        </p:spPr>
+        <p:txBody>
+          <a:bodyPr wrap="square" rtlCol="0">
+            <a:spAutoFit/>
+          </a:bodyPr>
+          <a:lstStyle/>
+          <a:p>
+            <a:r>
+              <a:rPr lang="en-US" altLang="ko-KR" sz="1400" b="1" dirty="0"/>
+              <a:t>2</a:t>
+            </a:r>
+            <a:endParaRPr lang="ko-KR" altLang="en-US" sz="1400" b="1" dirty="0"/>
+          </a:p>
+        </p:txBody>
+      </p:sp>
+      <p:sp>
+        <p:nvSpPr>
+          <p:cNvPr id="42" name="TextBox 41">
+            <a:extLst>
+              <a:ext uri="{FF2B5EF4-FFF2-40B4-BE49-F238E27FC236}">
+                <a16:creationId xmlns:a16="http://schemas.microsoft.com/office/drawing/2014/main" id="{C2E9FEC6-C671-42A2-9FD4-5826508A6800}"/>
+              </a:ext>
+            </a:extLst>
+          </p:cNvPr>
+          <p:cNvSpPr txBox="1"/>
+          <p:nvPr/>
+        </p:nvSpPr>
+        <p:spPr>
+          <a:xfrm>
+            <a:off x="319257" y="5225339"/>
+            <a:ext cx="558800" cy="307777"/>
+          </a:xfrm>
+          <a:prstGeom prst="rect">
+            <a:avLst/>
+          </a:prstGeom>
+          <a:noFill/>
+        </p:spPr>
+        <p:txBody>
+          <a:bodyPr wrap="square" rtlCol="0">
+            <a:spAutoFit/>
+          </a:bodyPr>
+          <a:lstStyle/>
+          <a:p>
+            <a:r>
+              <a:rPr lang="en-US" altLang="ko-KR" sz="1400" b="1" dirty="0"/>
+              <a:t>3</a:t>
+            </a:r>
+            <a:endParaRPr lang="ko-KR" altLang="en-US" sz="1400" b="1" dirty="0"/>
+          </a:p>
+        </p:txBody>
+      </p:sp>
+      <p:sp>
+        <p:nvSpPr>
+          <p:cNvPr id="43" name="타원 42">
+            <a:extLst>
+              <a:ext uri="{FF2B5EF4-FFF2-40B4-BE49-F238E27FC236}">
+                <a16:creationId xmlns:a16="http://schemas.microsoft.com/office/drawing/2014/main" id="{BE209546-0CD2-4DB9-8692-CA7FAE8D8183}"/>
+              </a:ext>
+            </a:extLst>
+          </p:cNvPr>
+          <p:cNvSpPr/>
+          <p:nvPr/>
+        </p:nvSpPr>
+        <p:spPr>
+          <a:xfrm rot="5400000">
+            <a:off x="307630" y="1234470"/>
+            <a:ext cx="333319" cy="326608"/>
+          </a:xfrm>
+          <a:prstGeom prst="ellipse">
+            <a:avLst/>
+          </a:prstGeom>
+          <a:noFill/>
+          <a:ln w="19050">
+            <a:solidFill>
+              <a:schemeClr val="tx1"/>
+            </a:solidFill>
+          </a:ln>
+        </p:spPr>
+        <p:style>
+          <a:lnRef idx="2">
+            <a:schemeClr val="accent1">
+              <a:shade val="50000"/>
+            </a:schemeClr>
+          </a:lnRef>
+          <a:fillRef idx="1">
+            <a:schemeClr val="accent1"/>
+          </a:fillRef>
+          <a:effectRef idx="0">
+            <a:schemeClr val="accent1"/>
+          </a:effectRef>
+          <a:fontRef idx="minor">
+            <a:schemeClr val="lt1"/>
+          </a:fontRef>
+        </p:style>
+        <p:txBody>
+          <a:bodyPr rtlCol="0" anchor="ctr"/>
+          <a:lstStyle/>
+          <a:p>
+            <a:pPr algn="ctr"/>
+            <a:endParaRPr lang="ko-KR" altLang="en-US"/>
+          </a:p>
+        </p:txBody>
+      </p:sp>
+      <p:sp>
+        <p:nvSpPr>
+          <p:cNvPr id="47" name="TextBox 46">
+            <a:extLst>
+              <a:ext uri="{FF2B5EF4-FFF2-40B4-BE49-F238E27FC236}">
+                <a16:creationId xmlns:a16="http://schemas.microsoft.com/office/drawing/2014/main" id="{53F52AB9-8EA1-433D-9AC4-CFEC80C15DDC}"/>
+              </a:ext>
+            </a:extLst>
+          </p:cNvPr>
+          <p:cNvSpPr txBox="1"/>
+          <p:nvPr/>
+        </p:nvSpPr>
+        <p:spPr>
+          <a:xfrm>
+            <a:off x="267724" y="1258691"/>
+            <a:ext cx="558800" cy="261610"/>
+          </a:xfrm>
+          <a:prstGeom prst="rect">
+            <a:avLst/>
+          </a:prstGeom>
+          <a:noFill/>
+        </p:spPr>
+        <p:txBody>
+          <a:bodyPr wrap="square" rtlCol="0">
+            <a:spAutoFit/>
+          </a:bodyPr>
+          <a:lstStyle/>
+          <a:p>
+            <a:r>
+              <a:rPr lang="en-US" altLang="ko-KR" sz="1100" b="1" dirty="0"/>
+              <a:t>Main</a:t>
+            </a:r>
+            <a:endParaRPr lang="ko-KR" altLang="en-US" sz="1100" b="1" dirty="0"/>
           </a:p>
         </p:txBody>
       </p:sp>

--- a/계획서, 보고서/구조.pptx
+++ b/계획서, 보고서/구조.pptx
@@ -6,8 +6,8 @@
   </p:sldMasterIdLst>
   <p:sldIdLst>
     <p:sldId id="257" r:id="rId2"/>
-    <p:sldId id="258" r:id="rId3"/>
-    <p:sldId id="262" r:id="rId4"/>
+    <p:sldId id="262" r:id="rId3"/>
+    <p:sldId id="263" r:id="rId4"/>
     <p:sldId id="259" r:id="rId5"/>
     <p:sldId id="260" r:id="rId6"/>
     <p:sldId id="261" r:id="rId7"/>
@@ -275,7 +275,7 @@
           <a:p>
             <a:fld id="{79FB0D3A-441B-4783-90A0-9FECA56B3872}" type="datetimeFigureOut">
               <a:rPr lang="ko-KR" altLang="en-US" smtClean="0"/>
-              <a:t>2021-04-21</a:t>
+              <a:t>2021-04-22</a:t>
             </a:fld>
             <a:endParaRPr lang="ko-KR" altLang="en-US"/>
           </a:p>
@@ -473,7 +473,7 @@
           <a:p>
             <a:fld id="{79FB0D3A-441B-4783-90A0-9FECA56B3872}" type="datetimeFigureOut">
               <a:rPr lang="ko-KR" altLang="en-US" smtClean="0"/>
-              <a:t>2021-04-21</a:t>
+              <a:t>2021-04-22</a:t>
             </a:fld>
             <a:endParaRPr lang="ko-KR" altLang="en-US"/>
           </a:p>
@@ -681,7 +681,7 @@
           <a:p>
             <a:fld id="{79FB0D3A-441B-4783-90A0-9FECA56B3872}" type="datetimeFigureOut">
               <a:rPr lang="ko-KR" altLang="en-US" smtClean="0"/>
-              <a:t>2021-04-21</a:t>
+              <a:t>2021-04-22</a:t>
             </a:fld>
             <a:endParaRPr lang="ko-KR" altLang="en-US"/>
           </a:p>
@@ -879,7 +879,7 @@
           <a:p>
             <a:fld id="{79FB0D3A-441B-4783-90A0-9FECA56B3872}" type="datetimeFigureOut">
               <a:rPr lang="ko-KR" altLang="en-US" smtClean="0"/>
-              <a:t>2021-04-21</a:t>
+              <a:t>2021-04-22</a:t>
             </a:fld>
             <a:endParaRPr lang="ko-KR" altLang="en-US"/>
           </a:p>
@@ -1154,7 +1154,7 @@
           <a:p>
             <a:fld id="{79FB0D3A-441B-4783-90A0-9FECA56B3872}" type="datetimeFigureOut">
               <a:rPr lang="ko-KR" altLang="en-US" smtClean="0"/>
-              <a:t>2021-04-21</a:t>
+              <a:t>2021-04-22</a:t>
             </a:fld>
             <a:endParaRPr lang="ko-KR" altLang="en-US"/>
           </a:p>
@@ -1419,7 +1419,7 @@
           <a:p>
             <a:fld id="{79FB0D3A-441B-4783-90A0-9FECA56B3872}" type="datetimeFigureOut">
               <a:rPr lang="ko-KR" altLang="en-US" smtClean="0"/>
-              <a:t>2021-04-21</a:t>
+              <a:t>2021-04-22</a:t>
             </a:fld>
             <a:endParaRPr lang="ko-KR" altLang="en-US"/>
           </a:p>
@@ -1831,7 +1831,7 @@
           <a:p>
             <a:fld id="{79FB0D3A-441B-4783-90A0-9FECA56B3872}" type="datetimeFigureOut">
               <a:rPr lang="ko-KR" altLang="en-US" smtClean="0"/>
-              <a:t>2021-04-21</a:t>
+              <a:t>2021-04-22</a:t>
             </a:fld>
             <a:endParaRPr lang="ko-KR" altLang="en-US"/>
           </a:p>
@@ -1972,7 +1972,7 @@
           <a:p>
             <a:fld id="{79FB0D3A-441B-4783-90A0-9FECA56B3872}" type="datetimeFigureOut">
               <a:rPr lang="ko-KR" altLang="en-US" smtClean="0"/>
-              <a:t>2021-04-21</a:t>
+              <a:t>2021-04-22</a:t>
             </a:fld>
             <a:endParaRPr lang="ko-KR" altLang="en-US"/>
           </a:p>
@@ -2085,7 +2085,7 @@
           <a:p>
             <a:fld id="{79FB0D3A-441B-4783-90A0-9FECA56B3872}" type="datetimeFigureOut">
               <a:rPr lang="ko-KR" altLang="en-US" smtClean="0"/>
-              <a:t>2021-04-21</a:t>
+              <a:t>2021-04-22</a:t>
             </a:fld>
             <a:endParaRPr lang="ko-KR" altLang="en-US"/>
           </a:p>
@@ -2396,7 +2396,7 @@
           <a:p>
             <a:fld id="{79FB0D3A-441B-4783-90A0-9FECA56B3872}" type="datetimeFigureOut">
               <a:rPr lang="ko-KR" altLang="en-US" smtClean="0"/>
-              <a:t>2021-04-21</a:t>
+              <a:t>2021-04-22</a:t>
             </a:fld>
             <a:endParaRPr lang="ko-KR" altLang="en-US"/>
           </a:p>
@@ -2684,7 +2684,7 @@
           <a:p>
             <a:fld id="{79FB0D3A-441B-4783-90A0-9FECA56B3872}" type="datetimeFigureOut">
               <a:rPr lang="ko-KR" altLang="en-US" smtClean="0"/>
-              <a:t>2021-04-21</a:t>
+              <a:t>2021-04-22</a:t>
             </a:fld>
             <a:endParaRPr lang="ko-KR" altLang="en-US"/>
           </a:p>
@@ -2925,7 +2925,7 @@
           <a:p>
             <a:fld id="{79FB0D3A-441B-4783-90A0-9FECA56B3872}" type="datetimeFigureOut">
               <a:rPr lang="ko-KR" altLang="en-US" smtClean="0"/>
-              <a:t>2021-04-21</a:t>
+              <a:t>2021-04-22</a:t>
             </a:fld>
             <a:endParaRPr lang="ko-KR" altLang="en-US"/>
           </a:p>
@@ -4365,8 +4365,8 @@
         </p:nvSpPr>
         <p:spPr>
           <a:xfrm rot="5400000">
-            <a:off x="7220313" y="-2204812"/>
-            <a:ext cx="1823932" cy="7699305"/>
+            <a:off x="7226195" y="-2733504"/>
+            <a:ext cx="1812166" cy="7699305"/>
           </a:xfrm>
           <a:prstGeom prst="rect">
             <a:avLst/>
@@ -4417,8 +4417,8 @@
         </p:nvSpPr>
         <p:spPr>
           <a:xfrm rot="5400000">
-            <a:off x="6131553" y="797557"/>
-            <a:ext cx="4001449" cy="7699305"/>
+            <a:off x="5872183" y="538185"/>
+            <a:ext cx="4520193" cy="7699305"/>
           </a:xfrm>
           <a:prstGeom prst="rect">
             <a:avLst/>
@@ -4509,10 +4509,10 @@
       </p:sp>
       <p:sp>
         <p:nvSpPr>
-          <p:cNvPr id="10" name="직사각형 9">
-            <a:extLst>
-              <a:ext uri="{FF2B5EF4-FFF2-40B4-BE49-F238E27FC236}">
-                <a16:creationId xmlns:a16="http://schemas.microsoft.com/office/drawing/2014/main" id="{0C090C8C-4D1A-4480-B6B1-03118B2B5C69}"/>
+          <p:cNvPr id="26" name="직사각형 25">
+            <a:extLst>
+              <a:ext uri="{FF2B5EF4-FFF2-40B4-BE49-F238E27FC236}">
+                <a16:creationId xmlns:a16="http://schemas.microsoft.com/office/drawing/2014/main" id="{E11156A4-B4A9-4482-9BC2-BAAFB41FD171}"/>
               </a:ext>
             </a:extLst>
           </p:cNvPr>
@@ -4520,46 +4520,8 @@
           <p:nvPr/>
         </p:nvSpPr>
         <p:spPr>
-          <a:xfrm>
-            <a:off x="7085183" y="4246841"/>
-            <a:ext cx="2349978" cy="646331"/>
-          </a:xfrm>
-          <a:prstGeom prst="rect">
-            <a:avLst/>
-          </a:prstGeom>
-        </p:spPr>
-        <p:txBody>
-          <a:bodyPr wrap="square">
-            <a:spAutoFit/>
-          </a:bodyPr>
-          <a:lstStyle/>
-          <a:p>
-            <a:r>
-              <a:rPr lang="en-US" altLang="ko-KR" sz="3600" b="1" kern="50" dirty="0">
-                <a:latin typeface="맑은 고딕" panose="020B0503020000020004" pitchFamily="50" charset="-127"/>
-                <a:cs typeface="맑은 고딕" panose="020B0503020000020004" pitchFamily="50" charset="-127"/>
-              </a:rPr>
-              <a:t>calendar</a:t>
-            </a:r>
-            <a:endParaRPr lang="ko-KR" altLang="en-US" sz="3600" dirty="0"/>
-          </a:p>
-        </p:txBody>
-      </p:sp>
-      <p:sp>
-        <p:nvSpPr>
-          <p:cNvPr id="26" name="직사각형 25">
-            <a:extLst>
-              <a:ext uri="{FF2B5EF4-FFF2-40B4-BE49-F238E27FC236}">
-                <a16:creationId xmlns:a16="http://schemas.microsoft.com/office/drawing/2014/main" id="{E11156A4-B4A9-4482-9BC2-BAAFB41FD171}"/>
-              </a:ext>
-            </a:extLst>
-          </p:cNvPr>
-          <p:cNvSpPr/>
-          <p:nvPr/>
-        </p:nvSpPr>
-        <p:spPr>
           <a:xfrm rot="5400000">
-            <a:off x="4342516" y="881155"/>
+            <a:off x="4330053" y="346580"/>
             <a:ext cx="1225612" cy="1099751"/>
           </a:xfrm>
           <a:prstGeom prst="rect">
@@ -4611,7 +4573,7 @@
         </p:nvSpPr>
         <p:spPr>
           <a:xfrm rot="5400000">
-            <a:off x="4787341" y="1751347"/>
+            <a:off x="4774878" y="1216772"/>
             <a:ext cx="335961" cy="1099752"/>
           </a:xfrm>
           <a:prstGeom prst="rect">
@@ -4663,7 +4625,7 @@
         </p:nvSpPr>
         <p:spPr>
           <a:xfrm rot="5400000">
-            <a:off x="7950438" y="-1500476"/>
+            <a:off x="7937975" y="-2035051"/>
             <a:ext cx="1624503" cy="6261904"/>
           </a:xfrm>
           <a:prstGeom prst="rect">
@@ -4715,7 +4677,7 @@
         </p:nvSpPr>
         <p:spPr>
           <a:xfrm>
-            <a:off x="4538761" y="1138642"/>
+            <a:off x="4526298" y="604067"/>
             <a:ext cx="833120" cy="584775"/>
           </a:xfrm>
           <a:prstGeom prst="rect">
@@ -4750,7 +4712,7 @@
         </p:nvSpPr>
         <p:spPr>
           <a:xfrm>
-            <a:off x="4538761" y="2164238"/>
+            <a:off x="4526298" y="1629663"/>
             <a:ext cx="833120" cy="261610"/>
           </a:xfrm>
           <a:prstGeom prst="rect">
@@ -4785,7 +4747,7 @@
         </p:nvSpPr>
         <p:spPr>
           <a:xfrm>
-            <a:off x="7890303" y="1355330"/>
+            <a:off x="7877840" y="820755"/>
             <a:ext cx="2834640" cy="461665"/>
           </a:xfrm>
           <a:prstGeom prst="rect">
@@ -4907,7 +4869,7 @@
         </p:nvSpPr>
         <p:spPr>
           <a:xfrm rot="5400000">
-            <a:off x="263757" y="5960767"/>
+            <a:off x="263758" y="6074105"/>
             <a:ext cx="451412" cy="479775"/>
           </a:xfrm>
           <a:prstGeom prst="roundRect">
@@ -4961,7 +4923,7 @@
         </p:nvSpPr>
         <p:spPr>
           <a:xfrm>
-            <a:off x="210065" y="6014123"/>
+            <a:off x="232964" y="6160103"/>
             <a:ext cx="558800" cy="307777"/>
           </a:xfrm>
           <a:prstGeom prst="rect">
@@ -4984,10 +4946,10 @@
       </p:sp>
       <p:sp>
         <p:nvSpPr>
-          <p:cNvPr id="48" name="타원 47">
-            <a:extLst>
-              <a:ext uri="{FF2B5EF4-FFF2-40B4-BE49-F238E27FC236}">
-                <a16:creationId xmlns:a16="http://schemas.microsoft.com/office/drawing/2014/main" id="{A14E0F33-DDB2-4E7F-838C-B8C6C866C57F}"/>
+          <p:cNvPr id="46" name="타원 45">
+            <a:extLst>
+              <a:ext uri="{FF2B5EF4-FFF2-40B4-BE49-F238E27FC236}">
+                <a16:creationId xmlns:a16="http://schemas.microsoft.com/office/drawing/2014/main" id="{BFD9BDB8-71F1-40F7-B876-1AEAADAEA527}"/>
               </a:ext>
             </a:extLst>
           </p:cNvPr>
@@ -4996,7 +4958,7 @@
         </p:nvSpPr>
         <p:spPr>
           <a:xfrm rot="5400000">
-            <a:off x="10719200" y="277554"/>
+            <a:off x="303389" y="2570669"/>
             <a:ext cx="333319" cy="326608"/>
           </a:xfrm>
           <a:prstGeom prst="ellipse">
@@ -5036,10 +4998,10 @@
       </p:sp>
       <p:sp>
         <p:nvSpPr>
-          <p:cNvPr id="49" name="타원 48">
-            <a:extLst>
-              <a:ext uri="{FF2B5EF4-FFF2-40B4-BE49-F238E27FC236}">
-                <a16:creationId xmlns:a16="http://schemas.microsoft.com/office/drawing/2014/main" id="{37AB810D-72BA-4B0E-8302-0BC9216E6AB3}"/>
+          <p:cNvPr id="48" name="타원 47">
+            <a:extLst>
+              <a:ext uri="{FF2B5EF4-FFF2-40B4-BE49-F238E27FC236}">
+                <a16:creationId xmlns:a16="http://schemas.microsoft.com/office/drawing/2014/main" id="{A14E0F33-DDB2-4E7F-838C-B8C6C866C57F}"/>
               </a:ext>
             </a:extLst>
           </p:cNvPr>
@@ -5048,7 +5010,7 @@
         </p:nvSpPr>
         <p:spPr>
           <a:xfrm rot="5400000">
-            <a:off x="11533973" y="277554"/>
+            <a:off x="295216" y="3906868"/>
             <a:ext cx="333319" cy="326608"/>
           </a:xfrm>
           <a:prstGeom prst="ellipse">
@@ -5086,56 +5048,12 @@
           </a:p>
         </p:txBody>
       </p:sp>
-      <p:cxnSp>
-        <p:nvCxnSpPr>
-          <p:cNvPr id="51" name="직선 화살표 연결선 50">
-            <a:extLst>
-              <a:ext uri="{FF2B5EF4-FFF2-40B4-BE49-F238E27FC236}">
-                <a16:creationId xmlns:a16="http://schemas.microsoft.com/office/drawing/2014/main" id="{0A44E392-86BB-40EA-AAE5-B357D35E2C4A}"/>
-              </a:ext>
-            </a:extLst>
-          </p:cNvPr>
-          <p:cNvCxnSpPr>
-            <a:cxnSpLocks/>
-          </p:cNvCxnSpPr>
-          <p:nvPr/>
-        </p:nvCxnSpPr>
-        <p:spPr>
-          <a:xfrm flipH="1" flipV="1">
-            <a:off x="682289" y="3223595"/>
-            <a:ext cx="993414" cy="190501"/>
-          </a:xfrm>
-          <a:prstGeom prst="straightConnector1">
-            <a:avLst/>
-          </a:prstGeom>
-          <a:ln w="38100">
-            <a:solidFill>
-              <a:schemeClr val="tx1"/>
-            </a:solidFill>
-            <a:tailEnd type="triangle"/>
-          </a:ln>
-        </p:spPr>
-        <p:style>
-          <a:lnRef idx="1">
-            <a:schemeClr val="accent1"/>
-          </a:lnRef>
-          <a:fillRef idx="0">
-            <a:schemeClr val="accent1"/>
-          </a:fillRef>
-          <a:effectRef idx="0">
-            <a:schemeClr val="accent1"/>
-          </a:effectRef>
-          <a:fontRef idx="minor">
-            <a:schemeClr val="tx1"/>
-          </a:fontRef>
-        </p:style>
-      </p:cxnSp>
-      <p:sp>
-        <p:nvSpPr>
-          <p:cNvPr id="60" name="직사각형 59">
-            <a:extLst>
-              <a:ext uri="{FF2B5EF4-FFF2-40B4-BE49-F238E27FC236}">
-                <a16:creationId xmlns:a16="http://schemas.microsoft.com/office/drawing/2014/main" id="{1ACFC46C-5F4E-4033-AE43-42F66EDFD8DE}"/>
+      <p:sp>
+        <p:nvSpPr>
+          <p:cNvPr id="49" name="타원 48">
+            <a:extLst>
+              <a:ext uri="{FF2B5EF4-FFF2-40B4-BE49-F238E27FC236}">
+                <a16:creationId xmlns:a16="http://schemas.microsoft.com/office/drawing/2014/main" id="{37AB810D-72BA-4B0E-8302-0BC9216E6AB3}"/>
               </a:ext>
             </a:extLst>
           </p:cNvPr>
@@ -5144,10 +5062,10 @@
         </p:nvSpPr>
         <p:spPr>
           <a:xfrm rot="5400000">
-            <a:off x="449801" y="121512"/>
-            <a:ext cx="45719" cy="363260"/>
-          </a:xfrm>
-          <a:prstGeom prst="rect">
+            <a:off x="295519" y="5243067"/>
+            <a:ext cx="333319" cy="326608"/>
+          </a:xfrm>
+          <a:prstGeom prst="ellipse">
             <a:avLst/>
           </a:prstGeom>
           <a:noFill/>
@@ -5182,456 +5100,26 @@
           </a:p>
         </p:txBody>
       </p:sp>
-      <p:sp>
-        <p:nvSpPr>
-          <p:cNvPr id="61" name="직사각형 60">
-            <a:extLst>
-              <a:ext uri="{FF2B5EF4-FFF2-40B4-BE49-F238E27FC236}">
-                <a16:creationId xmlns:a16="http://schemas.microsoft.com/office/drawing/2014/main" id="{F365B278-5BC1-4940-8ECB-B20D7BF984BE}"/>
-              </a:ext>
-            </a:extLst>
-          </p:cNvPr>
-          <p:cNvSpPr/>
-          <p:nvPr/>
-        </p:nvSpPr>
-        <p:spPr>
-          <a:xfrm rot="5400000">
-            <a:off x="449763" y="193330"/>
-            <a:ext cx="45719" cy="363260"/>
-          </a:xfrm>
-          <a:prstGeom prst="rect">
-            <a:avLst/>
-          </a:prstGeom>
-          <a:noFill/>
-          <a:ln w="19050">
-            <a:solidFill>
-              <a:schemeClr val="tx1"/>
-            </a:solidFill>
-          </a:ln>
-        </p:spPr>
-        <p:style>
-          <a:lnRef idx="2">
-            <a:schemeClr val="accent1">
-              <a:shade val="50000"/>
-            </a:schemeClr>
-          </a:lnRef>
-          <a:fillRef idx="1">
-            <a:schemeClr val="accent1"/>
-          </a:fillRef>
-          <a:effectRef idx="0">
-            <a:schemeClr val="accent1"/>
-          </a:effectRef>
-          <a:fontRef idx="minor">
-            <a:schemeClr val="lt1"/>
-          </a:fontRef>
-        </p:style>
-        <p:txBody>
-          <a:bodyPr rtlCol="0" anchor="ctr"/>
-          <a:lstStyle/>
-          <a:p>
-            <a:pPr algn="ctr"/>
-            <a:endParaRPr lang="ko-KR" altLang="en-US"/>
-          </a:p>
-        </p:txBody>
-      </p:sp>
-      <p:sp>
-        <p:nvSpPr>
-          <p:cNvPr id="62" name="직사각형 61">
-            <a:extLst>
-              <a:ext uri="{FF2B5EF4-FFF2-40B4-BE49-F238E27FC236}">
-                <a16:creationId xmlns:a16="http://schemas.microsoft.com/office/drawing/2014/main" id="{642C997E-0595-4F99-B5A5-8B70017980B0}"/>
-              </a:ext>
-            </a:extLst>
-          </p:cNvPr>
-          <p:cNvSpPr/>
-          <p:nvPr/>
-        </p:nvSpPr>
-        <p:spPr>
-          <a:xfrm rot="5400000">
-            <a:off x="449763" y="272869"/>
-            <a:ext cx="45719" cy="363260"/>
-          </a:xfrm>
-          <a:prstGeom prst="rect">
-            <a:avLst/>
-          </a:prstGeom>
-          <a:noFill/>
-          <a:ln w="19050">
-            <a:solidFill>
-              <a:schemeClr val="tx1"/>
-            </a:solidFill>
-          </a:ln>
-        </p:spPr>
-        <p:style>
-          <a:lnRef idx="2">
-            <a:schemeClr val="accent1">
-              <a:shade val="50000"/>
-            </a:schemeClr>
-          </a:lnRef>
-          <a:fillRef idx="1">
-            <a:schemeClr val="accent1"/>
-          </a:fillRef>
-          <a:effectRef idx="0">
-            <a:schemeClr val="accent1"/>
-          </a:effectRef>
-          <a:fontRef idx="minor">
-            <a:schemeClr val="lt1"/>
-          </a:fontRef>
-        </p:style>
-        <p:txBody>
-          <a:bodyPr rtlCol="0" anchor="ctr"/>
-          <a:lstStyle/>
-          <a:p>
-            <a:pPr algn="ctr"/>
-            <a:endParaRPr lang="ko-KR" altLang="en-US"/>
-          </a:p>
-        </p:txBody>
-      </p:sp>
       <p:cxnSp>
         <p:nvCxnSpPr>
-          <p:cNvPr id="65" name="직선 화살표 연결선 64">
-            <a:extLst>
-              <a:ext uri="{FF2B5EF4-FFF2-40B4-BE49-F238E27FC236}">
-                <a16:creationId xmlns:a16="http://schemas.microsoft.com/office/drawing/2014/main" id="{9006431C-E3F8-47F0-A67F-60C8D77AD577}"/>
+          <p:cNvPr id="51" name="직선 화살표 연결선 50">
+            <a:extLst>
+              <a:ext uri="{FF2B5EF4-FFF2-40B4-BE49-F238E27FC236}">
+                <a16:creationId xmlns:a16="http://schemas.microsoft.com/office/drawing/2014/main" id="{0A44E392-86BB-40EA-AAE5-B357D35E2C4A}"/>
               </a:ext>
             </a:extLst>
           </p:cNvPr>
           <p:cNvCxnSpPr>
             <a:cxnSpLocks/>
+            <a:stCxn id="58" idx="1"/>
+            <a:endCxn id="46" idx="0"/>
           </p:cNvCxnSpPr>
           <p:nvPr/>
         </p:nvCxnSpPr>
         <p:spPr>
           <a:xfrm flipH="1" flipV="1">
-            <a:off x="654253" y="349396"/>
-            <a:ext cx="785307" cy="229590"/>
-          </a:xfrm>
-          <a:prstGeom prst="straightConnector1">
-            <a:avLst/>
-          </a:prstGeom>
-          <a:ln w="38100">
-            <a:solidFill>
-              <a:schemeClr val="tx1"/>
-            </a:solidFill>
-            <a:tailEnd type="triangle"/>
-          </a:ln>
-        </p:spPr>
-        <p:style>
-          <a:lnRef idx="1">
-            <a:schemeClr val="accent1"/>
-          </a:lnRef>
-          <a:fillRef idx="0">
-            <a:schemeClr val="accent1"/>
-          </a:fillRef>
-          <a:effectRef idx="0">
-            <a:schemeClr val="accent1"/>
-          </a:effectRef>
-          <a:fontRef idx="minor">
-            <a:schemeClr val="tx1"/>
-          </a:fontRef>
-        </p:style>
-      </p:cxnSp>
-      <p:sp>
-        <p:nvSpPr>
-          <p:cNvPr id="68" name="TextBox 67">
-            <a:extLst>
-              <a:ext uri="{FF2B5EF4-FFF2-40B4-BE49-F238E27FC236}">
-                <a16:creationId xmlns:a16="http://schemas.microsoft.com/office/drawing/2014/main" id="{70FA4516-4194-4E24-956C-68599F062A7A}"/>
-              </a:ext>
-            </a:extLst>
-          </p:cNvPr>
-          <p:cNvSpPr txBox="1"/>
-          <p:nvPr/>
-        </p:nvSpPr>
-        <p:spPr>
-          <a:xfrm>
-            <a:off x="1446437" y="425097"/>
-            <a:ext cx="1527778" cy="307777"/>
-          </a:xfrm>
-          <a:prstGeom prst="rect">
-            <a:avLst/>
-          </a:prstGeom>
-          <a:noFill/>
-        </p:spPr>
-        <p:txBody>
-          <a:bodyPr wrap="square" rtlCol="0">
-            <a:spAutoFit/>
-          </a:bodyPr>
-          <a:lstStyle/>
-          <a:p>
-            <a:r>
-              <a:rPr lang="ko-KR" altLang="en-US" sz="1400" b="1" dirty="0"/>
-              <a:t>펼쳐 보기</a:t>
-            </a:r>
-          </a:p>
-        </p:txBody>
-      </p:sp>
-      <p:sp>
-        <p:nvSpPr>
-          <p:cNvPr id="69" name="직사각형 68">
-            <a:extLst>
-              <a:ext uri="{FF2B5EF4-FFF2-40B4-BE49-F238E27FC236}">
-                <a16:creationId xmlns:a16="http://schemas.microsoft.com/office/drawing/2014/main" id="{B490B683-ED4C-42E9-BFED-262E62BDA026}"/>
-              </a:ext>
-            </a:extLst>
-          </p:cNvPr>
-          <p:cNvSpPr/>
-          <p:nvPr/>
-        </p:nvSpPr>
-        <p:spPr>
-          <a:xfrm rot="5400000">
-            <a:off x="7899336" y="-3416435"/>
-            <a:ext cx="465884" cy="7699305"/>
-          </a:xfrm>
-          <a:prstGeom prst="rect">
-            <a:avLst/>
-          </a:prstGeom>
-          <a:noFill/>
-          <a:ln w="19050">
-            <a:solidFill>
-              <a:schemeClr val="tx1"/>
-            </a:solidFill>
-          </a:ln>
-        </p:spPr>
-        <p:style>
-          <a:lnRef idx="2">
-            <a:schemeClr val="accent1">
-              <a:shade val="50000"/>
-            </a:schemeClr>
-          </a:lnRef>
-          <a:fillRef idx="1">
-            <a:schemeClr val="accent1"/>
-          </a:fillRef>
-          <a:effectRef idx="0">
-            <a:schemeClr val="accent1"/>
-          </a:effectRef>
-          <a:fontRef idx="minor">
-            <a:schemeClr val="lt1"/>
-          </a:fontRef>
-        </p:style>
-        <p:txBody>
-          <a:bodyPr rtlCol="0" anchor="ctr"/>
-          <a:lstStyle/>
-          <a:p>
-            <a:pPr algn="ctr"/>
-            <a:endParaRPr lang="ko-KR" altLang="en-US"/>
-          </a:p>
-        </p:txBody>
-      </p:sp>
-      <p:sp>
-        <p:nvSpPr>
-          <p:cNvPr id="70" name="TextBox 69">
-            <a:extLst>
-              <a:ext uri="{FF2B5EF4-FFF2-40B4-BE49-F238E27FC236}">
-                <a16:creationId xmlns:a16="http://schemas.microsoft.com/office/drawing/2014/main" id="{98C85547-A03C-482C-AABF-CC178888E379}"/>
-              </a:ext>
-            </a:extLst>
-          </p:cNvPr>
-          <p:cNvSpPr txBox="1"/>
-          <p:nvPr/>
-        </p:nvSpPr>
-        <p:spPr>
-          <a:xfrm>
-            <a:off x="5049905" y="1839411"/>
-            <a:ext cx="5161084" cy="2646878"/>
-          </a:xfrm>
-          <a:prstGeom prst="rect">
-            <a:avLst/>
-          </a:prstGeom>
-          <a:noFill/>
-        </p:spPr>
-        <p:txBody>
-          <a:bodyPr wrap="square" rtlCol="0">
-            <a:spAutoFit/>
-          </a:bodyPr>
-          <a:lstStyle/>
-          <a:p>
-            <a:r>
-              <a:rPr lang="en-US" altLang="ko-KR" sz="16600" b="1" dirty="0"/>
-              <a:t>1</a:t>
-            </a:r>
-            <a:endParaRPr lang="ko-KR" altLang="en-US" sz="16600" b="1" dirty="0"/>
-          </a:p>
-        </p:txBody>
-      </p:sp>
-      <p:sp>
-        <p:nvSpPr>
-          <p:cNvPr id="73" name="TextBox 72">
-            <a:extLst>
-              <a:ext uri="{FF2B5EF4-FFF2-40B4-BE49-F238E27FC236}">
-                <a16:creationId xmlns:a16="http://schemas.microsoft.com/office/drawing/2014/main" id="{79C86B2C-6B80-4189-A291-93701950C0A6}"/>
-              </a:ext>
-            </a:extLst>
-          </p:cNvPr>
-          <p:cNvSpPr txBox="1"/>
-          <p:nvPr/>
-        </p:nvSpPr>
-        <p:spPr>
-          <a:xfrm>
-            <a:off x="10747958" y="271208"/>
-            <a:ext cx="558800" cy="307777"/>
-          </a:xfrm>
-          <a:prstGeom prst="rect">
-            <a:avLst/>
-          </a:prstGeom>
-          <a:noFill/>
-        </p:spPr>
-        <p:txBody>
-          <a:bodyPr wrap="square" rtlCol="0">
-            <a:spAutoFit/>
-          </a:bodyPr>
-          <a:lstStyle/>
-          <a:p>
-            <a:r>
-              <a:rPr lang="en-US" altLang="ko-KR" sz="1400" b="1" dirty="0"/>
-              <a:t>2</a:t>
-            </a:r>
-            <a:endParaRPr lang="ko-KR" altLang="en-US" sz="1400" b="1" dirty="0"/>
-          </a:p>
-        </p:txBody>
-      </p:sp>
-      <p:sp>
-        <p:nvSpPr>
-          <p:cNvPr id="74" name="TextBox 73">
-            <a:extLst>
-              <a:ext uri="{FF2B5EF4-FFF2-40B4-BE49-F238E27FC236}">
-                <a16:creationId xmlns:a16="http://schemas.microsoft.com/office/drawing/2014/main" id="{5E9EB992-65C6-451D-BA69-833FA585D682}"/>
-              </a:ext>
-            </a:extLst>
-          </p:cNvPr>
-          <p:cNvSpPr txBox="1"/>
-          <p:nvPr/>
-        </p:nvSpPr>
-        <p:spPr>
-          <a:xfrm>
-            <a:off x="11571937" y="261534"/>
-            <a:ext cx="558800" cy="307777"/>
-          </a:xfrm>
-          <a:prstGeom prst="rect">
-            <a:avLst/>
-          </a:prstGeom>
-          <a:noFill/>
-        </p:spPr>
-        <p:txBody>
-          <a:bodyPr wrap="square" rtlCol="0">
-            <a:spAutoFit/>
-          </a:bodyPr>
-          <a:lstStyle/>
-          <a:p>
-            <a:r>
-              <a:rPr lang="en-US" altLang="ko-KR" sz="1400" b="1" dirty="0"/>
-              <a:t>3</a:t>
-            </a:r>
-            <a:endParaRPr lang="ko-KR" altLang="en-US" sz="1400" b="1" dirty="0"/>
-          </a:p>
-        </p:txBody>
-      </p:sp>
-      <p:sp>
-        <p:nvSpPr>
-          <p:cNvPr id="75" name="TextBox 74">
-            <a:extLst>
-              <a:ext uri="{FF2B5EF4-FFF2-40B4-BE49-F238E27FC236}">
-                <a16:creationId xmlns:a16="http://schemas.microsoft.com/office/drawing/2014/main" id="{4CF2834E-C8E1-4A6D-8274-8E75A21B2AB2}"/>
-              </a:ext>
-            </a:extLst>
-          </p:cNvPr>
-          <p:cNvSpPr txBox="1"/>
-          <p:nvPr/>
-        </p:nvSpPr>
-        <p:spPr>
-          <a:xfrm>
-            <a:off x="1716622" y="2793518"/>
-            <a:ext cx="2283878" cy="954107"/>
-          </a:xfrm>
-          <a:prstGeom prst="rect">
-            <a:avLst/>
-          </a:prstGeom>
-          <a:noFill/>
-        </p:spPr>
-        <p:txBody>
-          <a:bodyPr wrap="square" rtlCol="0">
-            <a:spAutoFit/>
-          </a:bodyPr>
-          <a:lstStyle/>
-          <a:p>
-            <a:r>
-              <a:rPr lang="ko-KR" altLang="en-US" sz="1400" b="1" dirty="0"/>
-              <a:t>아이콘</a:t>
-            </a:r>
-            <a:r>
-              <a:rPr lang="en-US" altLang="ko-KR" sz="1400" b="1" dirty="0"/>
-              <a:t>(</a:t>
-            </a:r>
-            <a:r>
-              <a:rPr lang="ko-KR" altLang="en-US" sz="1400" b="1" dirty="0"/>
-              <a:t>탭</a:t>
-            </a:r>
-            <a:r>
-              <a:rPr lang="en-US" altLang="ko-KR" sz="1400" b="1" dirty="0"/>
-              <a:t>)</a:t>
-            </a:r>
-          </a:p>
-          <a:p>
-            <a:pPr marL="342900" indent="-342900">
-              <a:buAutoNum type="arabicPeriod"/>
-            </a:pPr>
-            <a:r>
-              <a:rPr lang="en-US" altLang="ko-KR" sz="1400" b="1" dirty="0"/>
-              <a:t>Calendar</a:t>
-            </a:r>
-            <a:r>
-              <a:rPr lang="ko-KR" altLang="en-US" sz="1400" b="1" dirty="0"/>
-              <a:t> 자세히 보기</a:t>
-            </a:r>
-            <a:endParaRPr lang="en-US" altLang="ko-KR" sz="1400" b="1" dirty="0"/>
-          </a:p>
-          <a:p>
-            <a:pPr marL="342900" indent="-342900">
-              <a:buAutoNum type="arabicPeriod"/>
-            </a:pPr>
-            <a:r>
-              <a:rPr lang="ko-KR" altLang="en-US" sz="1400" b="1" dirty="0"/>
-              <a:t>알림 자세히 보기</a:t>
-            </a:r>
-            <a:endParaRPr lang="en-US" altLang="ko-KR" sz="1400" b="1" dirty="0"/>
-          </a:p>
-          <a:p>
-            <a:pPr marL="342900" indent="-342900">
-              <a:buAutoNum type="arabicPeriod"/>
-            </a:pPr>
-            <a:r>
-              <a:rPr lang="ko-KR" altLang="en-US" sz="1400" b="1" dirty="0"/>
-              <a:t>유저 </a:t>
-            </a:r>
-            <a:r>
-              <a:rPr lang="en-US" altLang="ko-KR" sz="1400" b="1" dirty="0"/>
-              <a:t>+ </a:t>
-            </a:r>
-            <a:r>
-              <a:rPr lang="ko-KR" altLang="en-US" sz="1400" b="1" dirty="0"/>
-              <a:t>연동</a:t>
-            </a:r>
-          </a:p>
-        </p:txBody>
-      </p:sp>
-      <p:cxnSp>
-        <p:nvCxnSpPr>
-          <p:cNvPr id="76" name="직선 화살표 연결선 75">
-            <a:extLst>
-              <a:ext uri="{FF2B5EF4-FFF2-40B4-BE49-F238E27FC236}">
-                <a16:creationId xmlns:a16="http://schemas.microsoft.com/office/drawing/2014/main" id="{B6DADF33-5800-42BD-9CE0-063574DF4133}"/>
-              </a:ext>
-            </a:extLst>
-          </p:cNvPr>
-          <p:cNvCxnSpPr>
-            <a:cxnSpLocks/>
-            <a:endCxn id="48" idx="4"/>
-          </p:cNvCxnSpPr>
-          <p:nvPr/>
-        </p:nvCxnSpPr>
-        <p:spPr>
-          <a:xfrm flipV="1">
-            <a:off x="3767520" y="440859"/>
-            <a:ext cx="6955036" cy="2930144"/>
+            <a:off x="633353" y="2733974"/>
+            <a:ext cx="1083269" cy="536598"/>
           </a:xfrm>
           <a:prstGeom prst="straightConnector1">
             <a:avLst/>
@@ -5660,23 +5148,23 @@
       </p:cxnSp>
       <p:cxnSp>
         <p:nvCxnSpPr>
-          <p:cNvPr id="79" name="직선 화살표 연결선 78">
-            <a:extLst>
-              <a:ext uri="{FF2B5EF4-FFF2-40B4-BE49-F238E27FC236}">
-                <a16:creationId xmlns:a16="http://schemas.microsoft.com/office/drawing/2014/main" id="{BFB333CC-548D-4AA6-8F60-CF581547B7C7}"/>
+          <p:cNvPr id="52" name="직선 화살표 연결선 51">
+            <a:extLst>
+              <a:ext uri="{FF2B5EF4-FFF2-40B4-BE49-F238E27FC236}">
+                <a16:creationId xmlns:a16="http://schemas.microsoft.com/office/drawing/2014/main" id="{4F3276B7-E04B-4C89-B0DE-A1D404BA2F57}"/>
               </a:ext>
             </a:extLst>
           </p:cNvPr>
           <p:cNvCxnSpPr>
             <a:cxnSpLocks/>
-            <a:endCxn id="49" idx="6"/>
+            <a:endCxn id="33" idx="0"/>
           </p:cNvCxnSpPr>
           <p:nvPr/>
         </p:nvCxnSpPr>
         <p:spPr>
-          <a:xfrm flipV="1">
-            <a:off x="3204785" y="607518"/>
-            <a:ext cx="8495848" cy="3004070"/>
+          <a:xfrm flipH="1">
+            <a:off x="598657" y="3402686"/>
+            <a:ext cx="1119504" cy="491791"/>
           </a:xfrm>
           <a:prstGeom prst="straightConnector1">
             <a:avLst/>
@@ -5703,12 +5191,145 @@
           </a:fontRef>
         </p:style>
       </p:cxnSp>
-      <p:sp>
-        <p:nvSpPr>
-          <p:cNvPr id="36" name="타원 35">
-            <a:extLst>
-              <a:ext uri="{FF2B5EF4-FFF2-40B4-BE49-F238E27FC236}">
-                <a16:creationId xmlns:a16="http://schemas.microsoft.com/office/drawing/2014/main" id="{45DEF626-F318-44D2-8CCC-0C4A9D6E6450}"/>
+      <p:cxnSp>
+        <p:nvCxnSpPr>
+          <p:cNvPr id="56" name="직선 화살표 연결선 55">
+            <a:extLst>
+              <a:ext uri="{FF2B5EF4-FFF2-40B4-BE49-F238E27FC236}">
+                <a16:creationId xmlns:a16="http://schemas.microsoft.com/office/drawing/2014/main" id="{616CE92A-5F6F-4282-94F0-DC6153AABEF8}"/>
+              </a:ext>
+            </a:extLst>
+          </p:cNvPr>
+          <p:cNvCxnSpPr>
+            <a:cxnSpLocks/>
+            <a:endCxn id="34" idx="0"/>
+          </p:cNvCxnSpPr>
+          <p:nvPr/>
+        </p:nvCxnSpPr>
+        <p:spPr>
+          <a:xfrm flipH="1">
+            <a:off x="598657" y="3682401"/>
+            <a:ext cx="1151448" cy="1542938"/>
+          </a:xfrm>
+          <a:prstGeom prst="straightConnector1">
+            <a:avLst/>
+          </a:prstGeom>
+          <a:ln w="38100">
+            <a:solidFill>
+              <a:schemeClr val="tx1"/>
+            </a:solidFill>
+            <a:tailEnd type="triangle"/>
+          </a:ln>
+        </p:spPr>
+        <p:style>
+          <a:lnRef idx="1">
+            <a:schemeClr val="accent1"/>
+          </a:lnRef>
+          <a:fillRef idx="0">
+            <a:schemeClr val="accent1"/>
+          </a:fillRef>
+          <a:effectRef idx="0">
+            <a:schemeClr val="accent1"/>
+          </a:effectRef>
+          <a:fontRef idx="minor">
+            <a:schemeClr val="tx1"/>
+          </a:fontRef>
+        </p:style>
+      </p:cxnSp>
+      <p:sp>
+        <p:nvSpPr>
+          <p:cNvPr id="58" name="TextBox 57">
+            <a:extLst>
+              <a:ext uri="{FF2B5EF4-FFF2-40B4-BE49-F238E27FC236}">
+                <a16:creationId xmlns:a16="http://schemas.microsoft.com/office/drawing/2014/main" id="{F4814F70-9546-4E7C-9462-320B25CB245E}"/>
+              </a:ext>
+            </a:extLst>
+          </p:cNvPr>
+          <p:cNvSpPr txBox="1"/>
+          <p:nvPr/>
+        </p:nvSpPr>
+        <p:spPr>
+          <a:xfrm>
+            <a:off x="1716622" y="2793518"/>
+            <a:ext cx="2283878" cy="954107"/>
+          </a:xfrm>
+          <a:prstGeom prst="rect">
+            <a:avLst/>
+          </a:prstGeom>
+          <a:noFill/>
+        </p:spPr>
+        <p:txBody>
+          <a:bodyPr wrap="square" rtlCol="0">
+            <a:spAutoFit/>
+          </a:bodyPr>
+          <a:lstStyle/>
+          <a:p>
+            <a:r>
+              <a:rPr lang="ko-KR" altLang="en-US" sz="1400" b="1" dirty="0"/>
+              <a:t>아이콘</a:t>
+            </a:r>
+            <a:r>
+              <a:rPr lang="en-US" altLang="ko-KR" sz="1400" b="1" dirty="0"/>
+              <a:t>(</a:t>
+            </a:r>
+            <a:r>
+              <a:rPr lang="ko-KR" altLang="en-US" sz="1400" b="1" dirty="0"/>
+              <a:t>탭</a:t>
+            </a:r>
+            <a:r>
+              <a:rPr lang="en-US" altLang="ko-KR" sz="1400" b="1" dirty="0"/>
+              <a:t>)</a:t>
+            </a:r>
+          </a:p>
+          <a:p>
+            <a:pPr marL="342900" indent="-342900">
+              <a:buAutoNum type="arabicPeriod"/>
+            </a:pPr>
+            <a:r>
+              <a:rPr lang="en-US" altLang="ko-KR" sz="1400" b="1" dirty="0"/>
+              <a:t>Calendar</a:t>
+            </a:r>
+            <a:r>
+              <a:rPr lang="ko-KR" altLang="en-US" sz="1400" b="1" dirty="0"/>
+              <a:t> 자세히 보기</a:t>
+            </a:r>
+            <a:endParaRPr lang="en-US" altLang="ko-KR" sz="1400" b="1" dirty="0"/>
+          </a:p>
+          <a:p>
+            <a:pPr marL="342900" indent="-342900">
+              <a:buAutoNum type="arabicPeriod"/>
+            </a:pPr>
+            <a:r>
+              <a:rPr lang="ko-KR" altLang="en-US" sz="1400" b="1" dirty="0"/>
+              <a:t>알림 자세히 보기</a:t>
+            </a:r>
+            <a:endParaRPr lang="en-US" altLang="ko-KR" sz="1400" b="1" dirty="0"/>
+          </a:p>
+          <a:p>
+            <a:pPr marL="342900" indent="-342900">
+              <a:buAutoNum type="arabicPeriod"/>
+            </a:pPr>
+            <a:r>
+              <a:rPr lang="ko-KR" altLang="en-US" sz="1400" b="1" dirty="0"/>
+              <a:t>유저 </a:t>
+            </a:r>
+            <a:r>
+              <a:rPr lang="en-US" altLang="ko-KR" sz="1400" b="1" dirty="0"/>
+              <a:t>+ </a:t>
+            </a:r>
+            <a:r>
+              <a:rPr lang="ko-KR" altLang="en-US" sz="1400" b="1" dirty="0"/>
+              <a:t>연동</a:t>
+            </a:r>
+          </a:p>
+        </p:txBody>
+      </p:sp>
+      <p:sp>
+        <p:nvSpPr>
+          <p:cNvPr id="60" name="직사각형 59">
+            <a:extLst>
+              <a:ext uri="{FF2B5EF4-FFF2-40B4-BE49-F238E27FC236}">
+                <a16:creationId xmlns:a16="http://schemas.microsoft.com/office/drawing/2014/main" id="{1ACFC46C-5F4E-4033-AE43-42F66EDFD8DE}"/>
               </a:ext>
             </a:extLst>
           </p:cNvPr>
@@ -5717,10 +5338,10 @@
         </p:nvSpPr>
         <p:spPr>
           <a:xfrm rot="5400000">
-            <a:off x="303389" y="2570669"/>
-            <a:ext cx="333319" cy="326608"/>
-          </a:xfrm>
-          <a:prstGeom prst="ellipse">
+            <a:off x="449801" y="121512"/>
+            <a:ext cx="45719" cy="363260"/>
+          </a:xfrm>
+          <a:prstGeom prst="rect">
             <a:avLst/>
           </a:prstGeom>
           <a:noFill/>
@@ -5757,10 +5378,10 @@
       </p:sp>
       <p:sp>
         <p:nvSpPr>
-          <p:cNvPr id="39" name="타원 38">
-            <a:extLst>
-              <a:ext uri="{FF2B5EF4-FFF2-40B4-BE49-F238E27FC236}">
-                <a16:creationId xmlns:a16="http://schemas.microsoft.com/office/drawing/2014/main" id="{01A04C0C-0877-477C-AF31-AC631C10C73B}"/>
+          <p:cNvPr id="61" name="직사각형 60">
+            <a:extLst>
+              <a:ext uri="{FF2B5EF4-FFF2-40B4-BE49-F238E27FC236}">
+                <a16:creationId xmlns:a16="http://schemas.microsoft.com/office/drawing/2014/main" id="{F365B278-5BC1-4940-8ECB-B20D7BF984BE}"/>
               </a:ext>
             </a:extLst>
           </p:cNvPr>
@@ -5769,10 +5390,10 @@
         </p:nvSpPr>
         <p:spPr>
           <a:xfrm rot="5400000">
-            <a:off x="295216" y="3906868"/>
-            <a:ext cx="333319" cy="326608"/>
-          </a:xfrm>
-          <a:prstGeom prst="ellipse">
+            <a:off x="449763" y="193330"/>
+            <a:ext cx="45719" cy="363260"/>
+          </a:xfrm>
+          <a:prstGeom prst="rect">
             <a:avLst/>
           </a:prstGeom>
           <a:noFill/>
@@ -5809,10 +5430,10 @@
       </p:sp>
       <p:sp>
         <p:nvSpPr>
-          <p:cNvPr id="40" name="타원 39">
-            <a:extLst>
-              <a:ext uri="{FF2B5EF4-FFF2-40B4-BE49-F238E27FC236}">
-                <a16:creationId xmlns:a16="http://schemas.microsoft.com/office/drawing/2014/main" id="{214AFD06-D43A-49E8-83FC-4EED5F354207}"/>
+          <p:cNvPr id="62" name="직사각형 61">
+            <a:extLst>
+              <a:ext uri="{FF2B5EF4-FFF2-40B4-BE49-F238E27FC236}">
+                <a16:creationId xmlns:a16="http://schemas.microsoft.com/office/drawing/2014/main" id="{642C997E-0595-4F99-B5A5-8B70017980B0}"/>
               </a:ext>
             </a:extLst>
           </p:cNvPr>
@@ -5821,10 +5442,10 @@
         </p:nvSpPr>
         <p:spPr>
           <a:xfrm rot="5400000">
-            <a:off x="295519" y="5243067"/>
-            <a:ext cx="333319" cy="326608"/>
-          </a:xfrm>
-          <a:prstGeom prst="ellipse">
+            <a:off x="449763" y="272869"/>
+            <a:ext cx="45719" cy="363260"/>
+          </a:xfrm>
+          <a:prstGeom prst="rect">
             <a:avLst/>
           </a:prstGeom>
           <a:noFill/>
@@ -5859,12 +5480,91 @@
           </a:p>
         </p:txBody>
       </p:sp>
-      <p:sp>
-        <p:nvSpPr>
-          <p:cNvPr id="41" name="TextBox 40">
-            <a:extLst>
-              <a:ext uri="{FF2B5EF4-FFF2-40B4-BE49-F238E27FC236}">
-                <a16:creationId xmlns:a16="http://schemas.microsoft.com/office/drawing/2014/main" id="{891E712B-9F1C-4876-950C-2F3AED9EB212}"/>
+      <p:cxnSp>
+        <p:nvCxnSpPr>
+          <p:cNvPr id="65" name="직선 화살표 연결선 64">
+            <a:extLst>
+              <a:ext uri="{FF2B5EF4-FFF2-40B4-BE49-F238E27FC236}">
+                <a16:creationId xmlns:a16="http://schemas.microsoft.com/office/drawing/2014/main" id="{9006431C-E3F8-47F0-A67F-60C8D77AD577}"/>
+              </a:ext>
+            </a:extLst>
+          </p:cNvPr>
+          <p:cNvCxnSpPr>
+            <a:cxnSpLocks/>
+          </p:cNvCxnSpPr>
+          <p:nvPr/>
+        </p:nvCxnSpPr>
+        <p:spPr>
+          <a:xfrm flipH="1" flipV="1">
+            <a:off x="654253" y="349396"/>
+            <a:ext cx="785307" cy="229590"/>
+          </a:xfrm>
+          <a:prstGeom prst="straightConnector1">
+            <a:avLst/>
+          </a:prstGeom>
+          <a:ln w="38100">
+            <a:solidFill>
+              <a:schemeClr val="tx1"/>
+            </a:solidFill>
+            <a:tailEnd type="triangle"/>
+          </a:ln>
+        </p:spPr>
+        <p:style>
+          <a:lnRef idx="1">
+            <a:schemeClr val="accent1"/>
+          </a:lnRef>
+          <a:fillRef idx="0">
+            <a:schemeClr val="accent1"/>
+          </a:fillRef>
+          <a:effectRef idx="0">
+            <a:schemeClr val="accent1"/>
+          </a:effectRef>
+          <a:fontRef idx="minor">
+            <a:schemeClr val="tx1"/>
+          </a:fontRef>
+        </p:style>
+      </p:cxnSp>
+      <p:sp>
+        <p:nvSpPr>
+          <p:cNvPr id="68" name="TextBox 67">
+            <a:extLst>
+              <a:ext uri="{FF2B5EF4-FFF2-40B4-BE49-F238E27FC236}">
+                <a16:creationId xmlns:a16="http://schemas.microsoft.com/office/drawing/2014/main" id="{70FA4516-4194-4E24-956C-68599F062A7A}"/>
+              </a:ext>
+            </a:extLst>
+          </p:cNvPr>
+          <p:cNvSpPr txBox="1"/>
+          <p:nvPr/>
+        </p:nvSpPr>
+        <p:spPr>
+          <a:xfrm>
+            <a:off x="1446437" y="425097"/>
+            <a:ext cx="1527778" cy="307777"/>
+          </a:xfrm>
+          <a:prstGeom prst="rect">
+            <a:avLst/>
+          </a:prstGeom>
+          <a:noFill/>
+        </p:spPr>
+        <p:txBody>
+          <a:bodyPr wrap="square" rtlCol="0">
+            <a:spAutoFit/>
+          </a:bodyPr>
+          <a:lstStyle/>
+          <a:p>
+            <a:r>
+              <a:rPr lang="ko-KR" altLang="en-US" sz="1400" b="1" dirty="0"/>
+              <a:t>펼쳐 보기</a:t>
+            </a:r>
+          </a:p>
+        </p:txBody>
+      </p:sp>
+      <p:sp>
+        <p:nvSpPr>
+          <p:cNvPr id="32" name="TextBox 31">
+            <a:extLst>
+              <a:ext uri="{FF2B5EF4-FFF2-40B4-BE49-F238E27FC236}">
+                <a16:creationId xmlns:a16="http://schemas.microsoft.com/office/drawing/2014/main" id="{1D558C2E-B83F-4CA7-83EA-072FE18289DF}"/>
               </a:ext>
             </a:extLst>
           </p:cNvPr>
@@ -5897,10 +5597,10 @@
       </p:sp>
       <p:sp>
         <p:nvSpPr>
-          <p:cNvPr id="42" name="TextBox 41">
-            <a:extLst>
-              <a:ext uri="{FF2B5EF4-FFF2-40B4-BE49-F238E27FC236}">
-                <a16:creationId xmlns:a16="http://schemas.microsoft.com/office/drawing/2014/main" id="{7437B0AC-5805-4EC9-990A-C0E8DFB819F5}"/>
+          <p:cNvPr id="33" name="TextBox 32">
+            <a:extLst>
+              <a:ext uri="{FF2B5EF4-FFF2-40B4-BE49-F238E27FC236}">
+                <a16:creationId xmlns:a16="http://schemas.microsoft.com/office/drawing/2014/main" id="{65B85D79-0949-4958-9A03-9DD14B097CBE}"/>
               </a:ext>
             </a:extLst>
           </p:cNvPr>
@@ -5933,10 +5633,10 @@
       </p:sp>
       <p:sp>
         <p:nvSpPr>
-          <p:cNvPr id="43" name="TextBox 42">
-            <a:extLst>
-              <a:ext uri="{FF2B5EF4-FFF2-40B4-BE49-F238E27FC236}">
-                <a16:creationId xmlns:a16="http://schemas.microsoft.com/office/drawing/2014/main" id="{6E77F9FD-C9EF-481F-9813-E0A10CC9C2E7}"/>
+          <p:cNvPr id="34" name="TextBox 33">
+            <a:extLst>
+              <a:ext uri="{FF2B5EF4-FFF2-40B4-BE49-F238E27FC236}">
+                <a16:creationId xmlns:a16="http://schemas.microsoft.com/office/drawing/2014/main" id="{8607F43E-DF55-4080-AB41-13224C8A3E34}"/>
               </a:ext>
             </a:extLst>
           </p:cNvPr>
@@ -5969,10 +5669,10 @@
       </p:sp>
       <p:sp>
         <p:nvSpPr>
-          <p:cNvPr id="47" name="타원 46">
-            <a:extLst>
-              <a:ext uri="{FF2B5EF4-FFF2-40B4-BE49-F238E27FC236}">
-                <a16:creationId xmlns:a16="http://schemas.microsoft.com/office/drawing/2014/main" id="{446A9EB6-87B4-43D3-B6D3-358BAA17CA3E}"/>
+          <p:cNvPr id="39" name="타원 38">
+            <a:extLst>
+              <a:ext uri="{FF2B5EF4-FFF2-40B4-BE49-F238E27FC236}">
+                <a16:creationId xmlns:a16="http://schemas.microsoft.com/office/drawing/2014/main" id="{4B781080-DCB7-4728-9EEA-ECB79BC76C1D}"/>
               </a:ext>
             </a:extLst>
           </p:cNvPr>
@@ -6025,10 +5725,10 @@
       </p:sp>
       <p:sp>
         <p:nvSpPr>
-          <p:cNvPr id="50" name="TextBox 49">
-            <a:extLst>
-              <a:ext uri="{FF2B5EF4-FFF2-40B4-BE49-F238E27FC236}">
-                <a16:creationId xmlns:a16="http://schemas.microsoft.com/office/drawing/2014/main" id="{A8E90E73-4EDC-473E-B7E9-2AA9D98EB434}"/>
+          <p:cNvPr id="40" name="TextBox 39">
+            <a:extLst>
+              <a:ext uri="{FF2B5EF4-FFF2-40B4-BE49-F238E27FC236}">
+                <a16:creationId xmlns:a16="http://schemas.microsoft.com/office/drawing/2014/main" id="{D70CCDF2-9329-4797-BF73-A4976082BF80}"/>
               </a:ext>
             </a:extLst>
           </p:cNvPr>
@@ -6037,7 +5737,7 @@
         </p:nvSpPr>
         <p:spPr>
           <a:xfrm>
-            <a:off x="255844" y="1223869"/>
+            <a:off x="267724" y="1258691"/>
             <a:ext cx="558800" cy="261610"/>
           </a:xfrm>
           <a:prstGeom prst="rect">
@@ -6059,10 +5759,569 @@
           </a:p>
         </p:txBody>
       </p:sp>
+      <p:sp>
+        <p:nvSpPr>
+          <p:cNvPr id="41" name="직사각형 40">
+            <a:extLst>
+              <a:ext uri="{FF2B5EF4-FFF2-40B4-BE49-F238E27FC236}">
+                <a16:creationId xmlns:a16="http://schemas.microsoft.com/office/drawing/2014/main" id="{BD8A8A26-1382-4AE7-9B19-9F18FEC33852}"/>
+              </a:ext>
+            </a:extLst>
+          </p:cNvPr>
+          <p:cNvSpPr/>
+          <p:nvPr/>
+        </p:nvSpPr>
+        <p:spPr>
+          <a:xfrm>
+            <a:off x="4612113" y="2030949"/>
+            <a:ext cx="2349978" cy="646331"/>
+          </a:xfrm>
+          <a:prstGeom prst="rect">
+            <a:avLst/>
+          </a:prstGeom>
+        </p:spPr>
+        <p:txBody>
+          <a:bodyPr wrap="square">
+            <a:spAutoFit/>
+          </a:bodyPr>
+          <a:lstStyle/>
+          <a:p>
+            <a:r>
+              <a:rPr lang="ko-KR" altLang="en-US" sz="3600" b="1" kern="50" dirty="0">
+                <a:latin typeface="맑은 고딕" panose="020B0503020000020004" pitchFamily="50" charset="-127"/>
+              </a:rPr>
+              <a:t>수강과목</a:t>
+            </a:r>
+            <a:endParaRPr lang="ko-KR" altLang="en-US" sz="3600" dirty="0"/>
+          </a:p>
+        </p:txBody>
+      </p:sp>
+      <p:sp>
+        <p:nvSpPr>
+          <p:cNvPr id="42" name="사각형: 둥근 모서리 41">
+            <a:extLst>
+              <a:ext uri="{FF2B5EF4-FFF2-40B4-BE49-F238E27FC236}">
+                <a16:creationId xmlns:a16="http://schemas.microsoft.com/office/drawing/2014/main" id="{49EEFE12-384E-43BC-AFFA-004AA03CFE1C}"/>
+              </a:ext>
+            </a:extLst>
+          </p:cNvPr>
+          <p:cNvSpPr/>
+          <p:nvPr/>
+        </p:nvSpPr>
+        <p:spPr>
+          <a:xfrm rot="5400000">
+            <a:off x="7403889" y="2755554"/>
+            <a:ext cx="1530742" cy="1228707"/>
+          </a:xfrm>
+          <a:prstGeom prst="roundRect">
+            <a:avLst/>
+          </a:prstGeom>
+          <a:noFill/>
+          <a:ln w="19050">
+            <a:solidFill>
+              <a:schemeClr val="tx1"/>
+            </a:solidFill>
+          </a:ln>
+        </p:spPr>
+        <p:style>
+          <a:lnRef idx="2">
+            <a:schemeClr val="accent1">
+              <a:shade val="50000"/>
+            </a:schemeClr>
+          </a:lnRef>
+          <a:fillRef idx="1">
+            <a:schemeClr val="accent1"/>
+          </a:fillRef>
+          <a:effectRef idx="0">
+            <a:schemeClr val="accent1"/>
+          </a:effectRef>
+          <a:fontRef idx="minor">
+            <a:schemeClr val="lt1"/>
+          </a:fontRef>
+        </p:style>
+        <p:txBody>
+          <a:bodyPr rtlCol="0" anchor="ctr"/>
+          <a:lstStyle/>
+          <a:p>
+            <a:pPr algn="ctr"/>
+            <a:endParaRPr lang="ko-KR" altLang="en-US" dirty="0"/>
+          </a:p>
+        </p:txBody>
+      </p:sp>
+      <p:sp>
+        <p:nvSpPr>
+          <p:cNvPr id="43" name="사각형: 둥근 모서리 42">
+            <a:extLst>
+              <a:ext uri="{FF2B5EF4-FFF2-40B4-BE49-F238E27FC236}">
+                <a16:creationId xmlns:a16="http://schemas.microsoft.com/office/drawing/2014/main" id="{0F2A6048-E813-4509-9287-E0A9D2B728BE}"/>
+              </a:ext>
+            </a:extLst>
+          </p:cNvPr>
+          <p:cNvSpPr/>
+          <p:nvPr/>
+        </p:nvSpPr>
+        <p:spPr>
+          <a:xfrm rot="5400000">
+            <a:off x="9693179" y="4856189"/>
+            <a:ext cx="1530742" cy="1228707"/>
+          </a:xfrm>
+          <a:prstGeom prst="roundRect">
+            <a:avLst/>
+          </a:prstGeom>
+          <a:noFill/>
+          <a:ln w="19050">
+            <a:solidFill>
+              <a:schemeClr val="tx1"/>
+            </a:solidFill>
+          </a:ln>
+        </p:spPr>
+        <p:style>
+          <a:lnRef idx="2">
+            <a:schemeClr val="accent1">
+              <a:shade val="50000"/>
+            </a:schemeClr>
+          </a:lnRef>
+          <a:fillRef idx="1">
+            <a:schemeClr val="accent1"/>
+          </a:fillRef>
+          <a:effectRef idx="0">
+            <a:schemeClr val="accent1"/>
+          </a:effectRef>
+          <a:fontRef idx="minor">
+            <a:schemeClr val="lt1"/>
+          </a:fontRef>
+        </p:style>
+        <p:txBody>
+          <a:bodyPr rtlCol="0" anchor="ctr"/>
+          <a:lstStyle/>
+          <a:p>
+            <a:pPr algn="ctr"/>
+            <a:endParaRPr lang="ko-KR" altLang="en-US" dirty="0"/>
+          </a:p>
+        </p:txBody>
+      </p:sp>
+      <p:sp>
+        <p:nvSpPr>
+          <p:cNvPr id="47" name="사각형: 둥근 모서리 46">
+            <a:extLst>
+              <a:ext uri="{FF2B5EF4-FFF2-40B4-BE49-F238E27FC236}">
+                <a16:creationId xmlns:a16="http://schemas.microsoft.com/office/drawing/2014/main" id="{DC7B197C-FFD7-4FB4-B12F-A4D559610F19}"/>
+              </a:ext>
+            </a:extLst>
+          </p:cNvPr>
+          <p:cNvSpPr/>
+          <p:nvPr/>
+        </p:nvSpPr>
+        <p:spPr>
+          <a:xfrm rot="5400000">
+            <a:off x="7403890" y="4856189"/>
+            <a:ext cx="1530742" cy="1228707"/>
+          </a:xfrm>
+          <a:prstGeom prst="roundRect">
+            <a:avLst/>
+          </a:prstGeom>
+          <a:noFill/>
+          <a:ln w="19050">
+            <a:solidFill>
+              <a:schemeClr val="tx1"/>
+            </a:solidFill>
+          </a:ln>
+        </p:spPr>
+        <p:style>
+          <a:lnRef idx="2">
+            <a:schemeClr val="accent1">
+              <a:shade val="50000"/>
+            </a:schemeClr>
+          </a:lnRef>
+          <a:fillRef idx="1">
+            <a:schemeClr val="accent1"/>
+          </a:fillRef>
+          <a:effectRef idx="0">
+            <a:schemeClr val="accent1"/>
+          </a:effectRef>
+          <a:fontRef idx="minor">
+            <a:schemeClr val="lt1"/>
+          </a:fontRef>
+        </p:style>
+        <p:txBody>
+          <a:bodyPr rtlCol="0" anchor="ctr"/>
+          <a:lstStyle/>
+          <a:p>
+            <a:pPr algn="ctr"/>
+            <a:endParaRPr lang="ko-KR" altLang="en-US" dirty="0"/>
+          </a:p>
+        </p:txBody>
+      </p:sp>
+      <p:sp>
+        <p:nvSpPr>
+          <p:cNvPr id="50" name="사각형: 둥근 모서리 49">
+            <a:extLst>
+              <a:ext uri="{FF2B5EF4-FFF2-40B4-BE49-F238E27FC236}">
+                <a16:creationId xmlns:a16="http://schemas.microsoft.com/office/drawing/2014/main" id="{55E5BC58-1EB3-4C5A-A586-A4631B02920C}"/>
+              </a:ext>
+            </a:extLst>
+          </p:cNvPr>
+          <p:cNvSpPr/>
+          <p:nvPr/>
+        </p:nvSpPr>
+        <p:spPr>
+          <a:xfrm rot="5400000">
+            <a:off x="5050239" y="2755554"/>
+            <a:ext cx="1530742" cy="1228707"/>
+          </a:xfrm>
+          <a:prstGeom prst="roundRect">
+            <a:avLst/>
+          </a:prstGeom>
+          <a:noFill/>
+          <a:ln w="19050">
+            <a:solidFill>
+              <a:schemeClr val="tx1"/>
+            </a:solidFill>
+          </a:ln>
+        </p:spPr>
+        <p:style>
+          <a:lnRef idx="2">
+            <a:schemeClr val="accent1">
+              <a:shade val="50000"/>
+            </a:schemeClr>
+          </a:lnRef>
+          <a:fillRef idx="1">
+            <a:schemeClr val="accent1"/>
+          </a:fillRef>
+          <a:effectRef idx="0">
+            <a:schemeClr val="accent1"/>
+          </a:effectRef>
+          <a:fontRef idx="minor">
+            <a:schemeClr val="lt1"/>
+          </a:fontRef>
+        </p:style>
+        <p:txBody>
+          <a:bodyPr rtlCol="0" anchor="ctr"/>
+          <a:lstStyle/>
+          <a:p>
+            <a:pPr algn="ctr"/>
+            <a:endParaRPr lang="ko-KR" altLang="en-US" dirty="0"/>
+          </a:p>
+        </p:txBody>
+      </p:sp>
+      <p:sp>
+        <p:nvSpPr>
+          <p:cNvPr id="63" name="사각형: 둥근 모서리 62">
+            <a:extLst>
+              <a:ext uri="{FF2B5EF4-FFF2-40B4-BE49-F238E27FC236}">
+                <a16:creationId xmlns:a16="http://schemas.microsoft.com/office/drawing/2014/main" id="{B012A1BB-7B5E-4D8A-BF67-59CDD8CE2EF7}"/>
+              </a:ext>
+            </a:extLst>
+          </p:cNvPr>
+          <p:cNvSpPr/>
+          <p:nvPr/>
+        </p:nvSpPr>
+        <p:spPr>
+          <a:xfrm rot="5400000">
+            <a:off x="9693179" y="2755555"/>
+            <a:ext cx="1530742" cy="1228707"/>
+          </a:xfrm>
+          <a:prstGeom prst="roundRect">
+            <a:avLst/>
+          </a:prstGeom>
+          <a:noFill/>
+          <a:ln w="19050">
+            <a:solidFill>
+              <a:schemeClr val="tx1"/>
+            </a:solidFill>
+          </a:ln>
+        </p:spPr>
+        <p:style>
+          <a:lnRef idx="2">
+            <a:schemeClr val="accent1">
+              <a:shade val="50000"/>
+            </a:schemeClr>
+          </a:lnRef>
+          <a:fillRef idx="1">
+            <a:schemeClr val="accent1"/>
+          </a:fillRef>
+          <a:effectRef idx="0">
+            <a:schemeClr val="accent1"/>
+          </a:effectRef>
+          <a:fontRef idx="minor">
+            <a:schemeClr val="lt1"/>
+          </a:fontRef>
+        </p:style>
+        <p:txBody>
+          <a:bodyPr rtlCol="0" anchor="ctr"/>
+          <a:lstStyle/>
+          <a:p>
+            <a:pPr algn="ctr"/>
+            <a:endParaRPr lang="ko-KR" altLang="en-US" dirty="0"/>
+          </a:p>
+        </p:txBody>
+      </p:sp>
+      <p:sp>
+        <p:nvSpPr>
+          <p:cNvPr id="64" name="사각형: 둥근 모서리 63">
+            <a:extLst>
+              <a:ext uri="{FF2B5EF4-FFF2-40B4-BE49-F238E27FC236}">
+                <a16:creationId xmlns:a16="http://schemas.microsoft.com/office/drawing/2014/main" id="{88822DC2-C1D0-4B5C-8DB6-4F384732F998}"/>
+              </a:ext>
+            </a:extLst>
+          </p:cNvPr>
+          <p:cNvSpPr/>
+          <p:nvPr/>
+        </p:nvSpPr>
+        <p:spPr>
+          <a:xfrm rot="5400000">
+            <a:off x="5050238" y="4856190"/>
+            <a:ext cx="1530742" cy="1228707"/>
+          </a:xfrm>
+          <a:prstGeom prst="roundRect">
+            <a:avLst/>
+          </a:prstGeom>
+          <a:noFill/>
+          <a:ln w="19050">
+            <a:solidFill>
+              <a:schemeClr val="tx1"/>
+            </a:solidFill>
+          </a:ln>
+        </p:spPr>
+        <p:style>
+          <a:lnRef idx="2">
+            <a:schemeClr val="accent1">
+              <a:shade val="50000"/>
+            </a:schemeClr>
+          </a:lnRef>
+          <a:fillRef idx="1">
+            <a:schemeClr val="accent1"/>
+          </a:fillRef>
+          <a:effectRef idx="0">
+            <a:schemeClr val="accent1"/>
+          </a:effectRef>
+          <a:fontRef idx="minor">
+            <a:schemeClr val="lt1"/>
+          </a:fontRef>
+        </p:style>
+        <p:txBody>
+          <a:bodyPr rtlCol="0" anchor="ctr"/>
+          <a:lstStyle/>
+          <a:p>
+            <a:pPr algn="ctr"/>
+            <a:endParaRPr lang="ko-KR" altLang="en-US" dirty="0"/>
+          </a:p>
+        </p:txBody>
+      </p:sp>
+      <p:sp>
+        <p:nvSpPr>
+          <p:cNvPr id="2" name="TextBox 1">
+            <a:extLst>
+              <a:ext uri="{FF2B5EF4-FFF2-40B4-BE49-F238E27FC236}">
+                <a16:creationId xmlns:a16="http://schemas.microsoft.com/office/drawing/2014/main" id="{048DB7D9-CA6B-4AF5-B4AB-8A079C6134A8}"/>
+              </a:ext>
+            </a:extLst>
+          </p:cNvPr>
+          <p:cNvSpPr txBox="1"/>
+          <p:nvPr/>
+        </p:nvSpPr>
+        <p:spPr>
+          <a:xfrm>
+            <a:off x="7663876" y="3203937"/>
+            <a:ext cx="1016349" cy="307777"/>
+          </a:xfrm>
+          <a:prstGeom prst="rect">
+            <a:avLst/>
+          </a:prstGeom>
+          <a:noFill/>
+        </p:spPr>
+        <p:txBody>
+          <a:bodyPr wrap="square" rtlCol="0">
+            <a:spAutoFit/>
+          </a:bodyPr>
+          <a:lstStyle/>
+          <a:p>
+            <a:r>
+              <a:rPr lang="ko-KR" altLang="en-US" sz="1400" b="1" dirty="0"/>
+              <a:t>과목 클릭</a:t>
+            </a:r>
+          </a:p>
+        </p:txBody>
+      </p:sp>
+      <p:sp>
+        <p:nvSpPr>
+          <p:cNvPr id="66" name="TextBox 65">
+            <a:extLst>
+              <a:ext uri="{FF2B5EF4-FFF2-40B4-BE49-F238E27FC236}">
+                <a16:creationId xmlns:a16="http://schemas.microsoft.com/office/drawing/2014/main" id="{48D97956-FE82-409F-AB5B-B2A2301A7D90}"/>
+              </a:ext>
+            </a:extLst>
+          </p:cNvPr>
+          <p:cNvSpPr txBox="1"/>
+          <p:nvPr/>
+        </p:nvSpPr>
+        <p:spPr>
+          <a:xfrm>
+            <a:off x="5359955" y="3203936"/>
+            <a:ext cx="1016349" cy="307777"/>
+          </a:xfrm>
+          <a:prstGeom prst="rect">
+            <a:avLst/>
+          </a:prstGeom>
+          <a:noFill/>
+        </p:spPr>
+        <p:txBody>
+          <a:bodyPr wrap="square" rtlCol="0">
+            <a:spAutoFit/>
+          </a:bodyPr>
+          <a:lstStyle/>
+          <a:p>
+            <a:r>
+              <a:rPr lang="ko-KR" altLang="en-US" sz="1400" b="1" dirty="0"/>
+              <a:t>과목 클릭</a:t>
+            </a:r>
+          </a:p>
+        </p:txBody>
+      </p:sp>
+      <p:sp>
+        <p:nvSpPr>
+          <p:cNvPr id="67" name="TextBox 66">
+            <a:extLst>
+              <a:ext uri="{FF2B5EF4-FFF2-40B4-BE49-F238E27FC236}">
+                <a16:creationId xmlns:a16="http://schemas.microsoft.com/office/drawing/2014/main" id="{28F480FC-9231-46DB-BF01-F4D1F6D28AC3}"/>
+              </a:ext>
+            </a:extLst>
+          </p:cNvPr>
+          <p:cNvSpPr txBox="1"/>
+          <p:nvPr/>
+        </p:nvSpPr>
+        <p:spPr>
+          <a:xfrm>
+            <a:off x="5326554" y="5280454"/>
+            <a:ext cx="1016349" cy="307777"/>
+          </a:xfrm>
+          <a:prstGeom prst="rect">
+            <a:avLst/>
+          </a:prstGeom>
+          <a:noFill/>
+        </p:spPr>
+        <p:txBody>
+          <a:bodyPr wrap="square" rtlCol="0">
+            <a:spAutoFit/>
+          </a:bodyPr>
+          <a:lstStyle/>
+          <a:p>
+            <a:r>
+              <a:rPr lang="ko-KR" altLang="en-US" sz="1400" b="1" dirty="0"/>
+              <a:t>과목 클릭</a:t>
+            </a:r>
+          </a:p>
+        </p:txBody>
+      </p:sp>
+      <p:sp>
+        <p:nvSpPr>
+          <p:cNvPr id="69" name="TextBox 68">
+            <a:extLst>
+              <a:ext uri="{FF2B5EF4-FFF2-40B4-BE49-F238E27FC236}">
+                <a16:creationId xmlns:a16="http://schemas.microsoft.com/office/drawing/2014/main" id="{50C4F3AC-40F1-4FDA-9322-58E390447FB4}"/>
+              </a:ext>
+            </a:extLst>
+          </p:cNvPr>
+          <p:cNvSpPr txBox="1"/>
+          <p:nvPr/>
+        </p:nvSpPr>
+        <p:spPr>
+          <a:xfrm>
+            <a:off x="7681424" y="5265254"/>
+            <a:ext cx="1016349" cy="307777"/>
+          </a:xfrm>
+          <a:prstGeom prst="rect">
+            <a:avLst/>
+          </a:prstGeom>
+          <a:noFill/>
+        </p:spPr>
+        <p:txBody>
+          <a:bodyPr wrap="square" rtlCol="0">
+            <a:spAutoFit/>
+          </a:bodyPr>
+          <a:lstStyle/>
+          <a:p>
+            <a:r>
+              <a:rPr lang="ko-KR" altLang="en-US" sz="1400" b="1" dirty="0"/>
+              <a:t>과목 클릭</a:t>
+            </a:r>
+          </a:p>
+        </p:txBody>
+      </p:sp>
+      <p:sp>
+        <p:nvSpPr>
+          <p:cNvPr id="70" name="TextBox 69">
+            <a:extLst>
+              <a:ext uri="{FF2B5EF4-FFF2-40B4-BE49-F238E27FC236}">
+                <a16:creationId xmlns:a16="http://schemas.microsoft.com/office/drawing/2014/main" id="{804D3585-430A-4DF5-AC0D-7CA12B2C3A0B}"/>
+              </a:ext>
+            </a:extLst>
+          </p:cNvPr>
+          <p:cNvSpPr txBox="1"/>
+          <p:nvPr/>
+        </p:nvSpPr>
+        <p:spPr>
+          <a:xfrm>
+            <a:off x="9950375" y="3203936"/>
+            <a:ext cx="1016349" cy="307777"/>
+          </a:xfrm>
+          <a:prstGeom prst="rect">
+            <a:avLst/>
+          </a:prstGeom>
+          <a:noFill/>
+        </p:spPr>
+        <p:txBody>
+          <a:bodyPr wrap="square" rtlCol="0">
+            <a:spAutoFit/>
+          </a:bodyPr>
+          <a:lstStyle/>
+          <a:p>
+            <a:r>
+              <a:rPr lang="ko-KR" altLang="en-US" sz="1400" b="1" dirty="0"/>
+              <a:t>과목 클릭</a:t>
+            </a:r>
+          </a:p>
+        </p:txBody>
+      </p:sp>
+      <p:sp>
+        <p:nvSpPr>
+          <p:cNvPr id="71" name="TextBox 70">
+            <a:extLst>
+              <a:ext uri="{FF2B5EF4-FFF2-40B4-BE49-F238E27FC236}">
+                <a16:creationId xmlns:a16="http://schemas.microsoft.com/office/drawing/2014/main" id="{51ED6D2C-5BBF-415B-9374-896CD2DEB65C}"/>
+              </a:ext>
+            </a:extLst>
+          </p:cNvPr>
+          <p:cNvSpPr txBox="1"/>
+          <p:nvPr/>
+        </p:nvSpPr>
+        <p:spPr>
+          <a:xfrm>
+            <a:off x="9971959" y="5252482"/>
+            <a:ext cx="1016349" cy="307777"/>
+          </a:xfrm>
+          <a:prstGeom prst="rect">
+            <a:avLst/>
+          </a:prstGeom>
+          <a:noFill/>
+        </p:spPr>
+        <p:txBody>
+          <a:bodyPr wrap="square" rtlCol="0">
+            <a:spAutoFit/>
+          </a:bodyPr>
+          <a:lstStyle/>
+          <a:p>
+            <a:r>
+              <a:rPr lang="ko-KR" altLang="en-US" sz="1400" b="1" dirty="0"/>
+              <a:t>과목 클릭</a:t>
+            </a:r>
+          </a:p>
+        </p:txBody>
+      </p:sp>
     </p:spTree>
     <p:extLst>
       <p:ext uri="{BB962C8B-B14F-4D97-AF65-F5344CB8AC3E}">
-        <p14:creationId xmlns:p14="http://schemas.microsoft.com/office/powerpoint/2010/main" val="275639336"/>
+        <p14:creationId xmlns:p14="http://schemas.microsoft.com/office/powerpoint/2010/main" val="2126453448"/>
       </p:ext>
     </p:extLst>
   </p:cSld>
@@ -6403,44 +6662,6 @@
       </p:sp>
       <p:sp>
         <p:nvSpPr>
-          <p:cNvPr id="10" name="직사각형 9">
-            <a:extLst>
-              <a:ext uri="{FF2B5EF4-FFF2-40B4-BE49-F238E27FC236}">
-                <a16:creationId xmlns:a16="http://schemas.microsoft.com/office/drawing/2014/main" id="{0C090C8C-4D1A-4480-B6B1-03118B2B5C69}"/>
-              </a:ext>
-            </a:extLst>
-          </p:cNvPr>
-          <p:cNvSpPr/>
-          <p:nvPr/>
-        </p:nvSpPr>
-        <p:spPr>
-          <a:xfrm>
-            <a:off x="7137937" y="4061345"/>
-            <a:ext cx="2349978" cy="646331"/>
-          </a:xfrm>
-          <a:prstGeom prst="rect">
-            <a:avLst/>
-          </a:prstGeom>
-        </p:spPr>
-        <p:txBody>
-          <a:bodyPr wrap="square">
-            <a:spAutoFit/>
-          </a:bodyPr>
-          <a:lstStyle/>
-          <a:p>
-            <a:r>
-              <a:rPr lang="en-US" altLang="ko-KR" sz="3600" b="1" kern="50" dirty="0">
-                <a:latin typeface="맑은 고딕" panose="020B0503020000020004" pitchFamily="50" charset="-127"/>
-                <a:cs typeface="맑은 고딕" panose="020B0503020000020004" pitchFamily="50" charset="-127"/>
-              </a:rPr>
-              <a:t>calendar</a:t>
-            </a:r>
-            <a:endParaRPr lang="ko-KR" altLang="en-US" sz="3600" dirty="0"/>
-          </a:p>
-        </p:txBody>
-      </p:sp>
-      <p:sp>
-        <p:nvSpPr>
           <p:cNvPr id="26" name="직사각형 25">
             <a:extLst>
               <a:ext uri="{FF2B5EF4-FFF2-40B4-BE49-F238E27FC236}">
@@ -7488,42 +7709,6 @@
               <a:rPr lang="ko-KR" altLang="en-US" sz="1400" b="1" dirty="0"/>
               <a:t>펼쳐 보기</a:t>
             </a:r>
-          </a:p>
-        </p:txBody>
-      </p:sp>
-      <p:sp>
-        <p:nvSpPr>
-          <p:cNvPr id="31" name="TextBox 30">
-            <a:extLst>
-              <a:ext uri="{FF2B5EF4-FFF2-40B4-BE49-F238E27FC236}">
-                <a16:creationId xmlns:a16="http://schemas.microsoft.com/office/drawing/2014/main" id="{98495104-2261-4DDA-BBCC-13AF53D85316}"/>
-              </a:ext>
-            </a:extLst>
-          </p:cNvPr>
-          <p:cNvSpPr txBox="1"/>
-          <p:nvPr/>
-        </p:nvSpPr>
-        <p:spPr>
-          <a:xfrm>
-            <a:off x="5049905" y="1839411"/>
-            <a:ext cx="5161084" cy="2646878"/>
-          </a:xfrm>
-          <a:prstGeom prst="rect">
-            <a:avLst/>
-          </a:prstGeom>
-          <a:noFill/>
-        </p:spPr>
-        <p:txBody>
-          <a:bodyPr wrap="square" rtlCol="0">
-            <a:spAutoFit/>
-          </a:bodyPr>
-          <a:lstStyle/>
-          <a:p>
-            <a:r>
-              <a:rPr lang="en-US" altLang="ko-KR" sz="16600" b="1" dirty="0"/>
-              <a:t>2</a:t>
-            </a:r>
-            <a:endParaRPr lang="ko-KR" altLang="en-US" sz="16600" b="1" dirty="0"/>
           </a:p>
         </p:txBody>
       </p:sp>
@@ -7727,10 +7912,599 @@
           </a:p>
         </p:txBody>
       </p:sp>
+      <p:sp>
+        <p:nvSpPr>
+          <p:cNvPr id="50" name="사각형: 둥근 모서리 49">
+            <a:extLst>
+              <a:ext uri="{FF2B5EF4-FFF2-40B4-BE49-F238E27FC236}">
+                <a16:creationId xmlns:a16="http://schemas.microsoft.com/office/drawing/2014/main" id="{55E5BC58-1EB3-4C5A-A586-A4631B02920C}"/>
+              </a:ext>
+            </a:extLst>
+          </p:cNvPr>
+          <p:cNvSpPr/>
+          <p:nvPr/>
+        </p:nvSpPr>
+        <p:spPr>
+          <a:xfrm rot="5400000">
+            <a:off x="5969714" y="651840"/>
+            <a:ext cx="4311125" cy="7464590"/>
+          </a:xfrm>
+          <a:prstGeom prst="roundRect">
+            <a:avLst>
+              <a:gd name="adj" fmla="val 8101"/>
+            </a:avLst>
+          </a:prstGeom>
+          <a:noFill/>
+          <a:ln w="19050">
+            <a:solidFill>
+              <a:schemeClr val="tx1"/>
+            </a:solidFill>
+          </a:ln>
+        </p:spPr>
+        <p:style>
+          <a:lnRef idx="2">
+            <a:schemeClr val="accent1">
+              <a:shade val="50000"/>
+            </a:schemeClr>
+          </a:lnRef>
+          <a:fillRef idx="1">
+            <a:schemeClr val="accent1"/>
+          </a:fillRef>
+          <a:effectRef idx="0">
+            <a:schemeClr val="accent1"/>
+          </a:effectRef>
+          <a:fontRef idx="minor">
+            <a:schemeClr val="lt1"/>
+          </a:fontRef>
+        </p:style>
+        <p:txBody>
+          <a:bodyPr rtlCol="0" anchor="ctr"/>
+          <a:lstStyle/>
+          <a:p>
+            <a:pPr algn="ctr"/>
+            <a:endParaRPr lang="ko-KR" altLang="en-US" dirty="0"/>
+          </a:p>
+        </p:txBody>
+      </p:sp>
+      <p:sp>
+        <p:nvSpPr>
+          <p:cNvPr id="53" name="직사각형 52">
+            <a:extLst>
+              <a:ext uri="{FF2B5EF4-FFF2-40B4-BE49-F238E27FC236}">
+                <a16:creationId xmlns:a16="http://schemas.microsoft.com/office/drawing/2014/main" id="{FC173279-9D8C-4248-84D0-E4F13CC45D7D}"/>
+              </a:ext>
+            </a:extLst>
+          </p:cNvPr>
+          <p:cNvSpPr/>
+          <p:nvPr/>
+        </p:nvSpPr>
+        <p:spPr>
+          <a:xfrm>
+            <a:off x="11211076" y="2348431"/>
+            <a:ext cx="303923" cy="309770"/>
+          </a:xfrm>
+          <a:prstGeom prst="rect">
+            <a:avLst/>
+          </a:prstGeom>
+          <a:noFill/>
+          <a:ln w="19050">
+            <a:solidFill>
+              <a:schemeClr val="tx1"/>
+            </a:solidFill>
+          </a:ln>
+        </p:spPr>
+        <p:style>
+          <a:lnRef idx="2">
+            <a:schemeClr val="accent1">
+              <a:shade val="50000"/>
+            </a:schemeClr>
+          </a:lnRef>
+          <a:fillRef idx="1">
+            <a:schemeClr val="accent1"/>
+          </a:fillRef>
+          <a:effectRef idx="0">
+            <a:schemeClr val="accent1"/>
+          </a:effectRef>
+          <a:fontRef idx="minor">
+            <a:schemeClr val="lt1"/>
+          </a:fontRef>
+        </p:style>
+        <p:txBody>
+          <a:bodyPr rtlCol="0" anchor="ctr"/>
+          <a:lstStyle/>
+          <a:p>
+            <a:pPr algn="ctr"/>
+            <a:r>
+              <a:rPr lang="en-US" altLang="ko-KR" dirty="0">
+                <a:solidFill>
+                  <a:sysClr val="windowText" lastClr="000000"/>
+                </a:solidFill>
+              </a:rPr>
+              <a:t>X</a:t>
+            </a:r>
+            <a:endParaRPr lang="ko-KR" altLang="en-US" dirty="0">
+              <a:solidFill>
+                <a:sysClr val="windowText" lastClr="000000"/>
+              </a:solidFill>
+            </a:endParaRPr>
+          </a:p>
+        </p:txBody>
+      </p:sp>
+      <p:sp>
+        <p:nvSpPr>
+          <p:cNvPr id="54" name="직사각형 53">
+            <a:extLst>
+              <a:ext uri="{FF2B5EF4-FFF2-40B4-BE49-F238E27FC236}">
+                <a16:creationId xmlns:a16="http://schemas.microsoft.com/office/drawing/2014/main" id="{A2B567D1-8BAF-4F68-9E32-050408EBB07A}"/>
+              </a:ext>
+            </a:extLst>
+          </p:cNvPr>
+          <p:cNvSpPr/>
+          <p:nvPr/>
+        </p:nvSpPr>
+        <p:spPr>
+          <a:xfrm rot="5400000">
+            <a:off x="5795856" y="1877236"/>
+            <a:ext cx="309772" cy="2015768"/>
+          </a:xfrm>
+          <a:prstGeom prst="rect">
+            <a:avLst/>
+          </a:prstGeom>
+          <a:noFill/>
+          <a:ln w="19050">
+            <a:solidFill>
+              <a:schemeClr val="tx1"/>
+            </a:solidFill>
+          </a:ln>
+        </p:spPr>
+        <p:style>
+          <a:lnRef idx="2">
+            <a:schemeClr val="accent1">
+              <a:shade val="50000"/>
+            </a:schemeClr>
+          </a:lnRef>
+          <a:fillRef idx="1">
+            <a:schemeClr val="accent1"/>
+          </a:fillRef>
+          <a:effectRef idx="0">
+            <a:schemeClr val="accent1"/>
+          </a:effectRef>
+          <a:fontRef idx="minor">
+            <a:schemeClr val="lt1"/>
+          </a:fontRef>
+        </p:style>
+        <p:txBody>
+          <a:bodyPr rtlCol="0" anchor="ctr"/>
+          <a:lstStyle/>
+          <a:p>
+            <a:pPr algn="ctr"/>
+            <a:endParaRPr lang="ko-KR" altLang="en-US"/>
+          </a:p>
+        </p:txBody>
+      </p:sp>
+      <p:sp>
+        <p:nvSpPr>
+          <p:cNvPr id="6" name="TextBox 5">
+            <a:extLst>
+              <a:ext uri="{FF2B5EF4-FFF2-40B4-BE49-F238E27FC236}">
+                <a16:creationId xmlns:a16="http://schemas.microsoft.com/office/drawing/2014/main" id="{5738DCEB-751D-4F24-88C8-F10B7450E76D}"/>
+              </a:ext>
+            </a:extLst>
+          </p:cNvPr>
+          <p:cNvSpPr txBox="1"/>
+          <p:nvPr/>
+        </p:nvSpPr>
+        <p:spPr>
+          <a:xfrm>
+            <a:off x="4892321" y="2708476"/>
+            <a:ext cx="2116841" cy="307777"/>
+          </a:xfrm>
+          <a:prstGeom prst="rect">
+            <a:avLst/>
+          </a:prstGeom>
+          <a:noFill/>
+        </p:spPr>
+        <p:txBody>
+          <a:bodyPr wrap="square" rtlCol="0">
+            <a:spAutoFit/>
+          </a:bodyPr>
+          <a:lstStyle/>
+          <a:p>
+            <a:r>
+              <a:rPr lang="ko-KR" altLang="en-US" sz="1400" dirty="0"/>
+              <a:t>대면</a:t>
+            </a:r>
+            <a:r>
+              <a:rPr lang="en-US" altLang="ko-KR" sz="1400" dirty="0"/>
+              <a:t>/</a:t>
+            </a:r>
+            <a:r>
+              <a:rPr lang="ko-KR" altLang="en-US" sz="1400" dirty="0" err="1"/>
+              <a:t>비대면</a:t>
+            </a:r>
+            <a:r>
+              <a:rPr lang="ko-KR" altLang="en-US" sz="1400" dirty="0"/>
+              <a:t> 체크박스</a:t>
+            </a:r>
+          </a:p>
+        </p:txBody>
+      </p:sp>
+      <p:sp>
+        <p:nvSpPr>
+          <p:cNvPr id="9" name="TextBox 8">
+            <a:extLst>
+              <a:ext uri="{FF2B5EF4-FFF2-40B4-BE49-F238E27FC236}">
+                <a16:creationId xmlns:a16="http://schemas.microsoft.com/office/drawing/2014/main" id="{12281B24-EB33-488D-B6D8-A3A7BBD7A382}"/>
+              </a:ext>
+            </a:extLst>
+          </p:cNvPr>
+          <p:cNvSpPr txBox="1"/>
+          <p:nvPr/>
+        </p:nvSpPr>
+        <p:spPr>
+          <a:xfrm>
+            <a:off x="4942858" y="3497735"/>
+            <a:ext cx="1259999" cy="369332"/>
+          </a:xfrm>
+          <a:prstGeom prst="rect">
+            <a:avLst/>
+          </a:prstGeom>
+          <a:noFill/>
+        </p:spPr>
+        <p:txBody>
+          <a:bodyPr wrap="square" rtlCol="0">
+            <a:spAutoFit/>
+          </a:bodyPr>
+          <a:lstStyle/>
+          <a:p>
+            <a:r>
+              <a:rPr lang="ko-KR" altLang="en-US" dirty="0"/>
+              <a:t>수업 시간</a:t>
+            </a:r>
+          </a:p>
+        </p:txBody>
+      </p:sp>
+      <p:sp>
+        <p:nvSpPr>
+          <p:cNvPr id="57" name="직사각형 56">
+            <a:extLst>
+              <a:ext uri="{FF2B5EF4-FFF2-40B4-BE49-F238E27FC236}">
+                <a16:creationId xmlns:a16="http://schemas.microsoft.com/office/drawing/2014/main" id="{45FD75FF-4795-4056-80AE-DF5538353A34}"/>
+              </a:ext>
+            </a:extLst>
+          </p:cNvPr>
+          <p:cNvSpPr/>
+          <p:nvPr/>
+        </p:nvSpPr>
+        <p:spPr>
+          <a:xfrm rot="5400000">
+            <a:off x="5497322" y="2874537"/>
+            <a:ext cx="1830334" cy="2939261"/>
+          </a:xfrm>
+          <a:prstGeom prst="rect">
+            <a:avLst/>
+          </a:prstGeom>
+          <a:noFill/>
+          <a:ln w="19050">
+            <a:solidFill>
+              <a:schemeClr val="tx1"/>
+            </a:solidFill>
+          </a:ln>
+        </p:spPr>
+        <p:style>
+          <a:lnRef idx="2">
+            <a:schemeClr val="accent1">
+              <a:shade val="50000"/>
+            </a:schemeClr>
+          </a:lnRef>
+          <a:fillRef idx="1">
+            <a:schemeClr val="accent1"/>
+          </a:fillRef>
+          <a:effectRef idx="0">
+            <a:schemeClr val="accent1"/>
+          </a:effectRef>
+          <a:fontRef idx="minor">
+            <a:schemeClr val="lt1"/>
+          </a:fontRef>
+        </p:style>
+        <p:txBody>
+          <a:bodyPr rtlCol="0" anchor="ctr"/>
+          <a:lstStyle/>
+          <a:p>
+            <a:pPr algn="ctr"/>
+            <a:endParaRPr lang="ko-KR" altLang="en-US"/>
+          </a:p>
+        </p:txBody>
+      </p:sp>
+      <p:sp>
+        <p:nvSpPr>
+          <p:cNvPr id="72" name="직사각형 71">
+            <a:extLst>
+              <a:ext uri="{FF2B5EF4-FFF2-40B4-BE49-F238E27FC236}">
+                <a16:creationId xmlns:a16="http://schemas.microsoft.com/office/drawing/2014/main" id="{D63A9EA9-8EDE-492B-813C-90839E135A24}"/>
+              </a:ext>
+            </a:extLst>
+          </p:cNvPr>
+          <p:cNvSpPr/>
+          <p:nvPr/>
+        </p:nvSpPr>
+        <p:spPr>
+          <a:xfrm rot="5400000">
+            <a:off x="5321987" y="3738011"/>
+            <a:ext cx="273500" cy="802441"/>
+          </a:xfrm>
+          <a:prstGeom prst="rect">
+            <a:avLst/>
+          </a:prstGeom>
+          <a:noFill/>
+          <a:ln w="19050">
+            <a:solidFill>
+              <a:schemeClr val="tx1"/>
+            </a:solidFill>
+          </a:ln>
+        </p:spPr>
+        <p:style>
+          <a:lnRef idx="2">
+            <a:schemeClr val="accent1">
+              <a:shade val="50000"/>
+            </a:schemeClr>
+          </a:lnRef>
+          <a:fillRef idx="1">
+            <a:schemeClr val="accent1"/>
+          </a:fillRef>
+          <a:effectRef idx="0">
+            <a:schemeClr val="accent1"/>
+          </a:effectRef>
+          <a:fontRef idx="minor">
+            <a:schemeClr val="lt1"/>
+          </a:fontRef>
+        </p:style>
+        <p:txBody>
+          <a:bodyPr rtlCol="0" anchor="ctr"/>
+          <a:lstStyle/>
+          <a:p>
+            <a:pPr algn="ctr"/>
+            <a:endParaRPr lang="ko-KR" altLang="en-US" dirty="0"/>
+          </a:p>
+        </p:txBody>
+      </p:sp>
+      <p:sp>
+        <p:nvSpPr>
+          <p:cNvPr id="73" name="TextBox 72">
+            <a:extLst>
+              <a:ext uri="{FF2B5EF4-FFF2-40B4-BE49-F238E27FC236}">
+                <a16:creationId xmlns:a16="http://schemas.microsoft.com/office/drawing/2014/main" id="{47F8590F-5665-4984-9B07-F9615FEB6ECF}"/>
+              </a:ext>
+            </a:extLst>
+          </p:cNvPr>
+          <p:cNvSpPr txBox="1"/>
+          <p:nvPr/>
+        </p:nvSpPr>
+        <p:spPr>
+          <a:xfrm>
+            <a:off x="5161489" y="3990460"/>
+            <a:ext cx="566583" cy="307777"/>
+          </a:xfrm>
+          <a:prstGeom prst="rect">
+            <a:avLst/>
+          </a:prstGeom>
+          <a:noFill/>
+        </p:spPr>
+        <p:txBody>
+          <a:bodyPr wrap="square" rtlCol="0">
+            <a:spAutoFit/>
+          </a:bodyPr>
+          <a:lstStyle/>
+          <a:p>
+            <a:r>
+              <a:rPr lang="ko-KR" altLang="en-US" sz="1400" dirty="0"/>
+              <a:t>요일</a:t>
+            </a:r>
+          </a:p>
+        </p:txBody>
+      </p:sp>
+      <p:sp>
+        <p:nvSpPr>
+          <p:cNvPr id="74" name="직사각형 73">
+            <a:extLst>
+              <a:ext uri="{FF2B5EF4-FFF2-40B4-BE49-F238E27FC236}">
+                <a16:creationId xmlns:a16="http://schemas.microsoft.com/office/drawing/2014/main" id="{7D0DCA34-E72D-438A-8536-9906B1C4F85A}"/>
+              </a:ext>
+            </a:extLst>
+          </p:cNvPr>
+          <p:cNvSpPr/>
+          <p:nvPr/>
+        </p:nvSpPr>
+        <p:spPr>
+          <a:xfrm rot="5400000">
+            <a:off x="6470420" y="3548673"/>
+            <a:ext cx="276670" cy="1184289"/>
+          </a:xfrm>
+          <a:prstGeom prst="rect">
+            <a:avLst/>
+          </a:prstGeom>
+          <a:noFill/>
+          <a:ln w="19050">
+            <a:solidFill>
+              <a:schemeClr val="tx1"/>
+            </a:solidFill>
+          </a:ln>
+        </p:spPr>
+        <p:style>
+          <a:lnRef idx="2">
+            <a:schemeClr val="accent1">
+              <a:shade val="50000"/>
+            </a:schemeClr>
+          </a:lnRef>
+          <a:fillRef idx="1">
+            <a:schemeClr val="accent1"/>
+          </a:fillRef>
+          <a:effectRef idx="0">
+            <a:schemeClr val="accent1"/>
+          </a:effectRef>
+          <a:fontRef idx="minor">
+            <a:schemeClr val="lt1"/>
+          </a:fontRef>
+        </p:style>
+        <p:txBody>
+          <a:bodyPr rtlCol="0" anchor="ctr"/>
+          <a:lstStyle/>
+          <a:p>
+            <a:pPr algn="ctr"/>
+            <a:r>
+              <a:rPr lang="ko-KR" altLang="en-US" dirty="0"/>
+              <a:t>시</a:t>
+            </a:r>
+          </a:p>
+        </p:txBody>
+      </p:sp>
+      <p:sp>
+        <p:nvSpPr>
+          <p:cNvPr id="76" name="TextBox 75">
+            <a:extLst>
+              <a:ext uri="{FF2B5EF4-FFF2-40B4-BE49-F238E27FC236}">
+                <a16:creationId xmlns:a16="http://schemas.microsoft.com/office/drawing/2014/main" id="{FD9CEDE3-4188-400C-A758-41403727B4C8}"/>
+              </a:ext>
+            </a:extLst>
+          </p:cNvPr>
+          <p:cNvSpPr txBox="1"/>
+          <p:nvPr/>
+        </p:nvSpPr>
+        <p:spPr>
+          <a:xfrm>
+            <a:off x="6304455" y="3990460"/>
+            <a:ext cx="566583" cy="307777"/>
+          </a:xfrm>
+          <a:prstGeom prst="rect">
+            <a:avLst/>
+          </a:prstGeom>
+          <a:noFill/>
+        </p:spPr>
+        <p:txBody>
+          <a:bodyPr wrap="square" rtlCol="0">
+            <a:spAutoFit/>
+          </a:bodyPr>
+          <a:lstStyle/>
+          <a:p>
+            <a:r>
+              <a:rPr lang="ko-KR" altLang="en-US" sz="1400"/>
+              <a:t>시간</a:t>
+            </a:r>
+            <a:endParaRPr lang="ko-KR" altLang="en-US" sz="1400" dirty="0"/>
+          </a:p>
+        </p:txBody>
+      </p:sp>
+      <p:sp>
+        <p:nvSpPr>
+          <p:cNvPr id="77" name="직사각형 76">
+            <a:extLst>
+              <a:ext uri="{FF2B5EF4-FFF2-40B4-BE49-F238E27FC236}">
+                <a16:creationId xmlns:a16="http://schemas.microsoft.com/office/drawing/2014/main" id="{5C386B2F-6B1D-40AE-9200-40E20ED20AEA}"/>
+              </a:ext>
+            </a:extLst>
+          </p:cNvPr>
+          <p:cNvSpPr/>
+          <p:nvPr/>
+        </p:nvSpPr>
+        <p:spPr>
+          <a:xfrm rot="5400000">
+            <a:off x="7460751" y="3968000"/>
+            <a:ext cx="294072" cy="338991"/>
+          </a:xfrm>
+          <a:prstGeom prst="rect">
+            <a:avLst/>
+          </a:prstGeom>
+          <a:noFill/>
+          <a:ln w="19050">
+            <a:solidFill>
+              <a:schemeClr val="tx1"/>
+            </a:solidFill>
+          </a:ln>
+        </p:spPr>
+        <p:style>
+          <a:lnRef idx="2">
+            <a:schemeClr val="accent1">
+              <a:shade val="50000"/>
+            </a:schemeClr>
+          </a:lnRef>
+          <a:fillRef idx="1">
+            <a:schemeClr val="accent1"/>
+          </a:fillRef>
+          <a:effectRef idx="0">
+            <a:schemeClr val="accent1"/>
+          </a:effectRef>
+          <a:fontRef idx="minor">
+            <a:schemeClr val="lt1"/>
+          </a:fontRef>
+        </p:style>
+        <p:txBody>
+          <a:bodyPr rtlCol="0" anchor="ctr"/>
+          <a:lstStyle/>
+          <a:p>
+            <a:pPr algn="ctr"/>
+            <a:r>
+              <a:rPr lang="ko-KR" altLang="en-US" dirty="0"/>
+              <a:t>시</a:t>
+            </a:r>
+          </a:p>
+        </p:txBody>
+      </p:sp>
+      <p:sp>
+        <p:nvSpPr>
+          <p:cNvPr id="14" name="더하기 기호 13">
+            <a:extLst>
+              <a:ext uri="{FF2B5EF4-FFF2-40B4-BE49-F238E27FC236}">
+                <a16:creationId xmlns:a16="http://schemas.microsoft.com/office/drawing/2014/main" id="{9D1B06D1-9D2D-4102-89F4-EE0670759F55}"/>
+              </a:ext>
+            </a:extLst>
+          </p:cNvPr>
+          <p:cNvSpPr/>
+          <p:nvPr/>
+        </p:nvSpPr>
+        <p:spPr>
+          <a:xfrm>
+            <a:off x="7453898" y="3990459"/>
+            <a:ext cx="307777" cy="307777"/>
+          </a:xfrm>
+          <a:prstGeom prst="mathPlus">
+            <a:avLst/>
+          </a:prstGeom>
+          <a:noFill/>
+          <a:ln w="19050">
+            <a:solidFill>
+              <a:schemeClr val="tx1"/>
+            </a:solidFill>
+          </a:ln>
+        </p:spPr>
+        <p:style>
+          <a:lnRef idx="2">
+            <a:schemeClr val="accent1">
+              <a:shade val="50000"/>
+            </a:schemeClr>
+          </a:lnRef>
+          <a:fillRef idx="1">
+            <a:schemeClr val="accent1"/>
+          </a:fillRef>
+          <a:effectRef idx="0">
+            <a:schemeClr val="accent1"/>
+          </a:effectRef>
+          <a:fontRef idx="minor">
+            <a:schemeClr val="lt1"/>
+          </a:fontRef>
+        </p:style>
+        <p:txBody>
+          <a:bodyPr rtlCol="0" anchor="ctr"/>
+          <a:lstStyle/>
+          <a:p>
+            <a:pPr algn="ctr"/>
+            <a:endParaRPr lang="ko-KR" altLang="en-US" dirty="0"/>
+          </a:p>
+        </p:txBody>
+      </p:sp>
     </p:spTree>
     <p:extLst>
       <p:ext uri="{BB962C8B-B14F-4D97-AF65-F5344CB8AC3E}">
-        <p14:creationId xmlns:p14="http://schemas.microsoft.com/office/powerpoint/2010/main" val="2126453448"/>
+        <p14:creationId xmlns:p14="http://schemas.microsoft.com/office/powerpoint/2010/main" val="1321641181"/>
       </p:ext>
     </p:extLst>
   </p:cSld>
@@ -9267,55 +10041,20 @@
       </p:sp>
       <p:sp>
         <p:nvSpPr>
-          <p:cNvPr id="3" name="TextBox 2">
-            <a:extLst>
-              <a:ext uri="{FF2B5EF4-FFF2-40B4-BE49-F238E27FC236}">
-                <a16:creationId xmlns:a16="http://schemas.microsoft.com/office/drawing/2014/main" id="{5B156B2D-7636-4C36-9BC2-29056A75CC30}"/>
-              </a:ext>
-            </a:extLst>
-          </p:cNvPr>
-          <p:cNvSpPr txBox="1"/>
+          <p:cNvPr id="20" name="직사각형 19">
+            <a:extLst>
+              <a:ext uri="{FF2B5EF4-FFF2-40B4-BE49-F238E27FC236}">
+                <a16:creationId xmlns:a16="http://schemas.microsoft.com/office/drawing/2014/main" id="{C1E3FB3C-638D-4375-AE74-C6DE84BEE1FF}"/>
+              </a:ext>
+            </a:extLst>
+          </p:cNvPr>
+          <p:cNvSpPr/>
           <p:nvPr/>
         </p:nvSpPr>
         <p:spPr>
           <a:xfrm>
-            <a:off x="988388" y="4256993"/>
-            <a:ext cx="2269672" cy="400110"/>
-          </a:xfrm>
-          <a:prstGeom prst="rect">
-            <a:avLst/>
-          </a:prstGeom>
-          <a:noFill/>
-        </p:spPr>
-        <p:txBody>
-          <a:bodyPr wrap="square" rtlCol="0">
-            <a:spAutoFit/>
-          </a:bodyPr>
-          <a:lstStyle/>
-          <a:p>
-            <a:r>
-              <a:rPr lang="ko-KR" altLang="en-US" sz="2000" b="1" dirty="0"/>
-              <a:t>알림 간략히 보기</a:t>
-            </a:r>
-          </a:p>
-        </p:txBody>
-      </p:sp>
-      <p:sp>
-        <p:nvSpPr>
-          <p:cNvPr id="20" name="직사각형 19">
-            <a:extLst>
-              <a:ext uri="{FF2B5EF4-FFF2-40B4-BE49-F238E27FC236}">
-                <a16:creationId xmlns:a16="http://schemas.microsoft.com/office/drawing/2014/main" id="{C1E3FB3C-638D-4375-AE74-C6DE84BEE1FF}"/>
-              </a:ext>
-            </a:extLst>
-          </p:cNvPr>
-          <p:cNvSpPr/>
-          <p:nvPr/>
-        </p:nvSpPr>
-        <p:spPr>
-          <a:xfrm>
-            <a:off x="968755" y="280282"/>
-            <a:ext cx="2197401" cy="1970550"/>
+            <a:off x="968755" y="280281"/>
+            <a:ext cx="2197401" cy="6259417"/>
           </a:xfrm>
           <a:prstGeom prst="rect">
             <a:avLst/>
@@ -9366,7 +10105,7 @@
         </p:nvSpPr>
         <p:spPr>
           <a:xfrm>
-            <a:off x="1751242" y="1032196"/>
+            <a:off x="1636834" y="3225323"/>
             <a:ext cx="1046285" cy="369332"/>
           </a:xfrm>
           <a:prstGeom prst="rect">
@@ -9381,61 +10120,9 @@
           <a:lstStyle/>
           <a:p>
             <a:r>
-              <a:rPr lang="ko-KR" altLang="en-US" b="1"/>
+              <a:rPr lang="ko-KR" altLang="en-US" b="1" dirty="0"/>
               <a:t>과목</a:t>
             </a:r>
-          </a:p>
-        </p:txBody>
-      </p:sp>
-      <p:sp>
-        <p:nvSpPr>
-          <p:cNvPr id="22" name="직사각형 21">
-            <a:extLst>
-              <a:ext uri="{FF2B5EF4-FFF2-40B4-BE49-F238E27FC236}">
-                <a16:creationId xmlns:a16="http://schemas.microsoft.com/office/drawing/2014/main" id="{9D6FA677-B412-4396-AA6E-6C40006B8E0A}"/>
-              </a:ext>
-            </a:extLst>
-          </p:cNvPr>
-          <p:cNvSpPr/>
-          <p:nvPr/>
-        </p:nvSpPr>
-        <p:spPr>
-          <a:xfrm>
-            <a:off x="968754" y="2374399"/>
-            <a:ext cx="2197401" cy="4165299"/>
-          </a:xfrm>
-          <a:prstGeom prst="rect">
-            <a:avLst/>
-          </a:prstGeom>
-          <a:noFill/>
-          <a:ln w="19050">
-            <a:solidFill>
-              <a:schemeClr val="tx1"/>
-            </a:solidFill>
-          </a:ln>
-        </p:spPr>
-        <p:style>
-          <a:lnRef idx="2">
-            <a:schemeClr val="accent1">
-              <a:shade val="50000"/>
-            </a:schemeClr>
-          </a:lnRef>
-          <a:fillRef idx="1">
-            <a:schemeClr val="accent1"/>
-          </a:fillRef>
-          <a:effectRef idx="0">
-            <a:schemeClr val="accent1"/>
-          </a:effectRef>
-          <a:fontRef idx="minor">
-            <a:schemeClr val="lt1"/>
-          </a:fontRef>
-        </p:style>
-        <p:txBody>
-          <a:bodyPr rtlCol="0" anchor="ctr"/>
-          <a:lstStyle/>
-          <a:p>
-            <a:pPr algn="ctr"/>
-            <a:endParaRPr lang="ko-KR" altLang="en-US"/>
           </a:p>
         </p:txBody>
       </p:sp>
